--- a/progetto esame/screen/er.pptx
+++ b/progetto esame/screen/er.pptx
@@ -104,6 +104,11 @@
       </a:defRPr>
     </a:lvl9pPr>
   </p:defaultTextStyle>
+  <p:extLst>
+    <p:ext uri="{EFAFB233-063F-42B5-8137-9DF3F51BA10A}">
+      <p15:sldGuideLst xmlns:p15="http://schemas.microsoft.com/office/powerpoint/2012/main"/>
+    </p:ext>
+  </p:extLst>
 </p:presentation>
 </file>
 
@@ -3963,8 +3968,8 @@
           <p:nvPr/>
         </p:nvSpPr>
         <p:spPr>
-          <a:xfrm rot="18051697">
-            <a:off x="8911000" y="5496718"/>
+          <a:xfrm rot="18876378">
+            <a:off x="8618023" y="5395399"/>
             <a:ext cx="621765" cy="336793"/>
           </a:xfrm>
           <a:prstGeom prst="diamond">
@@ -4013,8 +4018,8 @@
         </p:nvCxnSpPr>
         <p:spPr>
           <a:xfrm flipV="1">
-            <a:off x="9381355" y="4462418"/>
-            <a:ext cx="798514" cy="935833"/>
+            <a:off x="9147217" y="4462418"/>
+            <a:ext cx="1032652" cy="880045"/>
           </a:xfrm>
           <a:prstGeom prst="line">
             <a:avLst/>
@@ -4046,8 +4051,8 @@
         </p:nvCxnSpPr>
         <p:spPr>
           <a:xfrm flipV="1">
-            <a:off x="6645670" y="5931979"/>
-            <a:ext cx="2416741" cy="771958"/>
+            <a:off x="6645670" y="5785128"/>
+            <a:ext cx="2064924" cy="918809"/>
           </a:xfrm>
           <a:prstGeom prst="line">
             <a:avLst/>
@@ -6320,7 +6325,7 @@
         </p:nvSpPr>
         <p:spPr>
           <a:xfrm>
-            <a:off x="12218888" y="8075461"/>
+            <a:off x="12623401" y="8462569"/>
             <a:ext cx="1358216" cy="369332"/>
           </a:xfrm>
           <a:prstGeom prst="rect">
@@ -7073,8 +7078,8 @@
         </p:nvCxnSpPr>
         <p:spPr>
           <a:xfrm flipH="1">
-            <a:off x="13577104" y="7430348"/>
-            <a:ext cx="1412370" cy="829779"/>
+            <a:off x="13981617" y="7430348"/>
+            <a:ext cx="1007857" cy="1216887"/>
           </a:xfrm>
           <a:prstGeom prst="line">
             <a:avLst/>

--- a/progetto esame/screen/er.pptx
+++ b/progetto esame/screen/er.pptx
@@ -2981,7 +2981,7 @@
         </p:nvSpPr>
         <p:spPr>
           <a:xfrm>
-            <a:off x="972539" y="1221682"/>
+            <a:off x="199301" y="208264"/>
             <a:ext cx="1915547" cy="953436"/>
           </a:xfrm>
           <a:prstGeom prst="rect">
@@ -3074,13 +3074,18 @@
           <a:p>
             <a:pPr algn="ctr"/>
             <a:r>
-              <a:rPr lang="it-IT" dirty="0">
+              <a:rPr lang="it-IT" dirty="0" smtClean="0">
                 <a:solidFill>
                   <a:schemeClr val="tx1"/>
                 </a:solidFill>
               </a:rPr>
-              <a:t>Clienti</a:t>
-            </a:r>
+              <a:t>Fornitori</a:t>
+            </a:r>
+            <a:endParaRPr lang="it-IT" dirty="0">
+              <a:solidFill>
+                <a:schemeClr val="tx1"/>
+              </a:solidFill>
+            </a:endParaRPr>
           </a:p>
         </p:txBody>
       </p:sp>
@@ -3092,8 +3097,8 @@
         </p:nvSpPr>
         <p:spPr>
           <a:xfrm>
-            <a:off x="6212574" y="6703937"/>
-            <a:ext cx="866191" cy="375650"/>
+            <a:off x="10833610" y="6521422"/>
+            <a:ext cx="1156389" cy="514186"/>
           </a:xfrm>
           <a:prstGeom prst="rect">
             <a:avLst/>
@@ -3180,13 +3185,18 @@
           <a:p>
             <a:pPr algn="ctr"/>
             <a:r>
-              <a:rPr lang="it-IT" dirty="0">
+              <a:rPr lang="it-IT" dirty="0" smtClean="0">
                 <a:solidFill>
                   <a:schemeClr val="tx1"/>
                 </a:solidFill>
               </a:rPr>
-              <a:t>Fornitori</a:t>
-            </a:r>
+              <a:t>Clienti</a:t>
+            </a:r>
+            <a:endParaRPr lang="it-IT" dirty="0">
+              <a:solidFill>
+                <a:schemeClr val="tx1"/>
+              </a:solidFill>
+            </a:endParaRPr>
           </a:p>
         </p:txBody>
       </p:sp>
@@ -3198,8 +3208,8 @@
         </p:nvSpPr>
         <p:spPr>
           <a:xfrm>
-            <a:off x="10292176" y="7169949"/>
-            <a:ext cx="937999" cy="465680"/>
+            <a:off x="2171502" y="7582781"/>
+            <a:ext cx="872110" cy="578317"/>
           </a:xfrm>
           <a:prstGeom prst="rect">
             <a:avLst/>
@@ -3357,8 +3367,8 @@
         </p:nvSpPr>
         <p:spPr>
           <a:xfrm>
-            <a:off x="972539" y="2777406"/>
-            <a:ext cx="1915547" cy="932864"/>
+            <a:off x="181619" y="2736841"/>
+            <a:ext cx="1933229" cy="845327"/>
           </a:xfrm>
           <a:prstGeom prst="rect">
             <a:avLst/>
@@ -3392,13 +3402,18 @@
           <a:p>
             <a:pPr algn="ctr"/>
             <a:r>
-              <a:rPr lang="it-IT" dirty="0">
+              <a:rPr lang="it-IT" dirty="0" err="1" smtClean="0">
                 <a:solidFill>
                   <a:schemeClr val="tx1"/>
                 </a:solidFill>
               </a:rPr>
-              <a:t>Amministrazione</a:t>
-            </a:r>
+              <a:t>Admin</a:t>
+            </a:r>
+            <a:endParaRPr lang="it-IT" dirty="0">
+              <a:solidFill>
+                <a:schemeClr val="tx1"/>
+              </a:solidFill>
+            </a:endParaRPr>
           </a:p>
         </p:txBody>
       </p:sp>
@@ -3410,7 +3425,7 @@
         </p:nvSpPr>
         <p:spPr>
           <a:xfrm>
-            <a:off x="3747039" y="5931979"/>
+            <a:off x="7020803" y="5949029"/>
             <a:ext cx="1075335" cy="427242"/>
           </a:xfrm>
           <a:prstGeom prst="rect">
@@ -3463,7 +3478,7 @@
         </p:nvSpPr>
         <p:spPr>
           <a:xfrm>
-            <a:off x="3183356" y="4370981"/>
+            <a:off x="2902778" y="4229574"/>
             <a:ext cx="2037925" cy="491755"/>
           </a:xfrm>
           <a:prstGeom prst="rect">
@@ -3521,8 +3536,8 @@
         </p:nvSpPr>
         <p:spPr>
           <a:xfrm rot="539151">
-            <a:off x="7273053" y="3053441"/>
-            <a:ext cx="561193" cy="237761"/>
+            <a:off x="7266331" y="3054945"/>
+            <a:ext cx="587069" cy="321797"/>
           </a:xfrm>
           <a:prstGeom prst="diamond">
             <a:avLst/>
@@ -3570,8 +3585,8 @@
         </p:nvCxnSpPr>
         <p:spPr>
           <a:xfrm>
-            <a:off x="7830802" y="3216149"/>
-            <a:ext cx="1767759" cy="874473"/>
+            <a:off x="7849797" y="3261691"/>
+            <a:ext cx="1748764" cy="828931"/>
           </a:xfrm>
           <a:prstGeom prst="line">
             <a:avLst/>
@@ -3604,7 +3619,7 @@
         <p:spPr>
           <a:xfrm>
             <a:off x="6419198" y="2979157"/>
-            <a:ext cx="857299" cy="149338"/>
+            <a:ext cx="850735" cy="190840"/>
           </a:xfrm>
           <a:prstGeom prst="line">
             <a:avLst/>
@@ -3633,7 +3648,7 @@
         </p:nvSpPr>
         <p:spPr>
           <a:xfrm rot="369147">
-            <a:off x="12689004" y="4248496"/>
+            <a:off x="12893341" y="4350950"/>
             <a:ext cx="739037" cy="374705"/>
           </a:xfrm>
           <a:prstGeom prst="diamond">
@@ -3682,8 +3697,8 @@
         </p:nvCxnSpPr>
         <p:spPr>
           <a:xfrm>
-            <a:off x="13425913" y="4475452"/>
-            <a:ext cx="994842" cy="170344"/>
+            <a:off x="13630250" y="4577906"/>
+            <a:ext cx="790505" cy="67890"/>
           </a:xfrm>
           <a:prstGeom prst="line">
             <a:avLst/>
@@ -3716,7 +3731,7 @@
         <p:spPr>
           <a:xfrm>
             <a:off x="10761176" y="4090622"/>
-            <a:ext cx="1929956" cy="305624"/>
+            <a:ext cx="2134293" cy="408078"/>
           </a:xfrm>
           <a:prstGeom prst="line">
             <a:avLst/>
@@ -3744,8 +3759,8 @@
           <p:nvPr/>
         </p:nvSpPr>
         <p:spPr>
-          <a:xfrm rot="3016905" flipV="1">
-            <a:off x="13711475" y="5718798"/>
+          <a:xfrm rot="1892774" flipV="1">
+            <a:off x="12746907" y="5684921"/>
             <a:ext cx="666861" cy="381323"/>
           </a:xfrm>
           <a:prstGeom prst="diamond">
@@ -3794,8 +3809,8 @@
         </p:nvCxnSpPr>
         <p:spPr>
           <a:xfrm>
-            <a:off x="14257972" y="6165933"/>
-            <a:ext cx="731502" cy="680854"/>
+            <a:off x="13364493" y="6050028"/>
+            <a:ext cx="1624981" cy="796759"/>
           </a:xfrm>
           <a:prstGeom prst="line">
             <a:avLst/>
@@ -3828,7 +3843,7 @@
         <p:spPr>
           <a:xfrm>
             <a:off x="10761176" y="4090622"/>
-            <a:ext cx="3070664" cy="1562364"/>
+            <a:ext cx="2035006" cy="1610514"/>
           </a:xfrm>
           <a:prstGeom prst="line">
             <a:avLst/>
@@ -3856,9 +3871,9 @@
           <p:nvPr/>
         </p:nvSpPr>
         <p:spPr>
-          <a:xfrm rot="4965281">
-            <a:off x="10287087" y="5945775"/>
-            <a:ext cx="682855" cy="392221"/>
+          <a:xfrm rot="8294501">
+            <a:off x="4037287" y="6109577"/>
+            <a:ext cx="848022" cy="479283"/>
           </a:xfrm>
           <a:prstGeom prst="diamond">
             <a:avLst/>
@@ -3905,9 +3920,9 @@
           <p:nvPr/>
         </p:nvCxnSpPr>
         <p:spPr>
-          <a:xfrm>
-            <a:off x="10671574" y="6480587"/>
-            <a:ext cx="89602" cy="689362"/>
+          <a:xfrm flipH="1">
+            <a:off x="2607557" y="6631605"/>
+            <a:ext cx="1537445" cy="951176"/>
           </a:xfrm>
           <a:prstGeom prst="line">
             <a:avLst/>
@@ -3932,15 +3947,15 @@
         <p:nvCxnSpPr>
           <p:cNvPr id="38" name="Connettore diritto 37"/>
           <p:cNvCxnSpPr>
-            <a:stCxn id="9" idx="2"/>
+            <a:stCxn id="9" idx="1"/>
             <a:endCxn id="36" idx="1"/>
           </p:cNvCxnSpPr>
           <p:nvPr/>
         </p:nvCxnSpPr>
         <p:spPr>
-          <a:xfrm>
-            <a:off x="10179869" y="4462418"/>
-            <a:ext cx="405585" cy="1340766"/>
+          <a:xfrm flipH="1">
+            <a:off x="4777593" y="4090622"/>
+            <a:ext cx="4820968" cy="1976209"/>
           </a:xfrm>
           <a:prstGeom prst="line">
             <a:avLst/>
@@ -3968,8 +3983,8 @@
           <p:nvPr/>
         </p:nvSpPr>
         <p:spPr>
-          <a:xfrm rot="18876378">
-            <a:off x="8618023" y="5395399"/>
+          <a:xfrm rot="14338142">
+            <a:off x="10396038" y="5197508"/>
             <a:ext cx="621765" cy="336793"/>
           </a:xfrm>
           <a:prstGeom prst="diamond">
@@ -4017,9 +4032,9 @@
           <p:nvPr/>
         </p:nvCxnSpPr>
         <p:spPr>
-          <a:xfrm flipV="1">
-            <a:off x="9147217" y="4462418"/>
-            <a:ext cx="1032652" cy="880045"/>
+          <a:xfrm flipH="1" flipV="1">
+            <a:off x="10179869" y="4462418"/>
+            <a:ext cx="366792" cy="637095"/>
           </a:xfrm>
           <a:prstGeom prst="line">
             <a:avLst/>
@@ -4050,9 +4065,9 @@
           <p:nvPr/>
         </p:nvCxnSpPr>
         <p:spPr>
-          <a:xfrm flipV="1">
-            <a:off x="6645670" y="5785128"/>
-            <a:ext cx="2064924" cy="918809"/>
+          <a:xfrm flipH="1" flipV="1">
+            <a:off x="10867181" y="5632296"/>
+            <a:ext cx="544624" cy="889126"/>
           </a:xfrm>
           <a:prstGeom prst="line">
             <a:avLst/>
@@ -4080,8 +4095,8 @@
           <p:nvPr/>
         </p:nvSpPr>
         <p:spPr>
-          <a:xfrm rot="20737242">
-            <a:off x="6636336" y="3975993"/>
+          <a:xfrm rot="21092512">
+            <a:off x="6259618" y="4181108"/>
             <a:ext cx="595886" cy="292465"/>
           </a:xfrm>
           <a:prstGeom prst="diamond">
@@ -4129,9 +4144,9 @@
           <p:nvPr/>
         </p:nvCxnSpPr>
         <p:spPr>
-          <a:xfrm>
-            <a:off x="7222888" y="4048235"/>
-            <a:ext cx="2375673" cy="42387"/>
+          <a:xfrm flipV="1">
+            <a:off x="6852264" y="4090622"/>
+            <a:ext cx="2746297" cy="192896"/>
           </a:xfrm>
           <a:prstGeom prst="line">
             <a:avLst/>
@@ -4156,15 +4171,15 @@
         <p:nvCxnSpPr>
           <p:cNvPr id="44" name="Connettore diritto 43"/>
           <p:cNvCxnSpPr>
-            <a:stCxn id="13" idx="0"/>
+            <a:stCxn id="13" idx="3"/>
             <a:endCxn id="42" idx="1"/>
           </p:cNvCxnSpPr>
           <p:nvPr/>
         </p:nvCxnSpPr>
         <p:spPr>
           <a:xfrm flipV="1">
-            <a:off x="4202319" y="4196217"/>
-            <a:ext cx="2443351" cy="174764"/>
+            <a:off x="4940703" y="4371164"/>
+            <a:ext cx="1322156" cy="104288"/>
           </a:xfrm>
           <a:prstGeom prst="line">
             <a:avLst/>
@@ -4192,8 +4207,8 @@
           <p:nvPr/>
         </p:nvSpPr>
         <p:spPr>
-          <a:xfrm rot="19607682">
-            <a:off x="6406501" y="5095754"/>
+          <a:xfrm rot="18525995">
+            <a:off x="8460149" y="4814580"/>
             <a:ext cx="586548" cy="312328"/>
           </a:xfrm>
           <a:prstGeom prst="diamond">
@@ -4242,8 +4257,8 @@
         </p:nvCxnSpPr>
         <p:spPr>
           <a:xfrm flipV="1">
-            <a:off x="6945161" y="4090622"/>
-            <a:ext cx="2653400" cy="1000687"/>
+            <a:off x="8937056" y="4090622"/>
+            <a:ext cx="661505" cy="651455"/>
           </a:xfrm>
           <a:prstGeom prst="line">
             <a:avLst/>
@@ -4275,8 +4290,8 @@
         </p:nvCxnSpPr>
         <p:spPr>
           <a:xfrm flipV="1">
-            <a:off x="4284707" y="5412527"/>
-            <a:ext cx="2169682" cy="519452"/>
+            <a:off x="7558471" y="5199411"/>
+            <a:ext cx="1011319" cy="749618"/>
           </a:xfrm>
           <a:prstGeom prst="line">
             <a:avLst/>
@@ -5528,7 +5543,7 @@
           <a:p>
             <a:r>
               <a:rPr lang="it-IT" dirty="0" err="1" smtClean="0"/>
-              <a:t>ID_Cliente</a:t>
+              <a:t>ID_Fornitore</a:t>
             </a:r>
             <a:endParaRPr lang="it-IT" dirty="0"/>
           </a:p>
@@ -6341,7 +6356,7 @@
           <a:p>
             <a:r>
               <a:rPr lang="it-IT" dirty="0" err="1" smtClean="0"/>
-              <a:t>ID_Fornitore</a:t>
+              <a:t>ID_Cliente</a:t>
             </a:r>
             <a:endParaRPr lang="it-IT" dirty="0"/>
           </a:p>
@@ -7143,8 +7158,8 @@
         </p:nvCxnSpPr>
         <p:spPr>
           <a:xfrm flipV="1">
-            <a:off x="11230175" y="7293935"/>
-            <a:ext cx="832378" cy="108854"/>
+            <a:off x="3043612" y="7819404"/>
+            <a:ext cx="898267" cy="52536"/>
           </a:xfrm>
           <a:prstGeom prst="line">
             <a:avLst/>
@@ -7175,8 +7190,8 @@
         </p:nvCxnSpPr>
         <p:spPr>
           <a:xfrm>
-            <a:off x="11230175" y="7402789"/>
-            <a:ext cx="711920" cy="157142"/>
+            <a:off x="3043612" y="7871940"/>
+            <a:ext cx="777809" cy="213460"/>
           </a:xfrm>
           <a:prstGeom prst="line">
             <a:avLst/>
@@ -7207,8 +7222,8 @@
         </p:nvCxnSpPr>
         <p:spPr>
           <a:xfrm>
-            <a:off x="11230175" y="7402789"/>
-            <a:ext cx="452204" cy="447250"/>
+            <a:off x="3043612" y="7871940"/>
+            <a:ext cx="518093" cy="503568"/>
           </a:xfrm>
           <a:prstGeom prst="line">
             <a:avLst/>
@@ -7239,8 +7254,8 @@
         </p:nvCxnSpPr>
         <p:spPr>
           <a:xfrm>
-            <a:off x="10761176" y="7635629"/>
-            <a:ext cx="380725" cy="304280"/>
+            <a:off x="2607557" y="8161098"/>
+            <a:ext cx="413670" cy="304280"/>
           </a:xfrm>
           <a:prstGeom prst="line">
             <a:avLst/>
@@ -7271,8 +7286,8 @@
         </p:nvCxnSpPr>
         <p:spPr>
           <a:xfrm flipH="1">
-            <a:off x="9778665" y="7635629"/>
-            <a:ext cx="954431" cy="585294"/>
+            <a:off x="1397391" y="8161098"/>
+            <a:ext cx="1215032" cy="495961"/>
           </a:xfrm>
           <a:prstGeom prst="line">
             <a:avLst/>
@@ -7304,8 +7319,8 @@
         </p:nvCxnSpPr>
         <p:spPr>
           <a:xfrm flipH="1">
-            <a:off x="10507375" y="7635629"/>
-            <a:ext cx="253801" cy="718194"/>
+            <a:off x="2393349" y="8161098"/>
+            <a:ext cx="214208" cy="628861"/>
           </a:xfrm>
           <a:prstGeom prst="line">
             <a:avLst/>
@@ -7337,8 +7352,8 @@
         </p:nvCxnSpPr>
         <p:spPr>
           <a:xfrm flipH="1">
-            <a:off x="9932711" y="7402789"/>
-            <a:ext cx="359465" cy="326484"/>
+            <a:off x="1828579" y="7871940"/>
+            <a:ext cx="342923" cy="293469"/>
           </a:xfrm>
           <a:prstGeom prst="line">
             <a:avLst/>
@@ -7369,8 +7384,8 @@
         </p:nvCxnSpPr>
         <p:spPr>
           <a:xfrm flipH="1" flipV="1">
-            <a:off x="10011623" y="7130931"/>
-            <a:ext cx="280553" cy="271858"/>
+            <a:off x="1890950" y="7656400"/>
+            <a:ext cx="280552" cy="215540"/>
           </a:xfrm>
           <a:prstGeom prst="line">
             <a:avLst/>
@@ -7396,14 +7411,13 @@
           <p:cNvPr id="820" name="Connettore diritto 819"/>
           <p:cNvCxnSpPr>
             <a:stCxn id="8" idx="1"/>
-            <a:endCxn id="862" idx="3"/>
           </p:cNvCxnSpPr>
           <p:nvPr/>
         </p:nvCxnSpPr>
         <p:spPr>
           <a:xfrm flipH="1">
-            <a:off x="9889366" y="7402789"/>
-            <a:ext cx="402810" cy="0"/>
+            <a:off x="1768692" y="7871940"/>
+            <a:ext cx="402810" cy="56318"/>
           </a:xfrm>
           <a:prstGeom prst="line">
             <a:avLst/>
@@ -7434,8 +7448,8 @@
         </p:nvCxnSpPr>
         <p:spPr>
           <a:xfrm flipV="1">
-            <a:off x="11230175" y="6985283"/>
-            <a:ext cx="503419" cy="417506"/>
+            <a:off x="3043612" y="7510752"/>
+            <a:ext cx="569308" cy="361188"/>
           </a:xfrm>
           <a:prstGeom prst="line">
             <a:avLst/>
@@ -7464,8 +7478,8 @@
         </p:nvSpPr>
         <p:spPr>
           <a:xfrm>
-            <a:off x="8973129" y="6800617"/>
-            <a:ext cx="1324609" cy="369332"/>
+            <a:off x="524267" y="7179487"/>
+            <a:ext cx="1564084" cy="369332"/>
           </a:xfrm>
           <a:prstGeom prst="rect">
             <a:avLst/>
@@ -7494,8 +7508,8 @@
         </p:nvSpPr>
         <p:spPr>
           <a:xfrm>
-            <a:off x="8464129" y="7218123"/>
-            <a:ext cx="1425237" cy="369332"/>
+            <a:off x="399975" y="7580115"/>
+            <a:ext cx="1486109" cy="369332"/>
           </a:xfrm>
           <a:prstGeom prst="rect">
             <a:avLst/>
@@ -7524,8 +7538,8 @@
         </p:nvSpPr>
         <p:spPr>
           <a:xfrm>
-            <a:off x="8676895" y="7544607"/>
-            <a:ext cx="1255816" cy="369332"/>
+            <a:off x="556220" y="7980743"/>
+            <a:ext cx="1272359" cy="369332"/>
           </a:xfrm>
           <a:prstGeom prst="rect">
             <a:avLst/>
@@ -7554,8 +7568,8 @@
         </p:nvSpPr>
         <p:spPr>
           <a:xfrm>
-            <a:off x="8579646" y="8036257"/>
-            <a:ext cx="1199019" cy="369332"/>
+            <a:off x="199301" y="8472393"/>
+            <a:ext cx="1198090" cy="369332"/>
           </a:xfrm>
           <a:prstGeom prst="rect">
             <a:avLst/>
@@ -7584,8 +7598,8 @@
         </p:nvSpPr>
         <p:spPr>
           <a:xfrm>
-            <a:off x="9863760" y="8353823"/>
-            <a:ext cx="1287230" cy="369332"/>
+            <a:off x="1743086" y="8789959"/>
+            <a:ext cx="1300526" cy="369332"/>
           </a:xfrm>
           <a:prstGeom prst="rect">
             <a:avLst/>
@@ -7614,8 +7628,8 @@
         </p:nvSpPr>
         <p:spPr>
           <a:xfrm>
-            <a:off x="10951538" y="7928276"/>
-            <a:ext cx="730841" cy="369332"/>
+            <a:off x="2830865" y="8364412"/>
+            <a:ext cx="571996" cy="369332"/>
           </a:xfrm>
           <a:prstGeom prst="rect">
             <a:avLst/>
@@ -7644,8 +7658,8 @@
         </p:nvSpPr>
         <p:spPr>
           <a:xfrm>
-            <a:off x="11567044" y="7817696"/>
-            <a:ext cx="1309984" cy="369332"/>
+            <a:off x="3446370" y="8253832"/>
+            <a:ext cx="1025265" cy="369332"/>
           </a:xfrm>
           <a:prstGeom prst="rect">
             <a:avLst/>
@@ -7674,8 +7688,8 @@
         </p:nvSpPr>
         <p:spPr>
           <a:xfrm>
-            <a:off x="11979010" y="7402789"/>
-            <a:ext cx="1945073" cy="369332"/>
+            <a:off x="3858336" y="7838925"/>
+            <a:ext cx="1911279" cy="369332"/>
           </a:xfrm>
           <a:prstGeom prst="rect">
             <a:avLst/>
@@ -7704,8 +7718,8 @@
         </p:nvSpPr>
         <p:spPr>
           <a:xfrm>
-            <a:off x="11733594" y="6703937"/>
-            <a:ext cx="1195346" cy="369332"/>
+            <a:off x="3584578" y="7182007"/>
+            <a:ext cx="1495097" cy="369332"/>
           </a:xfrm>
           <a:prstGeom prst="rect">
             <a:avLst/>
@@ -7734,8 +7748,8 @@
         </p:nvSpPr>
         <p:spPr>
           <a:xfrm>
-            <a:off x="12110484" y="7073269"/>
-            <a:ext cx="1389113" cy="369332"/>
+            <a:off x="3943291" y="7463463"/>
+            <a:ext cx="1560428" cy="369332"/>
           </a:xfrm>
           <a:prstGeom prst="rect">
             <a:avLst/>
@@ -7751,6 +7765,2131 @@
             <a:r>
               <a:rPr lang="it-IT" dirty="0" err="1" smtClean="0"/>
               <a:t>DataFattura</a:t>
+            </a:r>
+            <a:endParaRPr lang="it-IT" dirty="0"/>
+          </a:p>
+        </p:txBody>
+      </p:sp>
+      <p:cxnSp>
+        <p:nvCxnSpPr>
+          <p:cNvPr id="19" name="Connettore diritto 18"/>
+          <p:cNvCxnSpPr>
+            <a:stCxn id="12" idx="3"/>
+            <a:endCxn id="23" idx="1"/>
+          </p:cNvCxnSpPr>
+          <p:nvPr/>
+        </p:nvCxnSpPr>
+        <p:spPr>
+          <a:xfrm>
+            <a:off x="8096138" y="6162650"/>
+            <a:ext cx="445008" cy="370539"/>
+          </a:xfrm>
+          <a:prstGeom prst="line">
+            <a:avLst/>
+          </a:prstGeom>
+        </p:spPr>
+        <p:style>
+          <a:lnRef idx="1">
+            <a:schemeClr val="accent1"/>
+          </a:lnRef>
+          <a:fillRef idx="0">
+            <a:schemeClr val="accent1"/>
+          </a:fillRef>
+          <a:effectRef idx="0">
+            <a:schemeClr val="accent1"/>
+          </a:effectRef>
+          <a:fontRef idx="minor">
+            <a:schemeClr val="tx1"/>
+          </a:fontRef>
+        </p:style>
+      </p:cxnSp>
+      <p:sp>
+        <p:nvSpPr>
+          <p:cNvPr id="23" name="Rombo 22"/>
+          <p:cNvSpPr/>
+          <p:nvPr/>
+        </p:nvSpPr>
+        <p:spPr>
+          <a:xfrm rot="21590008">
+            <a:off x="8541142" y="6156972"/>
+            <a:ext cx="1860293" cy="747026"/>
+          </a:xfrm>
+          <a:prstGeom prst="diamond">
+            <a:avLst/>
+          </a:prstGeom>
+          <a:noFill/>
+        </p:spPr>
+        <p:style>
+          <a:lnRef idx="2">
+            <a:schemeClr val="accent1">
+              <a:shade val="50000"/>
+            </a:schemeClr>
+          </a:lnRef>
+          <a:fillRef idx="1">
+            <a:schemeClr val="accent1"/>
+          </a:fillRef>
+          <a:effectRef idx="0">
+            <a:schemeClr val="accent1"/>
+          </a:effectRef>
+          <a:fontRef idx="minor">
+            <a:schemeClr val="lt1"/>
+          </a:fontRef>
+        </p:style>
+        <p:txBody>
+          <a:bodyPr rtlCol="0" anchor="ctr"/>
+          <a:lstStyle/>
+          <a:p>
+            <a:pPr algn="ctr"/>
+            <a:r>
+              <a:rPr lang="it-IT" dirty="0" smtClean="0">
+                <a:solidFill>
+                  <a:schemeClr val="tx1"/>
+                </a:solidFill>
+              </a:rPr>
+              <a:t>Vendita</a:t>
+            </a:r>
+            <a:endParaRPr lang="it-IT" dirty="0">
+              <a:solidFill>
+                <a:schemeClr val="tx1"/>
+              </a:solidFill>
+            </a:endParaRPr>
+          </a:p>
+        </p:txBody>
+      </p:sp>
+      <p:cxnSp>
+        <p:nvCxnSpPr>
+          <p:cNvPr id="25" name="Connettore diritto 24"/>
+          <p:cNvCxnSpPr>
+            <a:stCxn id="23" idx="3"/>
+            <a:endCxn id="6" idx="1"/>
+          </p:cNvCxnSpPr>
+          <p:nvPr/>
+        </p:nvCxnSpPr>
+        <p:spPr>
+          <a:xfrm>
+            <a:off x="10401431" y="6527781"/>
+            <a:ext cx="432179" cy="250734"/>
+          </a:xfrm>
+          <a:prstGeom prst="line">
+            <a:avLst/>
+          </a:prstGeom>
+        </p:spPr>
+        <p:style>
+          <a:lnRef idx="1">
+            <a:schemeClr val="accent1"/>
+          </a:lnRef>
+          <a:fillRef idx="0">
+            <a:schemeClr val="accent1"/>
+          </a:fillRef>
+          <a:effectRef idx="0">
+            <a:schemeClr val="accent1"/>
+          </a:effectRef>
+          <a:fontRef idx="minor">
+            <a:schemeClr val="tx1"/>
+          </a:fontRef>
+        </p:style>
+      </p:cxnSp>
+      <p:cxnSp>
+        <p:nvCxnSpPr>
+          <p:cNvPr id="452" name="Connettore diritto 451"/>
+          <p:cNvCxnSpPr>
+            <a:stCxn id="6" idx="2"/>
+            <a:endCxn id="454" idx="0"/>
+          </p:cNvCxnSpPr>
+          <p:nvPr/>
+        </p:nvCxnSpPr>
+        <p:spPr>
+          <a:xfrm flipH="1">
+            <a:off x="10594447" y="7035608"/>
+            <a:ext cx="817358" cy="374145"/>
+          </a:xfrm>
+          <a:prstGeom prst="line">
+            <a:avLst/>
+          </a:prstGeom>
+        </p:spPr>
+        <p:style>
+          <a:lnRef idx="1">
+            <a:schemeClr val="accent1"/>
+          </a:lnRef>
+          <a:fillRef idx="0">
+            <a:schemeClr val="accent1"/>
+          </a:fillRef>
+          <a:effectRef idx="0">
+            <a:schemeClr val="accent1"/>
+          </a:effectRef>
+          <a:fontRef idx="minor">
+            <a:schemeClr val="tx1"/>
+          </a:fontRef>
+        </p:style>
+      </p:cxnSp>
+      <p:sp>
+        <p:nvSpPr>
+          <p:cNvPr id="454" name="CasellaDiTesto 453"/>
+          <p:cNvSpPr txBox="1"/>
+          <p:nvPr/>
+        </p:nvSpPr>
+        <p:spPr>
+          <a:xfrm>
+            <a:off x="10023862" y="7409753"/>
+            <a:ext cx="1141169" cy="369332"/>
+          </a:xfrm>
+          <a:prstGeom prst="rect">
+            <a:avLst/>
+          </a:prstGeom>
+          <a:noFill/>
+        </p:spPr>
+        <p:txBody>
+          <a:bodyPr wrap="square" rtlCol="0">
+            <a:spAutoFit/>
+          </a:bodyPr>
+          <a:lstStyle/>
+          <a:p>
+            <a:r>
+              <a:rPr lang="it-IT" dirty="0" smtClean="0"/>
+              <a:t>Numero</a:t>
+            </a:r>
+            <a:endParaRPr lang="it-IT" dirty="0"/>
+          </a:p>
+        </p:txBody>
+      </p:sp>
+      <p:cxnSp>
+        <p:nvCxnSpPr>
+          <p:cNvPr id="464" name="Connettore diritto 463"/>
+          <p:cNvCxnSpPr>
+            <a:stCxn id="6" idx="2"/>
+            <a:endCxn id="467" idx="0"/>
+          </p:cNvCxnSpPr>
+          <p:nvPr/>
+        </p:nvCxnSpPr>
+        <p:spPr>
+          <a:xfrm flipH="1">
+            <a:off x="10734365" y="7035608"/>
+            <a:ext cx="677440" cy="920813"/>
+          </a:xfrm>
+          <a:prstGeom prst="line">
+            <a:avLst/>
+          </a:prstGeom>
+        </p:spPr>
+        <p:style>
+          <a:lnRef idx="1">
+            <a:schemeClr val="accent1"/>
+          </a:lnRef>
+          <a:fillRef idx="0">
+            <a:schemeClr val="accent1"/>
+          </a:fillRef>
+          <a:effectRef idx="0">
+            <a:schemeClr val="accent1"/>
+          </a:effectRef>
+          <a:fontRef idx="minor">
+            <a:schemeClr val="tx1"/>
+          </a:fontRef>
+        </p:style>
+      </p:cxnSp>
+      <p:sp>
+        <p:nvSpPr>
+          <p:cNvPr id="467" name="CasellaDiTesto 466"/>
+          <p:cNvSpPr txBox="1"/>
+          <p:nvPr/>
+        </p:nvSpPr>
+        <p:spPr>
+          <a:xfrm>
+            <a:off x="10248398" y="7956421"/>
+            <a:ext cx="971934" cy="369332"/>
+          </a:xfrm>
+          <a:prstGeom prst="rect">
+            <a:avLst/>
+          </a:prstGeom>
+          <a:noFill/>
+        </p:spPr>
+        <p:txBody>
+          <a:bodyPr wrap="square" rtlCol="0">
+            <a:spAutoFit/>
+          </a:bodyPr>
+          <a:lstStyle/>
+          <a:p>
+            <a:r>
+              <a:rPr lang="it-IT" dirty="0" smtClean="0"/>
+              <a:t>Oggetto</a:t>
+            </a:r>
+            <a:endParaRPr lang="it-IT" dirty="0"/>
+          </a:p>
+        </p:txBody>
+      </p:sp>
+      <p:cxnSp>
+        <p:nvCxnSpPr>
+          <p:cNvPr id="471" name="Connettore diritto 470"/>
+          <p:cNvCxnSpPr>
+            <a:stCxn id="6" idx="2"/>
+            <a:endCxn id="476" idx="0"/>
+          </p:cNvCxnSpPr>
+          <p:nvPr/>
+        </p:nvCxnSpPr>
+        <p:spPr>
+          <a:xfrm>
+            <a:off x="11411805" y="7035608"/>
+            <a:ext cx="77542" cy="1225105"/>
+          </a:xfrm>
+          <a:prstGeom prst="line">
+            <a:avLst/>
+          </a:prstGeom>
+        </p:spPr>
+        <p:style>
+          <a:lnRef idx="1">
+            <a:schemeClr val="accent1"/>
+          </a:lnRef>
+          <a:fillRef idx="0">
+            <a:schemeClr val="accent1"/>
+          </a:fillRef>
+          <a:effectRef idx="0">
+            <a:schemeClr val="accent1"/>
+          </a:effectRef>
+          <a:fontRef idx="minor">
+            <a:schemeClr val="tx1"/>
+          </a:fontRef>
+        </p:style>
+      </p:cxnSp>
+      <p:sp>
+        <p:nvSpPr>
+          <p:cNvPr id="476" name="CasellaDiTesto 475"/>
+          <p:cNvSpPr txBox="1"/>
+          <p:nvPr/>
+        </p:nvSpPr>
+        <p:spPr>
+          <a:xfrm>
+            <a:off x="10621756" y="8260713"/>
+            <a:ext cx="1735181" cy="369332"/>
+          </a:xfrm>
+          <a:prstGeom prst="rect">
+            <a:avLst/>
+          </a:prstGeom>
+          <a:noFill/>
+        </p:spPr>
+        <p:txBody>
+          <a:bodyPr wrap="square" rtlCol="0">
+            <a:spAutoFit/>
+          </a:bodyPr>
+          <a:lstStyle/>
+          <a:p>
+            <a:r>
+              <a:rPr lang="it-IT" dirty="0" err="1" smtClean="0"/>
+              <a:t>TipoPagamento</a:t>
+            </a:r>
+            <a:endParaRPr lang="it-IT" dirty="0"/>
+          </a:p>
+        </p:txBody>
+      </p:sp>
+      <p:cxnSp>
+        <p:nvCxnSpPr>
+          <p:cNvPr id="479" name="Connettore diritto 478"/>
+          <p:cNvCxnSpPr>
+            <a:stCxn id="6" idx="2"/>
+            <a:endCxn id="482" idx="1"/>
+          </p:cNvCxnSpPr>
+          <p:nvPr/>
+        </p:nvCxnSpPr>
+        <p:spPr>
+          <a:xfrm>
+            <a:off x="11411805" y="7035608"/>
+            <a:ext cx="342208" cy="736147"/>
+          </a:xfrm>
+          <a:prstGeom prst="line">
+            <a:avLst/>
+          </a:prstGeom>
+        </p:spPr>
+        <p:style>
+          <a:lnRef idx="1">
+            <a:schemeClr val="accent1"/>
+          </a:lnRef>
+          <a:fillRef idx="0">
+            <a:schemeClr val="accent1"/>
+          </a:fillRef>
+          <a:effectRef idx="0">
+            <a:schemeClr val="accent1"/>
+          </a:effectRef>
+          <a:fontRef idx="minor">
+            <a:schemeClr val="tx1"/>
+          </a:fontRef>
+        </p:style>
+      </p:cxnSp>
+      <p:sp>
+        <p:nvSpPr>
+          <p:cNvPr id="482" name="CasellaDiTesto 481"/>
+          <p:cNvSpPr txBox="1"/>
+          <p:nvPr/>
+        </p:nvSpPr>
+        <p:spPr>
+          <a:xfrm>
+            <a:off x="11754013" y="7587089"/>
+            <a:ext cx="665764" cy="369332"/>
+          </a:xfrm>
+          <a:prstGeom prst="rect">
+            <a:avLst/>
+          </a:prstGeom>
+          <a:noFill/>
+        </p:spPr>
+        <p:txBody>
+          <a:bodyPr wrap="square" rtlCol="0">
+            <a:spAutoFit/>
+          </a:bodyPr>
+          <a:lstStyle/>
+          <a:p>
+            <a:r>
+              <a:rPr lang="it-IT" dirty="0" smtClean="0"/>
+              <a:t>Data</a:t>
+            </a:r>
+            <a:endParaRPr lang="it-IT" dirty="0"/>
+          </a:p>
+        </p:txBody>
+      </p:sp>
+      <p:cxnSp>
+        <p:nvCxnSpPr>
+          <p:cNvPr id="488" name="Connettore diritto 487"/>
+          <p:cNvCxnSpPr>
+            <a:stCxn id="12" idx="2"/>
+          </p:cNvCxnSpPr>
+          <p:nvPr/>
+        </p:nvCxnSpPr>
+        <p:spPr>
+          <a:xfrm flipH="1">
+            <a:off x="6859085" y="6376271"/>
+            <a:ext cx="699386" cy="268054"/>
+          </a:xfrm>
+          <a:prstGeom prst="line">
+            <a:avLst/>
+          </a:prstGeom>
+        </p:spPr>
+        <p:style>
+          <a:lnRef idx="1">
+            <a:schemeClr val="accent1"/>
+          </a:lnRef>
+          <a:fillRef idx="0">
+            <a:schemeClr val="accent1"/>
+          </a:fillRef>
+          <a:effectRef idx="0">
+            <a:schemeClr val="accent1"/>
+          </a:effectRef>
+          <a:fontRef idx="minor">
+            <a:schemeClr val="tx1"/>
+          </a:fontRef>
+        </p:style>
+      </p:cxnSp>
+      <p:cxnSp>
+        <p:nvCxnSpPr>
+          <p:cNvPr id="491" name="Connettore diritto 490"/>
+          <p:cNvCxnSpPr>
+            <a:stCxn id="12" idx="2"/>
+          </p:cNvCxnSpPr>
+          <p:nvPr/>
+        </p:nvCxnSpPr>
+        <p:spPr>
+          <a:xfrm flipH="1">
+            <a:off x="6531801" y="6376271"/>
+            <a:ext cx="1026670" cy="814443"/>
+          </a:xfrm>
+          <a:prstGeom prst="line">
+            <a:avLst/>
+          </a:prstGeom>
+        </p:spPr>
+        <p:style>
+          <a:lnRef idx="1">
+            <a:schemeClr val="accent1"/>
+          </a:lnRef>
+          <a:fillRef idx="0">
+            <a:schemeClr val="accent1"/>
+          </a:fillRef>
+          <a:effectRef idx="0">
+            <a:schemeClr val="accent1"/>
+          </a:effectRef>
+          <a:fontRef idx="minor">
+            <a:schemeClr val="tx1"/>
+          </a:fontRef>
+        </p:style>
+      </p:cxnSp>
+      <p:cxnSp>
+        <p:nvCxnSpPr>
+          <p:cNvPr id="497" name="Connettore diritto 496"/>
+          <p:cNvCxnSpPr>
+            <a:stCxn id="12" idx="2"/>
+            <a:endCxn id="509" idx="0"/>
+          </p:cNvCxnSpPr>
+          <p:nvPr/>
+        </p:nvCxnSpPr>
+        <p:spPr>
+          <a:xfrm flipH="1">
+            <a:off x="7377470" y="6376271"/>
+            <a:ext cx="181001" cy="1121427"/>
+          </a:xfrm>
+          <a:prstGeom prst="line">
+            <a:avLst/>
+          </a:prstGeom>
+        </p:spPr>
+        <p:style>
+          <a:lnRef idx="1">
+            <a:schemeClr val="accent1"/>
+          </a:lnRef>
+          <a:fillRef idx="0">
+            <a:schemeClr val="accent1"/>
+          </a:fillRef>
+          <a:effectRef idx="0">
+            <a:schemeClr val="accent1"/>
+          </a:effectRef>
+          <a:fontRef idx="minor">
+            <a:schemeClr val="tx1"/>
+          </a:fontRef>
+        </p:style>
+      </p:cxnSp>
+      <p:cxnSp>
+        <p:nvCxnSpPr>
+          <p:cNvPr id="501" name="Connettore diritto 500"/>
+          <p:cNvCxnSpPr>
+            <a:stCxn id="12" idx="2"/>
+            <a:endCxn id="537" idx="0"/>
+          </p:cNvCxnSpPr>
+          <p:nvPr/>
+        </p:nvCxnSpPr>
+        <p:spPr>
+          <a:xfrm>
+            <a:off x="7558471" y="6376271"/>
+            <a:ext cx="761690" cy="572361"/>
+          </a:xfrm>
+          <a:prstGeom prst="line">
+            <a:avLst/>
+          </a:prstGeom>
+        </p:spPr>
+        <p:style>
+          <a:lnRef idx="1">
+            <a:schemeClr val="accent1"/>
+          </a:lnRef>
+          <a:fillRef idx="0">
+            <a:schemeClr val="accent1"/>
+          </a:fillRef>
+          <a:effectRef idx="0">
+            <a:schemeClr val="accent1"/>
+          </a:effectRef>
+          <a:fontRef idx="minor">
+            <a:schemeClr val="tx1"/>
+          </a:fontRef>
+        </p:style>
+      </p:cxnSp>
+      <p:sp>
+        <p:nvSpPr>
+          <p:cNvPr id="504" name="CasellaDiTesto 503"/>
+          <p:cNvSpPr txBox="1"/>
+          <p:nvPr/>
+        </p:nvSpPr>
+        <p:spPr>
+          <a:xfrm>
+            <a:off x="5613504" y="6459659"/>
+            <a:ext cx="1407299" cy="369332"/>
+          </a:xfrm>
+          <a:prstGeom prst="rect">
+            <a:avLst/>
+          </a:prstGeom>
+          <a:noFill/>
+        </p:spPr>
+        <p:txBody>
+          <a:bodyPr wrap="square" rtlCol="0">
+            <a:spAutoFit/>
+          </a:bodyPr>
+          <a:lstStyle/>
+          <a:p>
+            <a:r>
+              <a:rPr lang="it-IT" dirty="0" err="1" smtClean="0"/>
+              <a:t>ID_Prodotto</a:t>
+            </a:r>
+            <a:endParaRPr lang="it-IT" dirty="0"/>
+          </a:p>
+        </p:txBody>
+      </p:sp>
+      <p:sp>
+        <p:nvSpPr>
+          <p:cNvPr id="506" name="CasellaDiTesto 505"/>
+          <p:cNvSpPr txBox="1"/>
+          <p:nvPr/>
+        </p:nvSpPr>
+        <p:spPr>
+          <a:xfrm>
+            <a:off x="5821298" y="7149292"/>
+            <a:ext cx="1583718" cy="369332"/>
+          </a:xfrm>
+          <a:prstGeom prst="rect">
+            <a:avLst/>
+          </a:prstGeom>
+          <a:noFill/>
+        </p:spPr>
+        <p:txBody>
+          <a:bodyPr wrap="square" rtlCol="0">
+            <a:spAutoFit/>
+          </a:bodyPr>
+          <a:lstStyle/>
+          <a:p>
+            <a:r>
+              <a:rPr lang="it-IT" dirty="0" smtClean="0"/>
+              <a:t>Descrizione</a:t>
+            </a:r>
+            <a:endParaRPr lang="it-IT" dirty="0"/>
+          </a:p>
+        </p:txBody>
+      </p:sp>
+      <p:sp>
+        <p:nvSpPr>
+          <p:cNvPr id="509" name="CasellaDiTesto 508"/>
+          <p:cNvSpPr txBox="1"/>
+          <p:nvPr/>
+        </p:nvSpPr>
+        <p:spPr>
+          <a:xfrm>
+            <a:off x="6858223" y="7497698"/>
+            <a:ext cx="1038494" cy="369332"/>
+          </a:xfrm>
+          <a:prstGeom prst="rect">
+            <a:avLst/>
+          </a:prstGeom>
+          <a:noFill/>
+        </p:spPr>
+        <p:txBody>
+          <a:bodyPr wrap="square" rtlCol="0">
+            <a:spAutoFit/>
+          </a:bodyPr>
+          <a:lstStyle/>
+          <a:p>
+            <a:r>
+              <a:rPr lang="it-IT" dirty="0" smtClean="0"/>
+              <a:t>Quantità</a:t>
+            </a:r>
+            <a:endParaRPr lang="it-IT" dirty="0"/>
+          </a:p>
+        </p:txBody>
+      </p:sp>
+      <p:sp>
+        <p:nvSpPr>
+          <p:cNvPr id="537" name="CasellaDiTesto 536"/>
+          <p:cNvSpPr txBox="1"/>
+          <p:nvPr/>
+        </p:nvSpPr>
+        <p:spPr>
+          <a:xfrm>
+            <a:off x="7908829" y="6948632"/>
+            <a:ext cx="822664" cy="369332"/>
+          </a:xfrm>
+          <a:prstGeom prst="rect">
+            <a:avLst/>
+          </a:prstGeom>
+          <a:noFill/>
+        </p:spPr>
+        <p:txBody>
+          <a:bodyPr wrap="square" rtlCol="0">
+            <a:spAutoFit/>
+          </a:bodyPr>
+          <a:lstStyle/>
+          <a:p>
+            <a:r>
+              <a:rPr lang="it-IT" dirty="0" smtClean="0"/>
+              <a:t>Prezzo</a:t>
+            </a:r>
+            <a:endParaRPr lang="it-IT" dirty="0"/>
+          </a:p>
+        </p:txBody>
+      </p:sp>
+      <p:cxnSp>
+        <p:nvCxnSpPr>
+          <p:cNvPr id="243" name="Connettore diritto 242"/>
+          <p:cNvCxnSpPr>
+            <a:stCxn id="23" idx="2"/>
+            <a:endCxn id="572" idx="0"/>
+          </p:cNvCxnSpPr>
+          <p:nvPr/>
+        </p:nvCxnSpPr>
+        <p:spPr>
+          <a:xfrm flipH="1">
+            <a:off x="8800441" y="6903996"/>
+            <a:ext cx="671934" cy="535206"/>
+          </a:xfrm>
+          <a:prstGeom prst="line">
+            <a:avLst/>
+          </a:prstGeom>
+        </p:spPr>
+        <p:style>
+          <a:lnRef idx="1">
+            <a:schemeClr val="accent1"/>
+          </a:lnRef>
+          <a:fillRef idx="0">
+            <a:schemeClr val="accent1"/>
+          </a:fillRef>
+          <a:effectRef idx="0">
+            <a:schemeClr val="accent1"/>
+          </a:effectRef>
+          <a:fontRef idx="minor">
+            <a:schemeClr val="tx1"/>
+          </a:fontRef>
+        </p:style>
+      </p:cxnSp>
+      <p:cxnSp>
+        <p:nvCxnSpPr>
+          <p:cNvPr id="561" name="Connettore diritto 560"/>
+          <p:cNvCxnSpPr>
+            <a:stCxn id="23" idx="2"/>
+            <a:endCxn id="568" idx="0"/>
+          </p:cNvCxnSpPr>
+          <p:nvPr/>
+        </p:nvCxnSpPr>
+        <p:spPr>
+          <a:xfrm>
+            <a:off x="9472375" y="6903996"/>
+            <a:ext cx="118557" cy="471384"/>
+          </a:xfrm>
+          <a:prstGeom prst="line">
+            <a:avLst/>
+          </a:prstGeom>
+        </p:spPr>
+        <p:style>
+          <a:lnRef idx="1">
+            <a:schemeClr val="accent1"/>
+          </a:lnRef>
+          <a:fillRef idx="0">
+            <a:schemeClr val="accent1"/>
+          </a:fillRef>
+          <a:effectRef idx="0">
+            <a:schemeClr val="accent1"/>
+          </a:effectRef>
+          <a:fontRef idx="minor">
+            <a:schemeClr val="tx1"/>
+          </a:fontRef>
+        </p:style>
+      </p:cxnSp>
+      <p:sp>
+        <p:nvSpPr>
+          <p:cNvPr id="568" name="CasellaDiTesto 567"/>
+          <p:cNvSpPr txBox="1"/>
+          <p:nvPr/>
+        </p:nvSpPr>
+        <p:spPr>
+          <a:xfrm>
+            <a:off x="9336471" y="7375380"/>
+            <a:ext cx="508922" cy="369332"/>
+          </a:xfrm>
+          <a:prstGeom prst="rect">
+            <a:avLst/>
+          </a:prstGeom>
+          <a:noFill/>
+        </p:spPr>
+        <p:txBody>
+          <a:bodyPr wrap="square" rtlCol="0">
+            <a:spAutoFit/>
+          </a:bodyPr>
+          <a:lstStyle/>
+          <a:p>
+            <a:r>
+              <a:rPr lang="it-IT" dirty="0" smtClean="0"/>
+              <a:t>Iva</a:t>
+            </a:r>
+            <a:endParaRPr lang="it-IT" dirty="0"/>
+          </a:p>
+        </p:txBody>
+      </p:sp>
+      <p:sp>
+        <p:nvSpPr>
+          <p:cNvPr id="572" name="CasellaDiTesto 571"/>
+          <p:cNvSpPr txBox="1"/>
+          <p:nvPr/>
+        </p:nvSpPr>
+        <p:spPr>
+          <a:xfrm>
+            <a:off x="8318642" y="7439202"/>
+            <a:ext cx="963597" cy="369332"/>
+          </a:xfrm>
+          <a:prstGeom prst="rect">
+            <a:avLst/>
+          </a:prstGeom>
+          <a:noFill/>
+        </p:spPr>
+        <p:txBody>
+          <a:bodyPr wrap="none" rtlCol="0">
+            <a:spAutoFit/>
+          </a:bodyPr>
+          <a:lstStyle/>
+          <a:p>
+            <a:r>
+              <a:rPr lang="it-IT" dirty="0" err="1" smtClean="0"/>
+              <a:t>QtaProd</a:t>
+            </a:r>
+            <a:endParaRPr lang="it-IT" dirty="0"/>
+          </a:p>
+        </p:txBody>
+      </p:sp>
+      <p:cxnSp>
+        <p:nvCxnSpPr>
+          <p:cNvPr id="149" name="Connettore diritto 148"/>
+          <p:cNvCxnSpPr>
+            <a:stCxn id="13" idx="2"/>
+            <a:endCxn id="152" idx="0"/>
+          </p:cNvCxnSpPr>
+          <p:nvPr/>
+        </p:nvCxnSpPr>
+        <p:spPr>
+          <a:xfrm flipH="1">
+            <a:off x="3237162" y="4721329"/>
+            <a:ext cx="684579" cy="198569"/>
+          </a:xfrm>
+          <a:prstGeom prst="line">
+            <a:avLst/>
+          </a:prstGeom>
+        </p:spPr>
+        <p:style>
+          <a:lnRef idx="1">
+            <a:schemeClr val="accent1"/>
+          </a:lnRef>
+          <a:fillRef idx="0">
+            <a:schemeClr val="accent1"/>
+          </a:fillRef>
+          <a:effectRef idx="0">
+            <a:schemeClr val="accent1"/>
+          </a:effectRef>
+          <a:fontRef idx="minor">
+            <a:schemeClr val="tx1"/>
+          </a:fontRef>
+        </p:style>
+      </p:cxnSp>
+      <p:sp>
+        <p:nvSpPr>
+          <p:cNvPr id="152" name="CasellaDiTesto 151"/>
+          <p:cNvSpPr txBox="1"/>
+          <p:nvPr/>
+        </p:nvSpPr>
+        <p:spPr>
+          <a:xfrm>
+            <a:off x="2797181" y="4919898"/>
+            <a:ext cx="879962" cy="373343"/>
+          </a:xfrm>
+          <a:prstGeom prst="rect">
+            <a:avLst/>
+          </a:prstGeom>
+          <a:noFill/>
+        </p:spPr>
+        <p:txBody>
+          <a:bodyPr wrap="square" rtlCol="0">
+            <a:spAutoFit/>
+          </a:bodyPr>
+          <a:lstStyle/>
+          <a:p>
+            <a:r>
+              <a:rPr lang="it-IT" dirty="0" smtClean="0"/>
+              <a:t>Conto</a:t>
+            </a:r>
+            <a:endParaRPr lang="it-IT" dirty="0"/>
+          </a:p>
+        </p:txBody>
+      </p:sp>
+      <p:cxnSp>
+        <p:nvCxnSpPr>
+          <p:cNvPr id="156" name="Connettore diritto 155"/>
+          <p:cNvCxnSpPr>
+            <a:stCxn id="4" idx="2"/>
+            <a:endCxn id="176" idx="0"/>
+          </p:cNvCxnSpPr>
+          <p:nvPr/>
+        </p:nvCxnSpPr>
+        <p:spPr>
+          <a:xfrm flipH="1">
+            <a:off x="891855" y="1161700"/>
+            <a:ext cx="265220" cy="318193"/>
+          </a:xfrm>
+          <a:prstGeom prst="line">
+            <a:avLst/>
+          </a:prstGeom>
+        </p:spPr>
+        <p:style>
+          <a:lnRef idx="1">
+            <a:schemeClr val="accent1"/>
+          </a:lnRef>
+          <a:fillRef idx="0">
+            <a:schemeClr val="accent1"/>
+          </a:fillRef>
+          <a:effectRef idx="0">
+            <a:schemeClr val="accent1"/>
+          </a:effectRef>
+          <a:fontRef idx="minor">
+            <a:schemeClr val="tx1"/>
+          </a:fontRef>
+        </p:style>
+      </p:cxnSp>
+      <p:cxnSp>
+        <p:nvCxnSpPr>
+          <p:cNvPr id="161" name="Connettore diritto 160"/>
+          <p:cNvCxnSpPr>
+            <a:stCxn id="4" idx="2"/>
+            <a:endCxn id="188" idx="0"/>
+          </p:cNvCxnSpPr>
+          <p:nvPr/>
+        </p:nvCxnSpPr>
+        <p:spPr>
+          <a:xfrm>
+            <a:off x="1157075" y="1161700"/>
+            <a:ext cx="1653001" cy="884651"/>
+          </a:xfrm>
+          <a:prstGeom prst="line">
+            <a:avLst/>
+          </a:prstGeom>
+        </p:spPr>
+        <p:style>
+          <a:lnRef idx="1">
+            <a:schemeClr val="accent1"/>
+          </a:lnRef>
+          <a:fillRef idx="0">
+            <a:schemeClr val="accent1"/>
+          </a:fillRef>
+          <a:effectRef idx="0">
+            <a:schemeClr val="accent1"/>
+          </a:effectRef>
+          <a:fontRef idx="minor">
+            <a:schemeClr val="tx1"/>
+          </a:fontRef>
+        </p:style>
+      </p:cxnSp>
+      <p:cxnSp>
+        <p:nvCxnSpPr>
+          <p:cNvPr id="299" name="Connettore diritto 298"/>
+          <p:cNvCxnSpPr>
+            <a:stCxn id="4" idx="2"/>
+          </p:cNvCxnSpPr>
+          <p:nvPr/>
+        </p:nvCxnSpPr>
+        <p:spPr>
+          <a:xfrm>
+            <a:off x="1157075" y="1161700"/>
+            <a:ext cx="2277100" cy="621705"/>
+          </a:xfrm>
+          <a:prstGeom prst="line">
+            <a:avLst/>
+          </a:prstGeom>
+        </p:spPr>
+        <p:style>
+          <a:lnRef idx="1">
+            <a:schemeClr val="accent1"/>
+          </a:lnRef>
+          <a:fillRef idx="0">
+            <a:schemeClr val="accent1"/>
+          </a:fillRef>
+          <a:effectRef idx="0">
+            <a:schemeClr val="accent1"/>
+          </a:effectRef>
+          <a:fontRef idx="minor">
+            <a:schemeClr val="tx1"/>
+          </a:fontRef>
+        </p:style>
+      </p:cxnSp>
+      <p:cxnSp>
+        <p:nvCxnSpPr>
+          <p:cNvPr id="300" name="Connettore diritto 299"/>
+          <p:cNvCxnSpPr>
+            <a:stCxn id="4" idx="2"/>
+            <a:endCxn id="184" idx="0"/>
+          </p:cNvCxnSpPr>
+          <p:nvPr/>
+        </p:nvCxnSpPr>
+        <p:spPr>
+          <a:xfrm>
+            <a:off x="1157075" y="1161700"/>
+            <a:ext cx="602273" cy="880847"/>
+          </a:xfrm>
+          <a:prstGeom prst="line">
+            <a:avLst/>
+          </a:prstGeom>
+        </p:spPr>
+        <p:style>
+          <a:lnRef idx="1">
+            <a:schemeClr val="accent1"/>
+          </a:lnRef>
+          <a:fillRef idx="0">
+            <a:schemeClr val="accent1"/>
+          </a:fillRef>
+          <a:effectRef idx="0">
+            <a:schemeClr val="accent1"/>
+          </a:effectRef>
+          <a:fontRef idx="minor">
+            <a:schemeClr val="tx1"/>
+          </a:fontRef>
+        </p:style>
+      </p:cxnSp>
+      <p:cxnSp>
+        <p:nvCxnSpPr>
+          <p:cNvPr id="173" name="Connettore diritto 172"/>
+          <p:cNvCxnSpPr>
+            <a:stCxn id="4" idx="2"/>
+            <a:endCxn id="577" idx="1"/>
+          </p:cNvCxnSpPr>
+          <p:nvPr/>
+        </p:nvCxnSpPr>
+        <p:spPr>
+          <a:xfrm>
+            <a:off x="1157075" y="1161700"/>
+            <a:ext cx="2354723" cy="370035"/>
+          </a:xfrm>
+          <a:prstGeom prst="line">
+            <a:avLst/>
+          </a:prstGeom>
+        </p:spPr>
+        <p:style>
+          <a:lnRef idx="1">
+            <a:schemeClr val="accent1"/>
+          </a:lnRef>
+          <a:fillRef idx="0">
+            <a:schemeClr val="accent1"/>
+          </a:fillRef>
+          <a:effectRef idx="0">
+            <a:schemeClr val="accent1"/>
+          </a:effectRef>
+          <a:fontRef idx="minor">
+            <a:schemeClr val="tx1"/>
+          </a:fontRef>
+        </p:style>
+      </p:cxnSp>
+      <p:sp>
+        <p:nvSpPr>
+          <p:cNvPr id="176" name="CasellaDiTesto 175"/>
+          <p:cNvSpPr txBox="1"/>
+          <p:nvPr/>
+        </p:nvSpPr>
+        <p:spPr>
+          <a:xfrm>
+            <a:off x="178429" y="1479893"/>
+            <a:ext cx="1426851" cy="369332"/>
+          </a:xfrm>
+          <a:prstGeom prst="rect">
+            <a:avLst/>
+          </a:prstGeom>
+          <a:noFill/>
+        </p:spPr>
+        <p:txBody>
+          <a:bodyPr wrap="square" rtlCol="0">
+            <a:spAutoFit/>
+          </a:bodyPr>
+          <a:lstStyle/>
+          <a:p>
+            <a:r>
+              <a:rPr lang="it-IT" dirty="0" err="1" smtClean="0"/>
+              <a:t>ID_Domanda</a:t>
+            </a:r>
+            <a:endParaRPr lang="it-IT" dirty="0"/>
+          </a:p>
+        </p:txBody>
+      </p:sp>
+      <p:sp>
+        <p:nvSpPr>
+          <p:cNvPr id="184" name="CasellaDiTesto 183"/>
+          <p:cNvSpPr txBox="1"/>
+          <p:nvPr/>
+        </p:nvSpPr>
+        <p:spPr>
+          <a:xfrm>
+            <a:off x="1139393" y="2042547"/>
+            <a:ext cx="1239910" cy="369332"/>
+          </a:xfrm>
+          <a:prstGeom prst="rect">
+            <a:avLst/>
+          </a:prstGeom>
+          <a:noFill/>
+        </p:spPr>
+        <p:txBody>
+          <a:bodyPr wrap="square" rtlCol="0">
+            <a:spAutoFit/>
+          </a:bodyPr>
+          <a:lstStyle/>
+          <a:p>
+            <a:r>
+              <a:rPr lang="it-IT" dirty="0" smtClean="0"/>
+              <a:t>Domanda</a:t>
+            </a:r>
+            <a:endParaRPr lang="it-IT" dirty="0"/>
+          </a:p>
+        </p:txBody>
+      </p:sp>
+      <p:sp>
+        <p:nvSpPr>
+          <p:cNvPr id="188" name="CasellaDiTesto 187"/>
+          <p:cNvSpPr txBox="1"/>
+          <p:nvPr/>
+        </p:nvSpPr>
+        <p:spPr>
+          <a:xfrm>
+            <a:off x="2207765" y="2046351"/>
+            <a:ext cx="1204621" cy="369332"/>
+          </a:xfrm>
+          <a:prstGeom prst="rect">
+            <a:avLst/>
+          </a:prstGeom>
+          <a:noFill/>
+        </p:spPr>
+        <p:txBody>
+          <a:bodyPr wrap="square" rtlCol="0">
+            <a:spAutoFit/>
+          </a:bodyPr>
+          <a:lstStyle/>
+          <a:p>
+            <a:r>
+              <a:rPr lang="it-IT" dirty="0" smtClean="0"/>
+              <a:t>Risposta</a:t>
+            </a:r>
+            <a:endParaRPr lang="it-IT" dirty="0"/>
+          </a:p>
+        </p:txBody>
+      </p:sp>
+      <p:sp>
+        <p:nvSpPr>
+          <p:cNvPr id="191" name="CasellaDiTesto 190"/>
+          <p:cNvSpPr txBox="1"/>
+          <p:nvPr/>
+        </p:nvSpPr>
+        <p:spPr>
+          <a:xfrm>
+            <a:off x="2888086" y="1720581"/>
+            <a:ext cx="831574" cy="369332"/>
+          </a:xfrm>
+          <a:prstGeom prst="rect">
+            <a:avLst/>
+          </a:prstGeom>
+          <a:noFill/>
+        </p:spPr>
+        <p:txBody>
+          <a:bodyPr wrap="none" rtlCol="0">
+            <a:spAutoFit/>
+          </a:bodyPr>
+          <a:lstStyle/>
+          <a:p>
+            <a:r>
+              <a:rPr lang="it-IT" dirty="0" smtClean="0"/>
+              <a:t>Utente</a:t>
+            </a:r>
+            <a:endParaRPr lang="it-IT" dirty="0"/>
+          </a:p>
+        </p:txBody>
+      </p:sp>
+      <p:sp>
+        <p:nvSpPr>
+          <p:cNvPr id="577" name="CasellaDiTesto 576"/>
+          <p:cNvSpPr txBox="1"/>
+          <p:nvPr/>
+        </p:nvSpPr>
+        <p:spPr>
+          <a:xfrm>
+            <a:off x="3511798" y="1347069"/>
+            <a:ext cx="620554" cy="369332"/>
+          </a:xfrm>
+          <a:prstGeom prst="rect">
+            <a:avLst/>
+          </a:prstGeom>
+          <a:noFill/>
+        </p:spPr>
+        <p:txBody>
+          <a:bodyPr wrap="none" rtlCol="0">
+            <a:spAutoFit/>
+          </a:bodyPr>
+          <a:lstStyle/>
+          <a:p>
+            <a:r>
+              <a:rPr lang="it-IT" dirty="0" smtClean="0"/>
+              <a:t>Data</a:t>
+            </a:r>
+            <a:endParaRPr lang="it-IT" dirty="0"/>
+          </a:p>
+        </p:txBody>
+      </p:sp>
+      <p:cxnSp>
+        <p:nvCxnSpPr>
+          <p:cNvPr id="581" name="Connettore diritto 580"/>
+          <p:cNvCxnSpPr>
+            <a:stCxn id="11" idx="2"/>
+            <a:endCxn id="589" idx="0"/>
+          </p:cNvCxnSpPr>
+          <p:nvPr/>
+        </p:nvCxnSpPr>
+        <p:spPr>
+          <a:xfrm flipH="1">
+            <a:off x="672106" y="3582168"/>
+            <a:ext cx="476128" cy="486879"/>
+          </a:xfrm>
+          <a:prstGeom prst="line">
+            <a:avLst/>
+          </a:prstGeom>
+        </p:spPr>
+        <p:style>
+          <a:lnRef idx="1">
+            <a:schemeClr val="accent1"/>
+          </a:lnRef>
+          <a:fillRef idx="0">
+            <a:schemeClr val="accent1"/>
+          </a:fillRef>
+          <a:effectRef idx="0">
+            <a:schemeClr val="accent1"/>
+          </a:effectRef>
+          <a:fontRef idx="minor">
+            <a:schemeClr val="tx1"/>
+          </a:fontRef>
+        </p:style>
+      </p:cxnSp>
+      <p:cxnSp>
+        <p:nvCxnSpPr>
+          <p:cNvPr id="332" name="Connettore diritto 331"/>
+          <p:cNvCxnSpPr>
+            <a:stCxn id="11" idx="2"/>
+            <a:endCxn id="594" idx="0"/>
+          </p:cNvCxnSpPr>
+          <p:nvPr/>
+        </p:nvCxnSpPr>
+        <p:spPr>
+          <a:xfrm>
+            <a:off x="1148234" y="3582168"/>
+            <a:ext cx="456423" cy="742918"/>
+          </a:xfrm>
+          <a:prstGeom prst="line">
+            <a:avLst/>
+          </a:prstGeom>
+        </p:spPr>
+        <p:style>
+          <a:lnRef idx="1">
+            <a:schemeClr val="accent1"/>
+          </a:lnRef>
+          <a:fillRef idx="0">
+            <a:schemeClr val="accent1"/>
+          </a:fillRef>
+          <a:effectRef idx="0">
+            <a:schemeClr val="accent1"/>
+          </a:effectRef>
+          <a:fontRef idx="minor">
+            <a:schemeClr val="tx1"/>
+          </a:fontRef>
+        </p:style>
+      </p:cxnSp>
+      <p:cxnSp>
+        <p:nvCxnSpPr>
+          <p:cNvPr id="333" name="Connettore diritto 332"/>
+          <p:cNvCxnSpPr>
+            <a:stCxn id="11" idx="2"/>
+            <a:endCxn id="598" idx="1"/>
+          </p:cNvCxnSpPr>
+          <p:nvPr/>
+        </p:nvCxnSpPr>
+        <p:spPr>
+          <a:xfrm>
+            <a:off x="1148234" y="3582168"/>
+            <a:ext cx="1028321" cy="366844"/>
+          </a:xfrm>
+          <a:prstGeom prst="line">
+            <a:avLst/>
+          </a:prstGeom>
+        </p:spPr>
+        <p:style>
+          <a:lnRef idx="1">
+            <a:schemeClr val="accent1"/>
+          </a:lnRef>
+          <a:fillRef idx="0">
+            <a:schemeClr val="accent1"/>
+          </a:fillRef>
+          <a:effectRef idx="0">
+            <a:schemeClr val="accent1"/>
+          </a:effectRef>
+          <a:fontRef idx="minor">
+            <a:schemeClr val="tx1"/>
+          </a:fontRef>
+        </p:style>
+      </p:cxnSp>
+      <p:sp>
+        <p:nvSpPr>
+          <p:cNvPr id="589" name="CasellaDiTesto 588"/>
+          <p:cNvSpPr txBox="1"/>
+          <p:nvPr/>
+        </p:nvSpPr>
+        <p:spPr>
+          <a:xfrm>
+            <a:off x="61991" y="4069047"/>
+            <a:ext cx="1220229" cy="369332"/>
+          </a:xfrm>
+          <a:prstGeom prst="rect">
+            <a:avLst/>
+          </a:prstGeom>
+          <a:noFill/>
+        </p:spPr>
+        <p:txBody>
+          <a:bodyPr wrap="square" rtlCol="0">
+            <a:spAutoFit/>
+          </a:bodyPr>
+          <a:lstStyle/>
+          <a:p>
+            <a:r>
+              <a:rPr lang="it-IT" dirty="0" err="1" smtClean="0"/>
+              <a:t>ID_Admin</a:t>
+            </a:r>
+            <a:endParaRPr lang="it-IT" dirty="0"/>
+          </a:p>
+        </p:txBody>
+      </p:sp>
+      <p:sp>
+        <p:nvSpPr>
+          <p:cNvPr id="594" name="CasellaDiTesto 593"/>
+          <p:cNvSpPr txBox="1"/>
+          <p:nvPr/>
+        </p:nvSpPr>
+        <p:spPr>
+          <a:xfrm>
+            <a:off x="1216049" y="4325086"/>
+            <a:ext cx="777215" cy="370271"/>
+          </a:xfrm>
+          <a:prstGeom prst="rect">
+            <a:avLst/>
+          </a:prstGeom>
+          <a:noFill/>
+        </p:spPr>
+        <p:txBody>
+          <a:bodyPr wrap="square" rtlCol="0">
+            <a:spAutoFit/>
+          </a:bodyPr>
+          <a:lstStyle/>
+          <a:p>
+            <a:r>
+              <a:rPr lang="it-IT" dirty="0" smtClean="0"/>
+              <a:t>Nome</a:t>
+            </a:r>
+            <a:endParaRPr lang="it-IT" dirty="0"/>
+          </a:p>
+        </p:txBody>
+      </p:sp>
+      <p:sp>
+        <p:nvSpPr>
+          <p:cNvPr id="598" name="CasellaDiTesto 597"/>
+          <p:cNvSpPr txBox="1"/>
+          <p:nvPr/>
+        </p:nvSpPr>
+        <p:spPr>
+          <a:xfrm>
+            <a:off x="2176555" y="3764346"/>
+            <a:ext cx="1100483" cy="369332"/>
+          </a:xfrm>
+          <a:prstGeom prst="rect">
+            <a:avLst/>
+          </a:prstGeom>
+          <a:noFill/>
+        </p:spPr>
+        <p:txBody>
+          <a:bodyPr wrap="square" rtlCol="0">
+            <a:spAutoFit/>
+          </a:bodyPr>
+          <a:lstStyle/>
+          <a:p>
+            <a:r>
+              <a:rPr lang="it-IT" dirty="0" smtClean="0"/>
+              <a:t>Password</a:t>
+            </a:r>
+            <a:endParaRPr lang="it-IT" dirty="0"/>
+          </a:p>
+        </p:txBody>
+      </p:sp>
+      <p:cxnSp>
+        <p:nvCxnSpPr>
+          <p:cNvPr id="603" name="Connettore diritto 602"/>
+          <p:cNvCxnSpPr>
+            <a:stCxn id="6" idx="3"/>
+            <a:endCxn id="606" idx="1"/>
+          </p:cNvCxnSpPr>
+          <p:nvPr/>
+        </p:nvCxnSpPr>
+        <p:spPr>
+          <a:xfrm>
+            <a:off x="11989999" y="6778515"/>
+            <a:ext cx="1023132" cy="244168"/>
+          </a:xfrm>
+          <a:prstGeom prst="line">
+            <a:avLst/>
+          </a:prstGeom>
+        </p:spPr>
+        <p:style>
+          <a:lnRef idx="1">
+            <a:schemeClr val="accent1"/>
+          </a:lnRef>
+          <a:fillRef idx="0">
+            <a:schemeClr val="accent1"/>
+          </a:fillRef>
+          <a:effectRef idx="0">
+            <a:schemeClr val="accent1"/>
+          </a:effectRef>
+          <a:fontRef idx="minor">
+            <a:schemeClr val="tx1"/>
+          </a:fontRef>
+        </p:style>
+      </p:cxnSp>
+      <p:sp>
+        <p:nvSpPr>
+          <p:cNvPr id="606" name="Rombo 605"/>
+          <p:cNvSpPr/>
+          <p:nvPr/>
+        </p:nvSpPr>
+        <p:spPr>
+          <a:xfrm rot="406997">
+            <a:off x="13010504" y="6858777"/>
+            <a:ext cx="750547" cy="416461"/>
+          </a:xfrm>
+          <a:prstGeom prst="diamond">
+            <a:avLst/>
+          </a:prstGeom>
+          <a:noFill/>
+        </p:spPr>
+        <p:style>
+          <a:lnRef idx="2">
+            <a:schemeClr val="accent1">
+              <a:shade val="50000"/>
+            </a:schemeClr>
+          </a:lnRef>
+          <a:fillRef idx="1">
+            <a:schemeClr val="accent1"/>
+          </a:fillRef>
+          <a:effectRef idx="0">
+            <a:schemeClr val="accent1"/>
+          </a:effectRef>
+          <a:fontRef idx="minor">
+            <a:schemeClr val="lt1"/>
+          </a:fontRef>
+        </p:style>
+        <p:txBody>
+          <a:bodyPr rtlCol="0" anchor="ctr"/>
+          <a:lstStyle/>
+          <a:p>
+            <a:pPr algn="ctr"/>
+            <a:endParaRPr lang="it-IT"/>
+          </a:p>
+        </p:txBody>
+      </p:sp>
+      <p:cxnSp>
+        <p:nvCxnSpPr>
+          <p:cNvPr id="610" name="Connettore diritto 609"/>
+          <p:cNvCxnSpPr>
+            <a:stCxn id="7" idx="1"/>
+            <a:endCxn id="606" idx="3"/>
+          </p:cNvCxnSpPr>
+          <p:nvPr/>
+        </p:nvCxnSpPr>
+        <p:spPr>
+          <a:xfrm flipH="1" flipV="1">
+            <a:off x="13758424" y="7111333"/>
+            <a:ext cx="573551" cy="27235"/>
+          </a:xfrm>
+          <a:prstGeom prst="line">
+            <a:avLst/>
+          </a:prstGeom>
+        </p:spPr>
+        <p:style>
+          <a:lnRef idx="1">
+            <a:schemeClr val="accent1"/>
+          </a:lnRef>
+          <a:fillRef idx="0">
+            <a:schemeClr val="accent1"/>
+          </a:fillRef>
+          <a:effectRef idx="0">
+            <a:schemeClr val="accent1"/>
+          </a:effectRef>
+          <a:fontRef idx="minor">
+            <a:schemeClr val="tx1"/>
+          </a:fontRef>
+        </p:style>
+      </p:cxnSp>
+      <p:sp>
+        <p:nvSpPr>
+          <p:cNvPr id="629" name="CasellaDiTesto 628"/>
+          <p:cNvSpPr txBox="1"/>
+          <p:nvPr/>
+        </p:nvSpPr>
+        <p:spPr>
+          <a:xfrm>
+            <a:off x="7045047" y="2778785"/>
+            <a:ext cx="301686" cy="369332"/>
+          </a:xfrm>
+          <a:prstGeom prst="rect">
+            <a:avLst/>
+          </a:prstGeom>
+          <a:noFill/>
+        </p:spPr>
+        <p:txBody>
+          <a:bodyPr wrap="none" rtlCol="0">
+            <a:spAutoFit/>
+          </a:bodyPr>
+          <a:lstStyle/>
+          <a:p>
+            <a:r>
+              <a:rPr lang="it-IT" dirty="0" smtClean="0"/>
+              <a:t>1</a:t>
+            </a:r>
+            <a:endParaRPr lang="it-IT" dirty="0"/>
+          </a:p>
+        </p:txBody>
+      </p:sp>
+      <p:sp>
+        <p:nvSpPr>
+          <p:cNvPr id="631" name="CasellaDiTesto 630"/>
+          <p:cNvSpPr txBox="1"/>
+          <p:nvPr/>
+        </p:nvSpPr>
+        <p:spPr>
+          <a:xfrm>
+            <a:off x="7888084" y="2880019"/>
+            <a:ext cx="301686" cy="369332"/>
+          </a:xfrm>
+          <a:prstGeom prst="rect">
+            <a:avLst/>
+          </a:prstGeom>
+          <a:noFill/>
+        </p:spPr>
+        <p:txBody>
+          <a:bodyPr wrap="none" rtlCol="0">
+            <a:spAutoFit/>
+          </a:bodyPr>
+          <a:lstStyle/>
+          <a:p>
+            <a:r>
+              <a:rPr lang="it-IT" dirty="0" smtClean="0"/>
+              <a:t>1</a:t>
+            </a:r>
+            <a:endParaRPr lang="it-IT" dirty="0"/>
+          </a:p>
+        </p:txBody>
+      </p:sp>
+      <p:sp>
+        <p:nvSpPr>
+          <p:cNvPr id="632" name="CasellaDiTesto 631"/>
+          <p:cNvSpPr txBox="1"/>
+          <p:nvPr/>
+        </p:nvSpPr>
+        <p:spPr>
+          <a:xfrm>
+            <a:off x="12671052" y="4153203"/>
+            <a:ext cx="301686" cy="369332"/>
+          </a:xfrm>
+          <a:prstGeom prst="rect">
+            <a:avLst/>
+          </a:prstGeom>
+          <a:noFill/>
+        </p:spPr>
+        <p:txBody>
+          <a:bodyPr wrap="none" rtlCol="0">
+            <a:spAutoFit/>
+          </a:bodyPr>
+          <a:lstStyle/>
+          <a:p>
+            <a:r>
+              <a:rPr lang="it-IT" dirty="0" smtClean="0"/>
+              <a:t>1</a:t>
+            </a:r>
+            <a:endParaRPr lang="it-IT" dirty="0"/>
+          </a:p>
+        </p:txBody>
+      </p:sp>
+      <p:sp>
+        <p:nvSpPr>
+          <p:cNvPr id="635" name="CasellaDiTesto 634"/>
+          <p:cNvSpPr txBox="1"/>
+          <p:nvPr/>
+        </p:nvSpPr>
+        <p:spPr>
+          <a:xfrm>
+            <a:off x="13569867" y="4221177"/>
+            <a:ext cx="333746" cy="369332"/>
+          </a:xfrm>
+          <a:prstGeom prst="rect">
+            <a:avLst/>
+          </a:prstGeom>
+          <a:noFill/>
+        </p:spPr>
+        <p:txBody>
+          <a:bodyPr wrap="none" rtlCol="0">
+            <a:spAutoFit/>
+          </a:bodyPr>
+          <a:lstStyle/>
+          <a:p>
+            <a:r>
+              <a:rPr lang="it-IT" dirty="0" smtClean="0"/>
+              <a:t>N</a:t>
+            </a:r>
+            <a:endParaRPr lang="it-IT" dirty="0"/>
+          </a:p>
+        </p:txBody>
+      </p:sp>
+      <p:sp>
+        <p:nvSpPr>
+          <p:cNvPr id="637" name="CasellaDiTesto 636"/>
+          <p:cNvSpPr txBox="1"/>
+          <p:nvPr/>
+        </p:nvSpPr>
+        <p:spPr>
+          <a:xfrm>
+            <a:off x="13340314" y="5813021"/>
+            <a:ext cx="333746" cy="369332"/>
+          </a:xfrm>
+          <a:prstGeom prst="rect">
+            <a:avLst/>
+          </a:prstGeom>
+          <a:noFill/>
+        </p:spPr>
+        <p:txBody>
+          <a:bodyPr wrap="none" rtlCol="0">
+            <a:spAutoFit/>
+          </a:bodyPr>
+          <a:lstStyle/>
+          <a:p>
+            <a:r>
+              <a:rPr lang="it-IT" dirty="0" smtClean="0"/>
+              <a:t>N</a:t>
+            </a:r>
+            <a:endParaRPr lang="it-IT" dirty="0"/>
+          </a:p>
+        </p:txBody>
+      </p:sp>
+      <p:sp>
+        <p:nvSpPr>
+          <p:cNvPr id="192" name="CasellaDiTesto 191"/>
+          <p:cNvSpPr txBox="1"/>
+          <p:nvPr/>
+        </p:nvSpPr>
+        <p:spPr>
+          <a:xfrm>
+            <a:off x="4537106" y="5632296"/>
+            <a:ext cx="236116" cy="369332"/>
+          </a:xfrm>
+          <a:prstGeom prst="rect">
+            <a:avLst/>
+          </a:prstGeom>
+          <a:noFill/>
+        </p:spPr>
+        <p:txBody>
+          <a:bodyPr wrap="square" rtlCol="0">
+            <a:spAutoFit/>
+          </a:bodyPr>
+          <a:lstStyle/>
+          <a:p>
+            <a:r>
+              <a:rPr lang="it-IT" dirty="0" smtClean="0"/>
+              <a:t>1</a:t>
+            </a:r>
+            <a:endParaRPr lang="it-IT" dirty="0"/>
+          </a:p>
+        </p:txBody>
+      </p:sp>
+      <p:sp>
+        <p:nvSpPr>
+          <p:cNvPr id="193" name="CasellaDiTesto 192"/>
+          <p:cNvSpPr txBox="1"/>
+          <p:nvPr/>
+        </p:nvSpPr>
+        <p:spPr>
+          <a:xfrm>
+            <a:off x="3811275" y="6234358"/>
+            <a:ext cx="261208" cy="369332"/>
+          </a:xfrm>
+          <a:prstGeom prst="rect">
+            <a:avLst/>
+          </a:prstGeom>
+          <a:noFill/>
+        </p:spPr>
+        <p:txBody>
+          <a:bodyPr wrap="square" rtlCol="0">
+            <a:spAutoFit/>
+          </a:bodyPr>
+          <a:lstStyle/>
+          <a:p>
+            <a:r>
+              <a:rPr lang="it-IT" dirty="0"/>
+              <a:t>N</a:t>
+            </a:r>
+          </a:p>
+        </p:txBody>
+      </p:sp>
+      <p:sp>
+        <p:nvSpPr>
+          <p:cNvPr id="195" name="CasellaDiTesto 194"/>
+          <p:cNvSpPr txBox="1"/>
+          <p:nvPr/>
+        </p:nvSpPr>
+        <p:spPr>
+          <a:xfrm>
+            <a:off x="12664193" y="5365904"/>
+            <a:ext cx="281426" cy="369332"/>
+          </a:xfrm>
+          <a:prstGeom prst="rect">
+            <a:avLst/>
+          </a:prstGeom>
+          <a:noFill/>
+        </p:spPr>
+        <p:txBody>
+          <a:bodyPr wrap="square" rtlCol="0">
+            <a:spAutoFit/>
+          </a:bodyPr>
+          <a:lstStyle/>
+          <a:p>
+            <a:r>
+              <a:rPr lang="it-IT" dirty="0" smtClean="0"/>
+              <a:t>1</a:t>
+            </a:r>
+            <a:endParaRPr lang="it-IT" dirty="0"/>
+          </a:p>
+        </p:txBody>
+      </p:sp>
+      <p:sp>
+        <p:nvSpPr>
+          <p:cNvPr id="199" name="CasellaDiTesto 198"/>
+          <p:cNvSpPr txBox="1"/>
+          <p:nvPr/>
+        </p:nvSpPr>
+        <p:spPr>
+          <a:xfrm>
+            <a:off x="10495882" y="4801204"/>
+            <a:ext cx="301686" cy="369332"/>
+          </a:xfrm>
+          <a:prstGeom prst="rect">
+            <a:avLst/>
+          </a:prstGeom>
+          <a:noFill/>
+        </p:spPr>
+        <p:txBody>
+          <a:bodyPr wrap="none" rtlCol="0">
+            <a:spAutoFit/>
+          </a:bodyPr>
+          <a:lstStyle/>
+          <a:p>
+            <a:r>
+              <a:rPr lang="it-IT" dirty="0" smtClean="0"/>
+              <a:t>1</a:t>
+            </a:r>
+            <a:endParaRPr lang="it-IT" dirty="0"/>
+          </a:p>
+        </p:txBody>
+      </p:sp>
+      <p:sp>
+        <p:nvSpPr>
+          <p:cNvPr id="201" name="CasellaDiTesto 200"/>
+          <p:cNvSpPr txBox="1"/>
+          <p:nvPr/>
+        </p:nvSpPr>
+        <p:spPr>
+          <a:xfrm>
+            <a:off x="10843046" y="5421707"/>
+            <a:ext cx="203203" cy="369332"/>
+          </a:xfrm>
+          <a:prstGeom prst="rect">
+            <a:avLst/>
+          </a:prstGeom>
+          <a:noFill/>
+        </p:spPr>
+        <p:txBody>
+          <a:bodyPr wrap="square" rtlCol="0">
+            <a:spAutoFit/>
+          </a:bodyPr>
+          <a:lstStyle/>
+          <a:p>
+            <a:r>
+              <a:rPr lang="it-IT" dirty="0" smtClean="0"/>
+              <a:t>N</a:t>
+            </a:r>
+            <a:endParaRPr lang="it-IT" dirty="0"/>
+          </a:p>
+        </p:txBody>
+      </p:sp>
+      <p:sp>
+        <p:nvSpPr>
+          <p:cNvPr id="202" name="CasellaDiTesto 201"/>
+          <p:cNvSpPr txBox="1"/>
+          <p:nvPr/>
+        </p:nvSpPr>
+        <p:spPr>
+          <a:xfrm>
+            <a:off x="8672947" y="4387562"/>
+            <a:ext cx="775963" cy="369332"/>
+          </a:xfrm>
+          <a:prstGeom prst="rect">
+            <a:avLst/>
+          </a:prstGeom>
+          <a:noFill/>
+        </p:spPr>
+        <p:txBody>
+          <a:bodyPr wrap="square" rtlCol="0">
+            <a:spAutoFit/>
+          </a:bodyPr>
+          <a:lstStyle/>
+          <a:p>
+            <a:r>
+              <a:rPr lang="it-IT" dirty="0" smtClean="0"/>
+              <a:t>1</a:t>
+            </a:r>
+            <a:endParaRPr lang="it-IT" dirty="0"/>
+          </a:p>
+        </p:txBody>
+      </p:sp>
+      <p:sp>
+        <p:nvSpPr>
+          <p:cNvPr id="204" name="CasellaDiTesto 203"/>
+          <p:cNvSpPr txBox="1"/>
+          <p:nvPr/>
+        </p:nvSpPr>
+        <p:spPr>
+          <a:xfrm>
+            <a:off x="8316502" y="4743181"/>
+            <a:ext cx="361983" cy="369332"/>
+          </a:xfrm>
+          <a:prstGeom prst="rect">
+            <a:avLst/>
+          </a:prstGeom>
+          <a:noFill/>
+        </p:spPr>
+        <p:txBody>
+          <a:bodyPr wrap="square" rtlCol="0">
+            <a:spAutoFit/>
+          </a:bodyPr>
+          <a:lstStyle/>
+          <a:p>
+            <a:r>
+              <a:rPr lang="it-IT" dirty="0" smtClean="0"/>
+              <a:t>N</a:t>
+            </a:r>
+            <a:endParaRPr lang="it-IT" dirty="0"/>
+          </a:p>
+        </p:txBody>
+      </p:sp>
+      <p:sp>
+        <p:nvSpPr>
+          <p:cNvPr id="205" name="CasellaDiTesto 204"/>
+          <p:cNvSpPr txBox="1"/>
+          <p:nvPr/>
+        </p:nvSpPr>
+        <p:spPr>
+          <a:xfrm>
+            <a:off x="6846480" y="3949012"/>
+            <a:ext cx="522483" cy="369332"/>
+          </a:xfrm>
+          <a:prstGeom prst="rect">
+            <a:avLst/>
+          </a:prstGeom>
+          <a:noFill/>
+        </p:spPr>
+        <p:txBody>
+          <a:bodyPr wrap="square" rtlCol="0">
+            <a:spAutoFit/>
+          </a:bodyPr>
+          <a:lstStyle/>
+          <a:p>
+            <a:r>
+              <a:rPr lang="it-IT" dirty="0" smtClean="0"/>
+              <a:t>1</a:t>
+            </a:r>
+            <a:endParaRPr lang="it-IT" dirty="0"/>
+          </a:p>
+        </p:txBody>
+      </p:sp>
+      <p:sp>
+        <p:nvSpPr>
+          <p:cNvPr id="206" name="CasellaDiTesto 205"/>
+          <p:cNvSpPr txBox="1"/>
+          <p:nvPr/>
+        </p:nvSpPr>
+        <p:spPr>
+          <a:xfrm>
+            <a:off x="5995133" y="3973636"/>
+            <a:ext cx="376725" cy="369332"/>
+          </a:xfrm>
+          <a:prstGeom prst="rect">
+            <a:avLst/>
+          </a:prstGeom>
+          <a:noFill/>
+        </p:spPr>
+        <p:txBody>
+          <a:bodyPr wrap="square" rtlCol="0">
+            <a:spAutoFit/>
+          </a:bodyPr>
+          <a:lstStyle/>
+          <a:p>
+            <a:r>
+              <a:rPr lang="it-IT" dirty="0" smtClean="0"/>
+              <a:t>N</a:t>
+            </a:r>
+            <a:endParaRPr lang="it-IT" dirty="0"/>
+          </a:p>
+        </p:txBody>
+      </p:sp>
+      <p:sp>
+        <p:nvSpPr>
+          <p:cNvPr id="207" name="CasellaDiTesto 206"/>
+          <p:cNvSpPr txBox="1"/>
+          <p:nvPr/>
+        </p:nvSpPr>
+        <p:spPr>
+          <a:xfrm>
+            <a:off x="10394624" y="6212514"/>
+            <a:ext cx="608230" cy="369332"/>
+          </a:xfrm>
+          <a:prstGeom prst="rect">
+            <a:avLst/>
+          </a:prstGeom>
+          <a:noFill/>
+        </p:spPr>
+        <p:txBody>
+          <a:bodyPr wrap="square" rtlCol="0">
+            <a:spAutoFit/>
+          </a:bodyPr>
+          <a:lstStyle/>
+          <a:p>
+            <a:r>
+              <a:rPr lang="it-IT" dirty="0" smtClean="0"/>
+              <a:t>N</a:t>
+            </a:r>
+            <a:endParaRPr lang="it-IT" dirty="0"/>
+          </a:p>
+        </p:txBody>
+      </p:sp>
+      <p:sp>
+        <p:nvSpPr>
+          <p:cNvPr id="208" name="CasellaDiTesto 207"/>
+          <p:cNvSpPr txBox="1"/>
+          <p:nvPr/>
+        </p:nvSpPr>
+        <p:spPr>
+          <a:xfrm>
+            <a:off x="8439870" y="6128056"/>
+            <a:ext cx="817766" cy="369332"/>
+          </a:xfrm>
+          <a:prstGeom prst="rect">
+            <a:avLst/>
+          </a:prstGeom>
+          <a:noFill/>
+        </p:spPr>
+        <p:txBody>
+          <a:bodyPr wrap="square" rtlCol="0">
+            <a:spAutoFit/>
+          </a:bodyPr>
+          <a:lstStyle/>
+          <a:p>
+            <a:r>
+              <a:rPr lang="it-IT" dirty="0" smtClean="0"/>
+              <a:t>N</a:t>
+            </a:r>
+            <a:endParaRPr lang="it-IT" dirty="0"/>
+          </a:p>
+        </p:txBody>
+      </p:sp>
+      <p:sp>
+        <p:nvSpPr>
+          <p:cNvPr id="292" name="CasellaDiTesto 291"/>
+          <p:cNvSpPr txBox="1"/>
+          <p:nvPr/>
+        </p:nvSpPr>
+        <p:spPr>
+          <a:xfrm>
+            <a:off x="12821895" y="6693782"/>
+            <a:ext cx="333746" cy="369332"/>
+          </a:xfrm>
+          <a:prstGeom prst="rect">
+            <a:avLst/>
+          </a:prstGeom>
+          <a:noFill/>
+        </p:spPr>
+        <p:txBody>
+          <a:bodyPr wrap="none" rtlCol="0">
+            <a:spAutoFit/>
+          </a:bodyPr>
+          <a:lstStyle/>
+          <a:p>
+            <a:r>
+              <a:rPr lang="it-IT" dirty="0" smtClean="0"/>
+              <a:t>N</a:t>
+            </a:r>
+            <a:endParaRPr lang="it-IT" dirty="0"/>
+          </a:p>
+        </p:txBody>
+      </p:sp>
+      <p:sp>
+        <p:nvSpPr>
+          <p:cNvPr id="293" name="CasellaDiTesto 292"/>
+          <p:cNvSpPr txBox="1"/>
+          <p:nvPr/>
+        </p:nvSpPr>
+        <p:spPr>
+          <a:xfrm>
+            <a:off x="13817994" y="6828991"/>
+            <a:ext cx="301686" cy="369332"/>
+          </a:xfrm>
+          <a:prstGeom prst="rect">
+            <a:avLst/>
+          </a:prstGeom>
+          <a:noFill/>
+        </p:spPr>
+        <p:txBody>
+          <a:bodyPr wrap="none" rtlCol="0">
+            <a:spAutoFit/>
+          </a:bodyPr>
+          <a:lstStyle/>
+          <a:p>
+            <a:r>
+              <a:rPr lang="it-IT" dirty="0" smtClean="0"/>
+              <a:t>1</a:t>
+            </a:r>
+            <a:endParaRPr lang="it-IT" dirty="0"/>
+          </a:p>
+        </p:txBody>
+      </p:sp>
+      <p:cxnSp>
+        <p:nvCxnSpPr>
+          <p:cNvPr id="301" name="Connettore diritto 300"/>
+          <p:cNvCxnSpPr>
+            <a:stCxn id="8" idx="0"/>
+            <a:endCxn id="304" idx="2"/>
+          </p:cNvCxnSpPr>
+          <p:nvPr/>
+        </p:nvCxnSpPr>
+        <p:spPr>
+          <a:xfrm flipV="1">
+            <a:off x="2607557" y="6575820"/>
+            <a:ext cx="449277" cy="1006961"/>
+          </a:xfrm>
+          <a:prstGeom prst="line">
+            <a:avLst/>
+          </a:prstGeom>
+        </p:spPr>
+        <p:style>
+          <a:lnRef idx="1">
+            <a:schemeClr val="accent1"/>
+          </a:lnRef>
+          <a:fillRef idx="0">
+            <a:schemeClr val="accent1"/>
+          </a:fillRef>
+          <a:effectRef idx="0">
+            <a:schemeClr val="accent1"/>
+          </a:effectRef>
+          <a:fontRef idx="minor">
+            <a:schemeClr val="tx1"/>
+          </a:fontRef>
+        </p:style>
+      </p:cxnSp>
+      <p:sp>
+        <p:nvSpPr>
+          <p:cNvPr id="304" name="Rombo 303"/>
+          <p:cNvSpPr/>
+          <p:nvPr/>
+        </p:nvSpPr>
+        <p:spPr>
+          <a:xfrm rot="1244468">
+            <a:off x="2913037" y="5876279"/>
+            <a:ext cx="543629" cy="722969"/>
+          </a:xfrm>
+          <a:prstGeom prst="diamond">
+            <a:avLst/>
+          </a:prstGeom>
+          <a:noFill/>
+        </p:spPr>
+        <p:style>
+          <a:lnRef idx="2">
+            <a:schemeClr val="accent1">
+              <a:shade val="50000"/>
+            </a:schemeClr>
+          </a:lnRef>
+          <a:fillRef idx="1">
+            <a:schemeClr val="accent1"/>
+          </a:fillRef>
+          <a:effectRef idx="0">
+            <a:schemeClr val="accent1"/>
+          </a:effectRef>
+          <a:fontRef idx="minor">
+            <a:schemeClr val="lt1"/>
+          </a:fontRef>
+        </p:style>
+        <p:txBody>
+          <a:bodyPr rtlCol="0" anchor="ctr"/>
+          <a:lstStyle/>
+          <a:p>
+            <a:pPr algn="ctr"/>
+            <a:endParaRPr lang="it-IT"/>
+          </a:p>
+        </p:txBody>
+      </p:sp>
+      <p:cxnSp>
+        <p:nvCxnSpPr>
+          <p:cNvPr id="307" name="Connettore diritto 306"/>
+          <p:cNvCxnSpPr>
+            <a:endCxn id="304" idx="0"/>
+          </p:cNvCxnSpPr>
+          <p:nvPr/>
+        </p:nvCxnSpPr>
+        <p:spPr>
+          <a:xfrm flipH="1">
+            <a:off x="3312870" y="4715199"/>
+            <a:ext cx="993092" cy="1184508"/>
+          </a:xfrm>
+          <a:prstGeom prst="line">
+            <a:avLst/>
+          </a:prstGeom>
+        </p:spPr>
+        <p:style>
+          <a:lnRef idx="1">
+            <a:schemeClr val="accent1"/>
+          </a:lnRef>
+          <a:fillRef idx="0">
+            <a:schemeClr val="accent1"/>
+          </a:fillRef>
+          <a:effectRef idx="0">
+            <a:schemeClr val="accent1"/>
+          </a:effectRef>
+          <a:fontRef idx="minor">
+            <a:schemeClr val="tx1"/>
+          </a:fontRef>
+        </p:style>
+      </p:cxnSp>
+      <p:sp>
+        <p:nvSpPr>
+          <p:cNvPr id="317" name="CasellaDiTesto 316"/>
+          <p:cNvSpPr txBox="1"/>
+          <p:nvPr/>
+        </p:nvSpPr>
+        <p:spPr>
+          <a:xfrm>
+            <a:off x="2797181" y="6347997"/>
+            <a:ext cx="301686" cy="369332"/>
+          </a:xfrm>
+          <a:prstGeom prst="rect">
+            <a:avLst/>
+          </a:prstGeom>
+          <a:noFill/>
+        </p:spPr>
+        <p:txBody>
+          <a:bodyPr wrap="none" rtlCol="0">
+            <a:spAutoFit/>
+          </a:bodyPr>
+          <a:lstStyle/>
+          <a:p>
+            <a:r>
+              <a:rPr lang="it-IT" dirty="0" smtClean="0"/>
+              <a:t>1</a:t>
+            </a:r>
+            <a:endParaRPr lang="it-IT" dirty="0"/>
+          </a:p>
+        </p:txBody>
+      </p:sp>
+      <p:sp>
+        <p:nvSpPr>
+          <p:cNvPr id="318" name="CasellaDiTesto 317"/>
+          <p:cNvSpPr txBox="1"/>
+          <p:nvPr/>
+        </p:nvSpPr>
+        <p:spPr>
+          <a:xfrm>
+            <a:off x="3051104" y="5611763"/>
+            <a:ext cx="333746" cy="369332"/>
+          </a:xfrm>
+          <a:prstGeom prst="rect">
+            <a:avLst/>
+          </a:prstGeom>
+          <a:noFill/>
+        </p:spPr>
+        <p:txBody>
+          <a:bodyPr wrap="none" rtlCol="0">
+            <a:spAutoFit/>
+          </a:bodyPr>
+          <a:lstStyle/>
+          <a:p>
+            <a:r>
+              <a:rPr lang="it-IT" dirty="0" smtClean="0"/>
+              <a:t>N</a:t>
             </a:r>
             <a:endParaRPr lang="it-IT" dirty="0"/>
           </a:p>

--- a/progetto esame/screen/er.pptx
+++ b/progetto esame/screen/er.pptx
@@ -243,7 +243,7 @@
           <a:p>
             <a:fld id="{D09A3B4E-7CAD-486F-A2B2-4C7CA602386E}" type="datetimeFigureOut">
               <a:rPr lang="it-IT" smtClean="0"/>
-              <a:t>19/06/2017</a:t>
+              <a:t>20/06/2017</a:t>
             </a:fld>
             <a:endParaRPr lang="it-IT"/>
           </a:p>
@@ -413,7 +413,7 @@
           <a:p>
             <a:fld id="{D09A3B4E-7CAD-486F-A2B2-4C7CA602386E}" type="datetimeFigureOut">
               <a:rPr lang="it-IT" smtClean="0"/>
-              <a:t>19/06/2017</a:t>
+              <a:t>20/06/2017</a:t>
             </a:fld>
             <a:endParaRPr lang="it-IT"/>
           </a:p>
@@ -593,7 +593,7 @@
           <a:p>
             <a:fld id="{D09A3B4E-7CAD-486F-A2B2-4C7CA602386E}" type="datetimeFigureOut">
               <a:rPr lang="it-IT" smtClean="0"/>
-              <a:t>19/06/2017</a:t>
+              <a:t>20/06/2017</a:t>
             </a:fld>
             <a:endParaRPr lang="it-IT"/>
           </a:p>
@@ -763,7 +763,7 @@
           <a:p>
             <a:fld id="{D09A3B4E-7CAD-486F-A2B2-4C7CA602386E}" type="datetimeFigureOut">
               <a:rPr lang="it-IT" smtClean="0"/>
-              <a:t>19/06/2017</a:t>
+              <a:t>20/06/2017</a:t>
             </a:fld>
             <a:endParaRPr lang="it-IT"/>
           </a:p>
@@ -1009,7 +1009,7 @@
           <a:p>
             <a:fld id="{D09A3B4E-7CAD-486F-A2B2-4C7CA602386E}" type="datetimeFigureOut">
               <a:rPr lang="it-IT" smtClean="0"/>
-              <a:t>19/06/2017</a:t>
+              <a:t>20/06/2017</a:t>
             </a:fld>
             <a:endParaRPr lang="it-IT"/>
           </a:p>
@@ -1241,7 +1241,7 @@
           <a:p>
             <a:fld id="{D09A3B4E-7CAD-486F-A2B2-4C7CA602386E}" type="datetimeFigureOut">
               <a:rPr lang="it-IT" smtClean="0"/>
-              <a:t>19/06/2017</a:t>
+              <a:t>20/06/2017</a:t>
             </a:fld>
             <a:endParaRPr lang="it-IT"/>
           </a:p>
@@ -1608,7 +1608,7 @@
           <a:p>
             <a:fld id="{D09A3B4E-7CAD-486F-A2B2-4C7CA602386E}" type="datetimeFigureOut">
               <a:rPr lang="it-IT" smtClean="0"/>
-              <a:t>19/06/2017</a:t>
+              <a:t>20/06/2017</a:t>
             </a:fld>
             <a:endParaRPr lang="it-IT"/>
           </a:p>
@@ -1726,7 +1726,7 @@
           <a:p>
             <a:fld id="{D09A3B4E-7CAD-486F-A2B2-4C7CA602386E}" type="datetimeFigureOut">
               <a:rPr lang="it-IT" smtClean="0"/>
-              <a:t>19/06/2017</a:t>
+              <a:t>20/06/2017</a:t>
             </a:fld>
             <a:endParaRPr lang="it-IT"/>
           </a:p>
@@ -1821,7 +1821,7 @@
           <a:p>
             <a:fld id="{D09A3B4E-7CAD-486F-A2B2-4C7CA602386E}" type="datetimeFigureOut">
               <a:rPr lang="it-IT" smtClean="0"/>
-              <a:t>19/06/2017</a:t>
+              <a:t>20/06/2017</a:t>
             </a:fld>
             <a:endParaRPr lang="it-IT"/>
           </a:p>
@@ -2098,7 +2098,7 @@
           <a:p>
             <a:fld id="{D09A3B4E-7CAD-486F-A2B2-4C7CA602386E}" type="datetimeFigureOut">
               <a:rPr lang="it-IT" smtClean="0"/>
-              <a:t>19/06/2017</a:t>
+              <a:t>20/06/2017</a:t>
             </a:fld>
             <a:endParaRPr lang="it-IT"/>
           </a:p>
@@ -2355,7 +2355,7 @@
           <a:p>
             <a:fld id="{D09A3B4E-7CAD-486F-A2B2-4C7CA602386E}" type="datetimeFigureOut">
               <a:rPr lang="it-IT" smtClean="0"/>
-              <a:t>19/06/2017</a:t>
+              <a:t>20/06/2017</a:t>
             </a:fld>
             <a:endParaRPr lang="it-IT"/>
           </a:p>
@@ -2568,7 +2568,7 @@
           <a:p>
             <a:fld id="{D09A3B4E-7CAD-486F-A2B2-4C7CA602386E}" type="datetimeFigureOut">
               <a:rPr lang="it-IT" smtClean="0"/>
-              <a:t>19/06/2017</a:t>
+              <a:t>20/06/2017</a:t>
             </a:fld>
             <a:endParaRPr lang="it-IT"/>
           </a:p>
@@ -2981,7 +2981,7 @@
         </p:nvSpPr>
         <p:spPr>
           <a:xfrm>
-            <a:off x="199301" y="208264"/>
+            <a:off x="1338252" y="361405"/>
             <a:ext cx="1915547" cy="953436"/>
           </a:xfrm>
           <a:prstGeom prst="rect">
@@ -3033,14 +3033,14 @@
       </p:sp>
       <p:sp>
         <p:nvSpPr>
-          <p:cNvPr id="5" name="Rettangolo 4"/>
+          <p:cNvPr id="6" name="Rettangolo 5"/>
           <p:cNvSpPr/>
           <p:nvPr/>
         </p:nvSpPr>
         <p:spPr>
           <a:xfrm>
-            <a:off x="14420755" y="4408789"/>
-            <a:ext cx="1462661" cy="474014"/>
+            <a:off x="15060170" y="6907502"/>
+            <a:ext cx="1156389" cy="514186"/>
           </a:xfrm>
           <a:prstGeom prst="rect">
             <a:avLst/>
@@ -3074,31 +3074,26 @@
           <a:p>
             <a:pPr algn="ctr"/>
             <a:r>
-              <a:rPr lang="it-IT" dirty="0" smtClean="0">
+              <a:rPr lang="it-IT" dirty="0">
                 <a:solidFill>
                   <a:schemeClr val="tx1"/>
                 </a:solidFill>
               </a:rPr>
-              <a:t>Fornitori</a:t>
-            </a:r>
-            <a:endParaRPr lang="it-IT" dirty="0">
-              <a:solidFill>
-                <a:schemeClr val="tx1"/>
-              </a:solidFill>
-            </a:endParaRPr>
-          </a:p>
-        </p:txBody>
-      </p:sp>
-      <p:sp>
-        <p:nvSpPr>
-          <p:cNvPr id="6" name="Rettangolo 5"/>
+              <a:t>Fattura</a:t>
+            </a:r>
+          </a:p>
+        </p:txBody>
+      </p:sp>
+      <p:sp>
+        <p:nvSpPr>
+          <p:cNvPr id="8" name="Rettangolo 7"/>
           <p:cNvSpPr/>
           <p:nvPr/>
         </p:nvSpPr>
         <p:spPr>
           <a:xfrm>
-            <a:off x="10833610" y="6521422"/>
-            <a:ext cx="1156389" cy="514186"/>
+            <a:off x="6398062" y="7968861"/>
+            <a:ext cx="872110" cy="578317"/>
           </a:xfrm>
           <a:prstGeom prst="rect">
             <a:avLst/>
@@ -3137,21 +3132,21 @@
                   <a:schemeClr val="tx1"/>
                 </a:solidFill>
               </a:rPr>
-              <a:t>Fattura</a:t>
-            </a:r>
-          </a:p>
-        </p:txBody>
-      </p:sp>
-      <p:sp>
-        <p:nvSpPr>
-          <p:cNvPr id="7" name="Rettangolo 6"/>
+              <a:t>Giornale</a:t>
+            </a:r>
+          </a:p>
+        </p:txBody>
+      </p:sp>
+      <p:sp>
+        <p:nvSpPr>
+          <p:cNvPr id="9" name="Rettangolo 8"/>
           <p:cNvSpPr/>
           <p:nvPr/>
         </p:nvSpPr>
         <p:spPr>
           <a:xfrm>
-            <a:off x="14331975" y="6846787"/>
-            <a:ext cx="1314997" cy="583561"/>
+            <a:off x="13825121" y="4104905"/>
+            <a:ext cx="1162615" cy="743593"/>
           </a:xfrm>
           <a:prstGeom prst="rect">
             <a:avLst/>
@@ -3185,31 +3180,26 @@
           <a:p>
             <a:pPr algn="ctr"/>
             <a:r>
-              <a:rPr lang="it-IT" dirty="0" smtClean="0">
+              <a:rPr lang="it-IT" dirty="0">
                 <a:solidFill>
                   <a:schemeClr val="tx1"/>
                 </a:solidFill>
               </a:rPr>
-              <a:t>Clienti</a:t>
-            </a:r>
-            <a:endParaRPr lang="it-IT" dirty="0">
-              <a:solidFill>
-                <a:schemeClr val="tx1"/>
-              </a:solidFill>
-            </a:endParaRPr>
-          </a:p>
-        </p:txBody>
-      </p:sp>
-      <p:sp>
-        <p:nvSpPr>
-          <p:cNvPr id="8" name="Rettangolo 7"/>
+              <a:t>Azienda</a:t>
+            </a:r>
+          </a:p>
+        </p:txBody>
+      </p:sp>
+      <p:sp>
+        <p:nvSpPr>
+          <p:cNvPr id="10" name="Rettangolo 9"/>
           <p:cNvSpPr/>
           <p:nvPr/>
         </p:nvSpPr>
         <p:spPr>
           <a:xfrm>
-            <a:off x="2171502" y="7582781"/>
-            <a:ext cx="872110" cy="578317"/>
+            <a:off x="9152562" y="3140916"/>
+            <a:ext cx="1493196" cy="448642"/>
           </a:xfrm>
           <a:prstGeom prst="rect">
             <a:avLst/>
@@ -3248,21 +3238,21 @@
                   <a:schemeClr val="tx1"/>
                 </a:solidFill>
               </a:rPr>
-              <a:t>Giornale</a:t>
-            </a:r>
-          </a:p>
-        </p:txBody>
-      </p:sp>
-      <p:sp>
-        <p:nvSpPr>
-          <p:cNvPr id="9" name="Rettangolo 8"/>
+              <a:t>Utenti</a:t>
+            </a:r>
+          </a:p>
+        </p:txBody>
+      </p:sp>
+      <p:sp>
+        <p:nvSpPr>
+          <p:cNvPr id="11" name="Rettangolo 10"/>
           <p:cNvSpPr/>
           <p:nvPr/>
         </p:nvSpPr>
         <p:spPr>
           <a:xfrm>
-            <a:off x="9598561" y="3718825"/>
-            <a:ext cx="1162615" cy="743593"/>
+            <a:off x="1320570" y="2889982"/>
+            <a:ext cx="1933229" cy="845327"/>
           </a:xfrm>
           <a:prstGeom prst="rect">
             <a:avLst/>
@@ -3296,26 +3286,31 @@
           <a:p>
             <a:pPr algn="ctr"/>
             <a:r>
-              <a:rPr lang="it-IT" dirty="0">
+              <a:rPr lang="it-IT" dirty="0" err="1" smtClean="0">
                 <a:solidFill>
                   <a:schemeClr val="tx1"/>
                 </a:solidFill>
               </a:rPr>
-              <a:t>Azienda</a:t>
-            </a:r>
-          </a:p>
-        </p:txBody>
-      </p:sp>
-      <p:sp>
-        <p:nvSpPr>
-          <p:cNvPr id="10" name="Rettangolo 9"/>
+              <a:t>Admin</a:t>
+            </a:r>
+            <a:endParaRPr lang="it-IT" dirty="0">
+              <a:solidFill>
+                <a:schemeClr val="tx1"/>
+              </a:solidFill>
+            </a:endParaRPr>
+          </a:p>
+        </p:txBody>
+      </p:sp>
+      <p:sp>
+        <p:nvSpPr>
+          <p:cNvPr id="12" name="Rettangolo 11"/>
           <p:cNvSpPr/>
           <p:nvPr/>
         </p:nvSpPr>
         <p:spPr>
           <a:xfrm>
-            <a:off x="4926002" y="2754836"/>
-            <a:ext cx="1493196" cy="448642"/>
+            <a:off x="11247363" y="6335109"/>
+            <a:ext cx="1075335" cy="427242"/>
           </a:xfrm>
           <a:prstGeom prst="rect">
             <a:avLst/>
@@ -3354,21 +3349,21 @@
                   <a:schemeClr val="tx1"/>
                 </a:solidFill>
               </a:rPr>
-              <a:t>Utenti</a:t>
-            </a:r>
-          </a:p>
-        </p:txBody>
-      </p:sp>
-      <p:sp>
-        <p:nvSpPr>
-          <p:cNvPr id="11" name="Rettangolo 10"/>
+              <a:t>Prodotti</a:t>
+            </a:r>
+          </a:p>
+        </p:txBody>
+      </p:sp>
+      <p:sp>
+        <p:nvSpPr>
+          <p:cNvPr id="13" name="Rettangolo 12"/>
           <p:cNvSpPr/>
           <p:nvPr/>
         </p:nvSpPr>
         <p:spPr>
           <a:xfrm>
-            <a:off x="181619" y="2736841"/>
-            <a:ext cx="1933229" cy="845327"/>
+            <a:off x="7129338" y="4615654"/>
+            <a:ext cx="2037925" cy="491755"/>
           </a:xfrm>
           <a:prstGeom prst="rect">
             <a:avLst/>
@@ -3402,117 +3397,6 @@
           <a:p>
             <a:pPr algn="ctr"/>
             <a:r>
-              <a:rPr lang="it-IT" dirty="0" err="1" smtClean="0">
-                <a:solidFill>
-                  <a:schemeClr val="tx1"/>
-                </a:solidFill>
-              </a:rPr>
-              <a:t>Admin</a:t>
-            </a:r>
-            <a:endParaRPr lang="it-IT" dirty="0">
-              <a:solidFill>
-                <a:schemeClr val="tx1"/>
-              </a:solidFill>
-            </a:endParaRPr>
-          </a:p>
-        </p:txBody>
-      </p:sp>
-      <p:sp>
-        <p:nvSpPr>
-          <p:cNvPr id="12" name="Rettangolo 11"/>
-          <p:cNvSpPr/>
-          <p:nvPr/>
-        </p:nvSpPr>
-        <p:spPr>
-          <a:xfrm>
-            <a:off x="7020803" y="5949029"/>
-            <a:ext cx="1075335" cy="427242"/>
-          </a:xfrm>
-          <a:prstGeom prst="rect">
-            <a:avLst/>
-          </a:prstGeom>
-          <a:noFill/>
-        </p:spPr>
-        <p:style>
-          <a:lnRef idx="2">
-            <a:schemeClr val="accent1">
-              <a:shade val="50000"/>
-            </a:schemeClr>
-          </a:lnRef>
-          <a:fillRef idx="1">
-            <a:schemeClr val="accent1"/>
-          </a:fillRef>
-          <a:effectRef idx="0">
-            <a:schemeClr val="accent1"/>
-          </a:effectRef>
-          <a:fontRef idx="minor">
-            <a:schemeClr val="lt1"/>
-          </a:fontRef>
-        </p:style>
-        <p:txBody>
-          <a:bodyPr rot="0" spcFirstLastPara="0" vertOverflow="overflow" horzOverflow="overflow" vert="horz" wrap="square" lIns="32916" tIns="16458" rIns="32916" bIns="16458" numCol="1" spcCol="0" rtlCol="0" fromWordArt="0" anchor="ctr" anchorCtr="0" forceAA="0" compatLnSpc="1">
-            <a:prstTxWarp prst="textNoShape">
-              <a:avLst/>
-            </a:prstTxWarp>
-            <a:noAutofit/>
-          </a:bodyPr>
-          <a:lstStyle/>
-          <a:p>
-            <a:pPr algn="ctr"/>
-            <a:r>
-              <a:rPr lang="it-IT" dirty="0">
-                <a:solidFill>
-                  <a:schemeClr val="tx1"/>
-                </a:solidFill>
-              </a:rPr>
-              <a:t>Prodotti</a:t>
-            </a:r>
-          </a:p>
-        </p:txBody>
-      </p:sp>
-      <p:sp>
-        <p:nvSpPr>
-          <p:cNvPr id="13" name="Rettangolo 12"/>
-          <p:cNvSpPr/>
-          <p:nvPr/>
-        </p:nvSpPr>
-        <p:spPr>
-          <a:xfrm>
-            <a:off x="2902778" y="4229574"/>
-            <a:ext cx="2037925" cy="491755"/>
-          </a:xfrm>
-          <a:prstGeom prst="rect">
-            <a:avLst/>
-          </a:prstGeom>
-          <a:noFill/>
-        </p:spPr>
-        <p:style>
-          <a:lnRef idx="2">
-            <a:schemeClr val="accent1">
-              <a:shade val="50000"/>
-            </a:schemeClr>
-          </a:lnRef>
-          <a:fillRef idx="1">
-            <a:schemeClr val="accent1"/>
-          </a:fillRef>
-          <a:effectRef idx="0">
-            <a:schemeClr val="accent1"/>
-          </a:effectRef>
-          <a:fontRef idx="minor">
-            <a:schemeClr val="lt1"/>
-          </a:fontRef>
-        </p:style>
-        <p:txBody>
-          <a:bodyPr rot="0" spcFirstLastPara="0" vertOverflow="overflow" horzOverflow="overflow" vert="horz" wrap="square" lIns="32916" tIns="16458" rIns="32916" bIns="16458" numCol="1" spcCol="0" rtlCol="0" fromWordArt="0" anchor="ctr" anchorCtr="0" forceAA="0" compatLnSpc="1">
-            <a:prstTxWarp prst="textNoShape">
-              <a:avLst/>
-            </a:prstTxWarp>
-            <a:noAutofit/>
-          </a:bodyPr>
-          <a:lstStyle/>
-          <a:p>
-            <a:pPr algn="ctr"/>
-            <a:r>
               <a:rPr lang="it-IT" dirty="0" err="1">
                 <a:solidFill>
                   <a:schemeClr val="tx1"/>
@@ -3536,7 +3420,7 @@
         </p:nvSpPr>
         <p:spPr>
           <a:xfrm rot="539151">
-            <a:off x="7266331" y="3054945"/>
+            <a:off x="11492891" y="3441025"/>
             <a:ext cx="587069" cy="321797"/>
           </a:xfrm>
           <a:prstGeom prst="diamond">
@@ -3585,7 +3469,7 @@
         </p:nvCxnSpPr>
         <p:spPr>
           <a:xfrm>
-            <a:off x="7849797" y="3261691"/>
+            <a:off x="12076357" y="3647771"/>
             <a:ext cx="1748764" cy="828931"/>
           </a:xfrm>
           <a:prstGeom prst="line">
@@ -3618,232 +3502,8 @@
         </p:nvCxnSpPr>
         <p:spPr>
           <a:xfrm>
-            <a:off x="6419198" y="2979157"/>
+            <a:off x="10645758" y="3365237"/>
             <a:ext cx="850735" cy="190840"/>
-          </a:xfrm>
-          <a:prstGeom prst="line">
-            <a:avLst/>
-          </a:prstGeom>
-        </p:spPr>
-        <p:style>
-          <a:lnRef idx="1">
-            <a:schemeClr val="accent1"/>
-          </a:lnRef>
-          <a:fillRef idx="0">
-            <a:schemeClr val="accent1"/>
-          </a:fillRef>
-          <a:effectRef idx="0">
-            <a:schemeClr val="accent1"/>
-          </a:effectRef>
-          <a:fontRef idx="minor">
-            <a:schemeClr val="tx1"/>
-          </a:fontRef>
-        </p:style>
-      </p:cxnSp>
-      <p:sp>
-        <p:nvSpPr>
-          <p:cNvPr id="30" name="Rombo 29"/>
-          <p:cNvSpPr/>
-          <p:nvPr/>
-        </p:nvSpPr>
-        <p:spPr>
-          <a:xfrm rot="369147">
-            <a:off x="12893341" y="4350950"/>
-            <a:ext cx="739037" cy="374705"/>
-          </a:xfrm>
-          <a:prstGeom prst="diamond">
-            <a:avLst/>
-          </a:prstGeom>
-          <a:noFill/>
-        </p:spPr>
-        <p:style>
-          <a:lnRef idx="2">
-            <a:schemeClr val="accent1">
-              <a:shade val="50000"/>
-            </a:schemeClr>
-          </a:lnRef>
-          <a:fillRef idx="1">
-            <a:schemeClr val="accent1"/>
-          </a:fillRef>
-          <a:effectRef idx="0">
-            <a:schemeClr val="accent1"/>
-          </a:effectRef>
-          <a:fontRef idx="minor">
-            <a:schemeClr val="lt1"/>
-          </a:fontRef>
-        </p:style>
-        <p:txBody>
-          <a:bodyPr rot="0" spcFirstLastPara="0" vertOverflow="overflow" horzOverflow="overflow" vert="horz" wrap="square" lIns="32916" tIns="16458" rIns="32916" bIns="16458" numCol="1" spcCol="0" rtlCol="0" fromWordArt="0" anchor="ctr" anchorCtr="0" forceAA="0" compatLnSpc="1">
-            <a:prstTxWarp prst="textNoShape">
-              <a:avLst/>
-            </a:prstTxWarp>
-            <a:noAutofit/>
-          </a:bodyPr>
-          <a:lstStyle/>
-          <a:p>
-            <a:pPr algn="ctr"/>
-            <a:endParaRPr lang="it-IT" sz="259"/>
-          </a:p>
-        </p:txBody>
-      </p:sp>
-      <p:cxnSp>
-        <p:nvCxnSpPr>
-          <p:cNvPr id="31" name="Connettore diritto 30"/>
-          <p:cNvCxnSpPr>
-            <a:stCxn id="30" idx="3"/>
-            <a:endCxn id="5" idx="1"/>
-          </p:cNvCxnSpPr>
-          <p:nvPr/>
-        </p:nvCxnSpPr>
-        <p:spPr>
-          <a:xfrm>
-            <a:off x="13630250" y="4577906"/>
-            <a:ext cx="790505" cy="67890"/>
-          </a:xfrm>
-          <a:prstGeom prst="line">
-            <a:avLst/>
-          </a:prstGeom>
-        </p:spPr>
-        <p:style>
-          <a:lnRef idx="1">
-            <a:schemeClr val="accent1"/>
-          </a:lnRef>
-          <a:fillRef idx="0">
-            <a:schemeClr val="accent1"/>
-          </a:fillRef>
-          <a:effectRef idx="0">
-            <a:schemeClr val="accent1"/>
-          </a:effectRef>
-          <a:fontRef idx="minor">
-            <a:schemeClr val="tx1"/>
-          </a:fontRef>
-        </p:style>
-      </p:cxnSp>
-      <p:cxnSp>
-        <p:nvCxnSpPr>
-          <p:cNvPr id="32" name="Connettore diritto 31"/>
-          <p:cNvCxnSpPr>
-            <a:stCxn id="9" idx="3"/>
-            <a:endCxn id="30" idx="1"/>
-          </p:cNvCxnSpPr>
-          <p:nvPr/>
-        </p:nvCxnSpPr>
-        <p:spPr>
-          <a:xfrm>
-            <a:off x="10761176" y="4090622"/>
-            <a:ext cx="2134293" cy="408078"/>
-          </a:xfrm>
-          <a:prstGeom prst="line">
-            <a:avLst/>
-          </a:prstGeom>
-        </p:spPr>
-        <p:style>
-          <a:lnRef idx="1">
-            <a:schemeClr val="accent1"/>
-          </a:lnRef>
-          <a:fillRef idx="0">
-            <a:schemeClr val="accent1"/>
-          </a:fillRef>
-          <a:effectRef idx="0">
-            <a:schemeClr val="accent1"/>
-          </a:effectRef>
-          <a:fontRef idx="minor">
-            <a:schemeClr val="tx1"/>
-          </a:fontRef>
-        </p:style>
-      </p:cxnSp>
-      <p:sp>
-        <p:nvSpPr>
-          <p:cNvPr id="33" name="Rombo 32"/>
-          <p:cNvSpPr/>
-          <p:nvPr/>
-        </p:nvSpPr>
-        <p:spPr>
-          <a:xfrm rot="1892774" flipV="1">
-            <a:off x="12746907" y="5684921"/>
-            <a:ext cx="666861" cy="381323"/>
-          </a:xfrm>
-          <a:prstGeom prst="diamond">
-            <a:avLst/>
-          </a:prstGeom>
-          <a:noFill/>
-        </p:spPr>
-        <p:style>
-          <a:lnRef idx="2">
-            <a:schemeClr val="accent1">
-              <a:shade val="50000"/>
-            </a:schemeClr>
-          </a:lnRef>
-          <a:fillRef idx="1">
-            <a:schemeClr val="accent1"/>
-          </a:fillRef>
-          <a:effectRef idx="0">
-            <a:schemeClr val="accent1"/>
-          </a:effectRef>
-          <a:fontRef idx="minor">
-            <a:schemeClr val="lt1"/>
-          </a:fontRef>
-        </p:style>
-        <p:txBody>
-          <a:bodyPr rot="0" spcFirstLastPara="0" vertOverflow="overflow" horzOverflow="overflow" vert="horz" wrap="square" lIns="32916" tIns="16458" rIns="32916" bIns="16458" numCol="1" spcCol="0" rtlCol="0" fromWordArt="0" anchor="ctr" anchorCtr="0" forceAA="0" compatLnSpc="1">
-            <a:prstTxWarp prst="textNoShape">
-              <a:avLst/>
-            </a:prstTxWarp>
-            <a:noAutofit/>
-          </a:bodyPr>
-          <a:lstStyle/>
-          <a:p>
-            <a:pPr algn="ctr"/>
-            <a:endParaRPr lang="it-IT" sz="259"/>
-          </a:p>
-        </p:txBody>
-      </p:sp>
-      <p:cxnSp>
-        <p:nvCxnSpPr>
-          <p:cNvPr id="34" name="Connettore diritto 33"/>
-          <p:cNvCxnSpPr>
-            <a:stCxn id="33" idx="3"/>
-            <a:endCxn id="7" idx="0"/>
-          </p:cNvCxnSpPr>
-          <p:nvPr/>
-        </p:nvCxnSpPr>
-        <p:spPr>
-          <a:xfrm>
-            <a:off x="13364493" y="6050028"/>
-            <a:ext cx="1624981" cy="796759"/>
-          </a:xfrm>
-          <a:prstGeom prst="line">
-            <a:avLst/>
-          </a:prstGeom>
-        </p:spPr>
-        <p:style>
-          <a:lnRef idx="1">
-            <a:schemeClr val="accent1"/>
-          </a:lnRef>
-          <a:fillRef idx="0">
-            <a:schemeClr val="accent1"/>
-          </a:fillRef>
-          <a:effectRef idx="0">
-            <a:schemeClr val="accent1"/>
-          </a:effectRef>
-          <a:fontRef idx="minor">
-            <a:schemeClr val="tx1"/>
-          </a:fontRef>
-        </p:style>
-      </p:cxnSp>
-      <p:cxnSp>
-        <p:nvCxnSpPr>
-          <p:cNvPr id="35" name="Connettore diritto 34"/>
-          <p:cNvCxnSpPr>
-            <a:stCxn id="9" idx="3"/>
-            <a:endCxn id="33" idx="1"/>
-          </p:cNvCxnSpPr>
-          <p:nvPr/>
-        </p:nvCxnSpPr>
-        <p:spPr>
-          <a:xfrm>
-            <a:off x="10761176" y="4090622"/>
-            <a:ext cx="2035006" cy="1610514"/>
           </a:xfrm>
           <a:prstGeom prst="line">
             <a:avLst/>
@@ -3872,7 +3532,7 @@
         </p:nvSpPr>
         <p:spPr>
           <a:xfrm rot="8294501">
-            <a:off x="4037287" y="6109577"/>
+            <a:off x="8263847" y="6495657"/>
             <a:ext cx="848022" cy="479283"/>
           </a:xfrm>
           <a:prstGeom prst="diamond">
@@ -3921,7 +3581,7 @@
         </p:nvCxnSpPr>
         <p:spPr>
           <a:xfrm flipH="1">
-            <a:off x="2607557" y="6631605"/>
+            <a:off x="6834117" y="7017685"/>
             <a:ext cx="1537445" cy="951176"/>
           </a:xfrm>
           <a:prstGeom prst="line">
@@ -3954,7 +3614,7 @@
         </p:nvCxnSpPr>
         <p:spPr>
           <a:xfrm flipH="1">
-            <a:off x="4777593" y="4090622"/>
+            <a:off x="9004153" y="4476702"/>
             <a:ext cx="4820968" cy="1976209"/>
           </a:xfrm>
           <a:prstGeom prst="line">
@@ -3984,7 +3644,7 @@
         </p:nvSpPr>
         <p:spPr>
           <a:xfrm rot="14338142">
-            <a:off x="10396038" y="5197508"/>
+            <a:off x="14622598" y="5583588"/>
             <a:ext cx="621765" cy="336793"/>
           </a:xfrm>
           <a:prstGeom prst="diamond">
@@ -4033,7 +3693,7 @@
         </p:nvCxnSpPr>
         <p:spPr>
           <a:xfrm flipH="1" flipV="1">
-            <a:off x="10179869" y="4462418"/>
+            <a:off x="14406429" y="4848498"/>
             <a:ext cx="366792" cy="637095"/>
           </a:xfrm>
           <a:prstGeom prst="line">
@@ -4066,7 +3726,7 @@
         </p:nvCxnSpPr>
         <p:spPr>
           <a:xfrm flipH="1" flipV="1">
-            <a:off x="10867181" y="5632296"/>
+            <a:off x="15093741" y="6018376"/>
             <a:ext cx="544624" cy="889126"/>
           </a:xfrm>
           <a:prstGeom prst="line">
@@ -4096,7 +3756,7 @@
         </p:nvSpPr>
         <p:spPr>
           <a:xfrm rot="21092512">
-            <a:off x="6259618" y="4181108"/>
+            <a:off x="10486178" y="4567188"/>
             <a:ext cx="595886" cy="292465"/>
           </a:xfrm>
           <a:prstGeom prst="diamond">
@@ -4145,7 +3805,7 @@
         </p:nvCxnSpPr>
         <p:spPr>
           <a:xfrm flipV="1">
-            <a:off x="6852264" y="4090622"/>
+            <a:off x="11078824" y="4476702"/>
             <a:ext cx="2746297" cy="192896"/>
           </a:xfrm>
           <a:prstGeom prst="line">
@@ -4178,7 +3838,7 @@
         </p:nvCxnSpPr>
         <p:spPr>
           <a:xfrm flipV="1">
-            <a:off x="4940703" y="4371164"/>
+            <a:off x="9167263" y="4757244"/>
             <a:ext cx="1322156" cy="104288"/>
           </a:xfrm>
           <a:prstGeom prst="line">
@@ -4208,7 +3868,7 @@
         </p:nvSpPr>
         <p:spPr>
           <a:xfrm rot="18525995">
-            <a:off x="8460149" y="4814580"/>
+            <a:off x="12686709" y="5200660"/>
             <a:ext cx="586548" cy="312328"/>
           </a:xfrm>
           <a:prstGeom prst="diamond">
@@ -4257,7 +3917,7 @@
         </p:nvCxnSpPr>
         <p:spPr>
           <a:xfrm flipV="1">
-            <a:off x="8937056" y="4090622"/>
+            <a:off x="13163616" y="4476702"/>
             <a:ext cx="661505" cy="651455"/>
           </a:xfrm>
           <a:prstGeom prst="line">
@@ -4290,7 +3950,7 @@
         </p:nvCxnSpPr>
         <p:spPr>
           <a:xfrm flipV="1">
-            <a:off x="7558471" y="5199411"/>
+            <a:off x="11785031" y="5585491"/>
             <a:ext cx="1011319" cy="749618"/>
           </a:xfrm>
           <a:prstGeom prst="line">
@@ -4323,7 +3983,7 @@
         </p:nvCxnSpPr>
         <p:spPr>
           <a:xfrm flipH="1" flipV="1">
-            <a:off x="3963548" y="1054314"/>
+            <a:off x="8190108" y="1440394"/>
             <a:ext cx="962454" cy="1924843"/>
           </a:xfrm>
           <a:prstGeom prst="line">
@@ -4353,7 +4013,7 @@
         </p:nvSpPr>
         <p:spPr>
           <a:xfrm>
-            <a:off x="3271931" y="684982"/>
+            <a:off x="7498491" y="1071062"/>
             <a:ext cx="1383233" cy="369332"/>
           </a:xfrm>
           <a:prstGeom prst="rect">
@@ -4386,7 +4046,7 @@
         </p:nvCxnSpPr>
         <p:spPr>
           <a:xfrm>
-            <a:off x="4769962" y="1379579"/>
+            <a:off x="8996522" y="1765659"/>
             <a:ext cx="902638" cy="1375257"/>
           </a:xfrm>
           <a:prstGeom prst="line">
@@ -4416,7 +4076,7 @@
         </p:nvSpPr>
         <p:spPr>
           <a:xfrm>
-            <a:off x="4142948" y="1010247"/>
+            <a:off x="8369508" y="1396327"/>
             <a:ext cx="1254027" cy="369332"/>
           </a:xfrm>
           <a:prstGeom prst="rect">
@@ -4447,7 +4107,7 @@
         </p:nvCxnSpPr>
         <p:spPr>
           <a:xfrm flipH="1">
-            <a:off x="5672600" y="1937190"/>
+            <a:off x="9899160" y="2323270"/>
             <a:ext cx="260323" cy="817646"/>
           </a:xfrm>
           <a:prstGeom prst="line">
@@ -4477,7 +4137,7 @@
         </p:nvSpPr>
         <p:spPr>
           <a:xfrm>
-            <a:off x="5452046" y="1567858"/>
+            <a:off x="9678606" y="1953938"/>
             <a:ext cx="1141397" cy="369332"/>
           </a:xfrm>
           <a:prstGeom prst="rect">
@@ -4509,7 +4169,7 @@
         </p:nvCxnSpPr>
         <p:spPr>
           <a:xfrm flipH="1">
-            <a:off x="5672600" y="2306522"/>
+            <a:off x="9899160" y="2692602"/>
             <a:ext cx="769278" cy="448314"/>
           </a:xfrm>
           <a:prstGeom prst="line">
@@ -4539,7 +4199,7 @@
         </p:nvSpPr>
         <p:spPr>
           <a:xfrm>
-            <a:off x="4822374" y="1270741"/>
+            <a:off x="9048934" y="1656821"/>
             <a:ext cx="1124591" cy="369332"/>
           </a:xfrm>
           <a:prstGeom prst="rect">
@@ -4571,7 +4231,7 @@
         </p:nvCxnSpPr>
         <p:spPr>
           <a:xfrm>
-            <a:off x="5384670" y="1640073"/>
+            <a:off x="9611230" y="2026153"/>
             <a:ext cx="287930" cy="1114763"/>
           </a:xfrm>
           <a:prstGeom prst="line">
@@ -4601,7 +4261,7 @@
         </p:nvSpPr>
         <p:spPr>
           <a:xfrm>
-            <a:off x="5896056" y="1937190"/>
+            <a:off x="10122616" y="2323270"/>
             <a:ext cx="1091643" cy="369332"/>
           </a:xfrm>
           <a:prstGeom prst="rect">
@@ -4632,7 +4292,7 @@
         </p:nvCxnSpPr>
         <p:spPr>
           <a:xfrm flipH="1">
-            <a:off x="5672600" y="2475835"/>
+            <a:off x="9899160" y="2861915"/>
             <a:ext cx="906232" cy="279001"/>
           </a:xfrm>
           <a:prstGeom prst="line">
@@ -4662,7 +4322,7 @@
         </p:nvSpPr>
         <p:spPr>
           <a:xfrm>
-            <a:off x="6592970" y="2281098"/>
+            <a:off x="10819530" y="2667178"/>
             <a:ext cx="1067621" cy="369332"/>
           </a:xfrm>
           <a:prstGeom prst="rect">
@@ -4693,7 +4353,7 @@
         </p:nvCxnSpPr>
         <p:spPr>
           <a:xfrm>
-            <a:off x="7967213" y="1388311"/>
+            <a:off x="12193773" y="1774391"/>
             <a:ext cx="2212656" cy="2330514"/>
           </a:xfrm>
           <a:prstGeom prst="line">
@@ -4723,7 +4383,7 @@
         </p:nvSpPr>
         <p:spPr>
           <a:xfrm>
-            <a:off x="7622634" y="870648"/>
+            <a:off x="11849194" y="1256728"/>
             <a:ext cx="1358216" cy="369332"/>
           </a:xfrm>
           <a:prstGeom prst="rect">
@@ -4755,7 +4415,7 @@
         </p:nvCxnSpPr>
         <p:spPr>
           <a:xfrm flipH="1" flipV="1">
-            <a:off x="9045541" y="2006575"/>
+            <a:off x="13272101" y="2392655"/>
             <a:ext cx="1134328" cy="1712250"/>
           </a:xfrm>
           <a:prstGeom prst="line">
@@ -4785,7 +4445,7 @@
         </p:nvSpPr>
         <p:spPr>
           <a:xfrm>
-            <a:off x="9173397" y="2013212"/>
+            <a:off x="13399957" y="2399292"/>
             <a:ext cx="1768398" cy="369332"/>
           </a:xfrm>
           <a:prstGeom prst="rect">
@@ -4817,7 +4477,7 @@
         </p:nvCxnSpPr>
         <p:spPr>
           <a:xfrm flipH="1" flipV="1">
-            <a:off x="9558576" y="2353879"/>
+            <a:off x="13785136" y="2739959"/>
             <a:ext cx="621293" cy="1364946"/>
           </a:xfrm>
           <a:prstGeom prst="line">
@@ -4847,7 +4507,7 @@
         </p:nvSpPr>
         <p:spPr>
           <a:xfrm>
-            <a:off x="9605289" y="2401016"/>
+            <a:off x="13831849" y="2787096"/>
             <a:ext cx="1103953" cy="369332"/>
           </a:xfrm>
           <a:prstGeom prst="rect">
@@ -4876,7 +4536,7 @@
         </p:nvCxnSpPr>
         <p:spPr>
           <a:xfrm>
-            <a:off x="10138161" y="2353879"/>
+            <a:off x="14364721" y="2739959"/>
             <a:ext cx="4527" cy="21002"/>
           </a:xfrm>
           <a:prstGeom prst="line">
@@ -4906,7 +4566,7 @@
         </p:nvSpPr>
         <p:spPr>
           <a:xfrm>
-            <a:off x="8704232" y="1650782"/>
+            <a:off x="12930792" y="2036862"/>
             <a:ext cx="1238271" cy="369332"/>
           </a:xfrm>
           <a:prstGeom prst="rect">
@@ -4937,7 +4597,7 @@
         </p:nvCxnSpPr>
         <p:spPr>
           <a:xfrm flipH="1" flipV="1">
-            <a:off x="9834246" y="2723211"/>
+            <a:off x="14060806" y="3109291"/>
             <a:ext cx="345623" cy="995614"/>
           </a:xfrm>
           <a:prstGeom prst="line">
@@ -4969,7 +4629,7 @@
         </p:nvCxnSpPr>
         <p:spPr>
           <a:xfrm flipH="1" flipV="1">
-            <a:off x="10145638" y="3036353"/>
+            <a:off x="14372198" y="3422433"/>
             <a:ext cx="34231" cy="682472"/>
           </a:xfrm>
           <a:prstGeom prst="line">
@@ -4999,7 +4659,7 @@
         </p:nvSpPr>
         <p:spPr>
           <a:xfrm>
-            <a:off x="9854545" y="2723872"/>
+            <a:off x="14081105" y="3109952"/>
             <a:ext cx="1081932" cy="369332"/>
           </a:xfrm>
           <a:prstGeom prst="rect">
@@ -5032,7 +4692,7 @@
         </p:nvCxnSpPr>
         <p:spPr>
           <a:xfrm flipV="1">
-            <a:off x="10179869" y="3420615"/>
+            <a:off x="14406429" y="3806695"/>
             <a:ext cx="517727" cy="298210"/>
           </a:xfrm>
           <a:prstGeom prst="line">
@@ -5062,7 +4722,7 @@
         </p:nvSpPr>
         <p:spPr>
           <a:xfrm>
-            <a:off x="10111687" y="3051283"/>
+            <a:off x="14338247" y="3437363"/>
             <a:ext cx="1171817" cy="369332"/>
           </a:xfrm>
           <a:prstGeom prst="rect">
@@ -5094,7 +4754,7 @@
         </p:nvCxnSpPr>
         <p:spPr>
           <a:xfrm flipV="1">
-            <a:off x="10761176" y="1296152"/>
+            <a:off x="14987736" y="1682232"/>
             <a:ext cx="2985441" cy="2794470"/>
           </a:xfrm>
           <a:prstGeom prst="line">
@@ -5126,7 +4786,7 @@
         </p:nvCxnSpPr>
         <p:spPr>
           <a:xfrm flipV="1">
-            <a:off x="10761176" y="1720654"/>
+            <a:off x="14987736" y="2106734"/>
             <a:ext cx="2834661" cy="2369968"/>
           </a:xfrm>
           <a:prstGeom prst="line">
@@ -5158,7 +4818,7 @@
         </p:nvCxnSpPr>
         <p:spPr>
           <a:xfrm flipV="1">
-            <a:off x="10761176" y="2061420"/>
+            <a:off x="14987736" y="2447500"/>
             <a:ext cx="2876965" cy="2029202"/>
           </a:xfrm>
           <a:prstGeom prst="line">
@@ -5190,7 +4850,7 @@
         </p:nvCxnSpPr>
         <p:spPr>
           <a:xfrm flipV="1">
-            <a:off x="10761176" y="2452732"/>
+            <a:off x="14987736" y="2838812"/>
             <a:ext cx="2677878" cy="1637890"/>
           </a:xfrm>
           <a:prstGeom prst="line">
@@ -5222,7 +4882,7 @@
         </p:nvCxnSpPr>
         <p:spPr>
           <a:xfrm flipV="1">
-            <a:off x="10761176" y="2854172"/>
+            <a:off x="14987736" y="3240252"/>
             <a:ext cx="2298765" cy="1236450"/>
           </a:xfrm>
           <a:prstGeom prst="line">
@@ -5254,7 +4914,7 @@
         </p:nvCxnSpPr>
         <p:spPr>
           <a:xfrm flipV="1">
-            <a:off x="10761176" y="3087082"/>
+            <a:off x="14987736" y="3473162"/>
             <a:ext cx="2135958" cy="1003540"/>
           </a:xfrm>
           <a:prstGeom prst="line">
@@ -5287,7 +4947,7 @@
         </p:nvCxnSpPr>
         <p:spPr>
           <a:xfrm flipV="1">
-            <a:off x="10761176" y="3582168"/>
+            <a:off x="14987736" y="3968248"/>
             <a:ext cx="2034795" cy="508454"/>
           </a:xfrm>
           <a:prstGeom prst="line">
@@ -5317,7 +4977,7 @@
         </p:nvSpPr>
         <p:spPr>
           <a:xfrm>
-            <a:off x="13746617" y="1055314"/>
+            <a:off x="17973177" y="1441394"/>
             <a:ext cx="1139997" cy="369332"/>
           </a:xfrm>
           <a:prstGeom prst="rect">
@@ -5347,7 +5007,7 @@
         </p:nvSpPr>
         <p:spPr>
           <a:xfrm>
-            <a:off x="13638140" y="1581685"/>
+            <a:off x="17864700" y="1967765"/>
             <a:ext cx="1248473" cy="369332"/>
           </a:xfrm>
           <a:prstGeom prst="rect">
@@ -5377,7 +5037,7 @@
         </p:nvSpPr>
         <p:spPr>
           <a:xfrm>
-            <a:off x="13700179" y="1912241"/>
+            <a:off x="17926739" y="2298321"/>
             <a:ext cx="812676" cy="369332"/>
           </a:xfrm>
           <a:prstGeom prst="rect">
@@ -5407,7 +5067,7 @@
         </p:nvSpPr>
         <p:spPr>
           <a:xfrm>
-            <a:off x="13476327" y="2281573"/>
+            <a:off x="17702887" y="2667653"/>
             <a:ext cx="1014922" cy="369332"/>
           </a:xfrm>
           <a:prstGeom prst="rect">
@@ -5437,7 +5097,7 @@
         </p:nvSpPr>
         <p:spPr>
           <a:xfrm>
-            <a:off x="13211033" y="2650905"/>
+            <a:off x="17437593" y="3036985"/>
             <a:ext cx="1030960" cy="369332"/>
           </a:xfrm>
           <a:prstGeom prst="rect">
@@ -5467,7 +5127,7 @@
         </p:nvSpPr>
         <p:spPr>
           <a:xfrm>
-            <a:off x="12901569" y="2931352"/>
+            <a:off x="17128129" y="3317432"/>
             <a:ext cx="1293711" cy="369332"/>
           </a:xfrm>
           <a:prstGeom prst="rect">
@@ -5497,7 +5157,7 @@
         </p:nvSpPr>
         <p:spPr>
           <a:xfrm>
-            <a:off x="12795971" y="3397502"/>
+            <a:off x="17022531" y="3783582"/>
             <a:ext cx="1128112" cy="369332"/>
           </a:xfrm>
           <a:prstGeom prst="rect">
@@ -5519,1635 +5179,6 @@
           </a:p>
         </p:txBody>
       </p:sp>
-      <p:sp>
-        <p:nvSpPr>
-          <p:cNvPr id="425" name="CasellaDiTesto 424"/>
-          <p:cNvSpPr txBox="1"/>
-          <p:nvPr/>
-        </p:nvSpPr>
-        <p:spPr>
-          <a:xfrm>
-            <a:off x="15195442" y="1351249"/>
-            <a:ext cx="1358216" cy="369332"/>
-          </a:xfrm>
-          <a:prstGeom prst="rect">
-            <a:avLst/>
-          </a:prstGeom>
-          <a:noFill/>
-        </p:spPr>
-        <p:txBody>
-          <a:bodyPr wrap="square" rtlCol="0">
-            <a:spAutoFit/>
-          </a:bodyPr>
-          <a:lstStyle/>
-          <a:p>
-            <a:r>
-              <a:rPr lang="it-IT" dirty="0" err="1" smtClean="0"/>
-              <a:t>ID_Fornitore</a:t>
-            </a:r>
-            <a:endParaRPr lang="it-IT" dirty="0"/>
-          </a:p>
-        </p:txBody>
-      </p:sp>
-      <p:cxnSp>
-        <p:nvCxnSpPr>
-          <p:cNvPr id="426" name="Connettore diritto 425"/>
-          <p:cNvCxnSpPr>
-            <a:stCxn id="5" idx="0"/>
-          </p:cNvCxnSpPr>
-          <p:nvPr/>
-        </p:nvCxnSpPr>
-        <p:spPr>
-          <a:xfrm flipV="1">
-            <a:off x="15152086" y="2487175"/>
-            <a:ext cx="1466262" cy="1921614"/>
-          </a:xfrm>
-          <a:prstGeom prst="line">
-            <a:avLst/>
-          </a:prstGeom>
-        </p:spPr>
-        <p:style>
-          <a:lnRef idx="1">
-            <a:schemeClr val="accent1"/>
-          </a:lnRef>
-          <a:fillRef idx="0">
-            <a:schemeClr val="accent1"/>
-          </a:fillRef>
-          <a:effectRef idx="0">
-            <a:schemeClr val="accent1"/>
-          </a:effectRef>
-          <a:fontRef idx="minor">
-            <a:schemeClr val="tx1"/>
-          </a:fontRef>
-        </p:style>
-      </p:cxnSp>
-      <p:cxnSp>
-        <p:nvCxnSpPr>
-          <p:cNvPr id="429" name="Connettore diritto 428"/>
-          <p:cNvCxnSpPr>
-            <a:stCxn id="5" idx="0"/>
-          </p:cNvCxnSpPr>
-          <p:nvPr/>
-        </p:nvCxnSpPr>
-        <p:spPr>
-          <a:xfrm flipV="1">
-            <a:off x="15152086" y="2834481"/>
-            <a:ext cx="1829393" cy="1574308"/>
-          </a:xfrm>
-          <a:prstGeom prst="line">
-            <a:avLst/>
-          </a:prstGeom>
-        </p:spPr>
-        <p:style>
-          <a:lnRef idx="1">
-            <a:schemeClr val="accent1"/>
-          </a:lnRef>
-          <a:fillRef idx="0">
-            <a:schemeClr val="accent1"/>
-          </a:fillRef>
-          <a:effectRef idx="0">
-            <a:schemeClr val="accent1"/>
-          </a:effectRef>
-          <a:fontRef idx="minor">
-            <a:schemeClr val="tx1"/>
-          </a:fontRef>
-        </p:style>
-      </p:cxnSp>
-      <p:sp>
-        <p:nvSpPr>
-          <p:cNvPr id="430" name="CasellaDiTesto 429"/>
-          <p:cNvSpPr txBox="1"/>
-          <p:nvPr/>
-        </p:nvSpPr>
-        <p:spPr>
-          <a:xfrm>
-            <a:off x="16289667" y="3362610"/>
-            <a:ext cx="1103953" cy="369332"/>
-          </a:xfrm>
-          <a:prstGeom prst="rect">
-            <a:avLst/>
-          </a:prstGeom>
-          <a:noFill/>
-        </p:spPr>
-        <p:txBody>
-          <a:bodyPr wrap="square" rtlCol="0">
-            <a:spAutoFit/>
-          </a:bodyPr>
-          <a:lstStyle/>
-          <a:p>
-            <a:r>
-              <a:rPr lang="it-IT" dirty="0"/>
-              <a:t>Numero</a:t>
-            </a:r>
-          </a:p>
-        </p:txBody>
-      </p:sp>
-      <p:sp>
-        <p:nvSpPr>
-          <p:cNvPr id="431" name="CasellaDiTesto 430"/>
-          <p:cNvSpPr txBox="1"/>
-          <p:nvPr/>
-        </p:nvSpPr>
-        <p:spPr>
-          <a:xfrm>
-            <a:off x="16277040" y="2131383"/>
-            <a:ext cx="1238271" cy="369332"/>
-          </a:xfrm>
-          <a:prstGeom prst="rect">
-            <a:avLst/>
-          </a:prstGeom>
-          <a:noFill/>
-        </p:spPr>
-        <p:txBody>
-          <a:bodyPr wrap="square" rtlCol="0">
-            <a:spAutoFit/>
-          </a:bodyPr>
-          <a:lstStyle/>
-          <a:p>
-            <a:r>
-              <a:rPr lang="it-IT" dirty="0"/>
-              <a:t>Indirizzo</a:t>
-            </a:r>
-          </a:p>
-        </p:txBody>
-      </p:sp>
-      <p:cxnSp>
-        <p:nvCxnSpPr>
-          <p:cNvPr id="432" name="Connettore diritto 431"/>
-          <p:cNvCxnSpPr>
-            <a:stCxn id="5" idx="0"/>
-          </p:cNvCxnSpPr>
-          <p:nvPr/>
-        </p:nvCxnSpPr>
-        <p:spPr>
-          <a:xfrm flipV="1">
-            <a:off x="15152086" y="3690356"/>
-            <a:ext cx="1357440" cy="718433"/>
-          </a:xfrm>
-          <a:prstGeom prst="line">
-            <a:avLst/>
-          </a:prstGeom>
-        </p:spPr>
-        <p:style>
-          <a:lnRef idx="1">
-            <a:schemeClr val="accent1"/>
-          </a:lnRef>
-          <a:fillRef idx="0">
-            <a:schemeClr val="accent1"/>
-          </a:fillRef>
-          <a:effectRef idx="0">
-            <a:schemeClr val="accent1"/>
-          </a:effectRef>
-          <a:fontRef idx="minor">
-            <a:schemeClr val="tx1"/>
-          </a:fontRef>
-        </p:style>
-      </p:cxnSp>
-      <p:cxnSp>
-        <p:nvCxnSpPr>
-          <p:cNvPr id="433" name="Connettore diritto 432"/>
-          <p:cNvCxnSpPr>
-            <a:stCxn id="5" idx="0"/>
-            <a:endCxn id="434" idx="1"/>
-          </p:cNvCxnSpPr>
-          <p:nvPr/>
-        </p:nvCxnSpPr>
-        <p:spPr>
-          <a:xfrm flipV="1">
-            <a:off x="15152086" y="3816051"/>
-            <a:ext cx="1364732" cy="592738"/>
-          </a:xfrm>
-          <a:prstGeom prst="line">
-            <a:avLst/>
-          </a:prstGeom>
-        </p:spPr>
-        <p:style>
-          <a:lnRef idx="1">
-            <a:schemeClr val="accent1"/>
-          </a:lnRef>
-          <a:fillRef idx="0">
-            <a:schemeClr val="accent1"/>
-          </a:fillRef>
-          <a:effectRef idx="0">
-            <a:schemeClr val="accent1"/>
-          </a:effectRef>
-          <a:fontRef idx="minor">
-            <a:schemeClr val="tx1"/>
-          </a:fontRef>
-        </p:style>
-      </p:cxnSp>
-      <p:sp>
-        <p:nvSpPr>
-          <p:cNvPr id="434" name="CasellaDiTesto 433"/>
-          <p:cNvSpPr txBox="1"/>
-          <p:nvPr/>
-        </p:nvSpPr>
-        <p:spPr>
-          <a:xfrm>
-            <a:off x="16516818" y="3631385"/>
-            <a:ext cx="1081932" cy="369332"/>
-          </a:xfrm>
-          <a:prstGeom prst="rect">
-            <a:avLst/>
-          </a:prstGeom>
-          <a:noFill/>
-        </p:spPr>
-        <p:txBody>
-          <a:bodyPr wrap="square" rtlCol="0">
-            <a:spAutoFit/>
-          </a:bodyPr>
-          <a:lstStyle/>
-          <a:p>
-            <a:r>
-              <a:rPr lang="it-IT" dirty="0" err="1" smtClean="0"/>
-              <a:t>PartitaIva</a:t>
-            </a:r>
-            <a:endParaRPr lang="it-IT" dirty="0"/>
-          </a:p>
-        </p:txBody>
-      </p:sp>
-      <p:cxnSp>
-        <p:nvCxnSpPr>
-          <p:cNvPr id="435" name="Connettore diritto 434"/>
-          <p:cNvCxnSpPr>
-            <a:stCxn id="5" idx="0"/>
-            <a:endCxn id="436" idx="1"/>
-          </p:cNvCxnSpPr>
-          <p:nvPr/>
-        </p:nvCxnSpPr>
-        <p:spPr>
-          <a:xfrm flipV="1">
-            <a:off x="15152086" y="4158302"/>
-            <a:ext cx="1559609" cy="250487"/>
-          </a:xfrm>
-          <a:prstGeom prst="line">
-            <a:avLst/>
-          </a:prstGeom>
-        </p:spPr>
-        <p:style>
-          <a:lnRef idx="1">
-            <a:schemeClr val="accent1"/>
-          </a:lnRef>
-          <a:fillRef idx="0">
-            <a:schemeClr val="accent1"/>
-          </a:fillRef>
-          <a:effectRef idx="0">
-            <a:schemeClr val="accent1"/>
-          </a:effectRef>
-          <a:fontRef idx="minor">
-            <a:schemeClr val="tx1"/>
-          </a:fontRef>
-        </p:style>
-      </p:cxnSp>
-      <p:sp>
-        <p:nvSpPr>
-          <p:cNvPr id="436" name="CasellaDiTesto 435"/>
-          <p:cNvSpPr txBox="1"/>
-          <p:nvPr/>
-        </p:nvSpPr>
-        <p:spPr>
-          <a:xfrm>
-            <a:off x="16711695" y="3973636"/>
-            <a:ext cx="1171817" cy="369332"/>
-          </a:xfrm>
-          <a:prstGeom prst="rect">
-            <a:avLst/>
-          </a:prstGeom>
-          <a:noFill/>
-        </p:spPr>
-        <p:txBody>
-          <a:bodyPr wrap="square" rtlCol="0">
-            <a:spAutoFit/>
-          </a:bodyPr>
-          <a:lstStyle/>
-          <a:p>
-            <a:r>
-              <a:rPr lang="it-IT" dirty="0" err="1" smtClean="0"/>
-              <a:t>CodFiscale</a:t>
-            </a:r>
-            <a:endParaRPr lang="it-IT" dirty="0"/>
-          </a:p>
-        </p:txBody>
-      </p:sp>
-      <p:cxnSp>
-        <p:nvCxnSpPr>
-          <p:cNvPr id="437" name="Connettore diritto 436"/>
-          <p:cNvCxnSpPr>
-            <a:stCxn id="5" idx="3"/>
-            <a:endCxn id="444" idx="1"/>
-          </p:cNvCxnSpPr>
-          <p:nvPr/>
-        </p:nvCxnSpPr>
-        <p:spPr>
-          <a:xfrm flipV="1">
-            <a:off x="15883416" y="4267843"/>
-            <a:ext cx="2416463" cy="377953"/>
-          </a:xfrm>
-          <a:prstGeom prst="line">
-            <a:avLst/>
-          </a:prstGeom>
-        </p:spPr>
-        <p:style>
-          <a:lnRef idx="1">
-            <a:schemeClr val="accent1"/>
-          </a:lnRef>
-          <a:fillRef idx="0">
-            <a:schemeClr val="accent1"/>
-          </a:fillRef>
-          <a:effectRef idx="0">
-            <a:schemeClr val="accent1"/>
-          </a:effectRef>
-          <a:fontRef idx="minor">
-            <a:schemeClr val="tx1"/>
-          </a:fontRef>
-        </p:style>
-      </p:cxnSp>
-      <p:cxnSp>
-        <p:nvCxnSpPr>
-          <p:cNvPr id="438" name="Connettore diritto 437"/>
-          <p:cNvCxnSpPr>
-            <a:stCxn id="5" idx="3"/>
-            <a:endCxn id="445" idx="1"/>
-          </p:cNvCxnSpPr>
-          <p:nvPr/>
-        </p:nvCxnSpPr>
-        <p:spPr>
-          <a:xfrm flipV="1">
-            <a:off x="15883416" y="4337869"/>
-            <a:ext cx="4513786" cy="307927"/>
-          </a:xfrm>
-          <a:prstGeom prst="line">
-            <a:avLst/>
-          </a:prstGeom>
-        </p:spPr>
-        <p:style>
-          <a:lnRef idx="1">
-            <a:schemeClr val="accent1"/>
-          </a:lnRef>
-          <a:fillRef idx="0">
-            <a:schemeClr val="accent1"/>
-          </a:fillRef>
-          <a:effectRef idx="0">
-            <a:schemeClr val="accent1"/>
-          </a:effectRef>
-          <a:fontRef idx="minor">
-            <a:schemeClr val="tx1"/>
-          </a:fontRef>
-        </p:style>
-      </p:cxnSp>
-      <p:cxnSp>
-        <p:nvCxnSpPr>
-          <p:cNvPr id="439" name="Connettore diritto 438"/>
-          <p:cNvCxnSpPr>
-            <a:stCxn id="5" idx="3"/>
-            <a:endCxn id="446" idx="1"/>
-          </p:cNvCxnSpPr>
-          <p:nvPr/>
-        </p:nvCxnSpPr>
-        <p:spPr>
-          <a:xfrm>
-            <a:off x="15883416" y="4645796"/>
-            <a:ext cx="4515096" cy="216940"/>
-          </a:xfrm>
-          <a:prstGeom prst="line">
-            <a:avLst/>
-          </a:prstGeom>
-        </p:spPr>
-        <p:style>
-          <a:lnRef idx="1">
-            <a:schemeClr val="accent1"/>
-          </a:lnRef>
-          <a:fillRef idx="0">
-            <a:schemeClr val="accent1"/>
-          </a:fillRef>
-          <a:effectRef idx="0">
-            <a:schemeClr val="accent1"/>
-          </a:effectRef>
-          <a:fontRef idx="minor">
-            <a:schemeClr val="tx1"/>
-          </a:fontRef>
-        </p:style>
-      </p:cxnSp>
-      <p:cxnSp>
-        <p:nvCxnSpPr>
-          <p:cNvPr id="440" name="Connettore diritto 439"/>
-          <p:cNvCxnSpPr>
-            <a:stCxn id="5" idx="3"/>
-            <a:endCxn id="447" idx="1"/>
-          </p:cNvCxnSpPr>
-          <p:nvPr/>
-        </p:nvCxnSpPr>
-        <p:spPr>
-          <a:xfrm>
-            <a:off x="15883416" y="4645796"/>
-            <a:ext cx="4291244" cy="586272"/>
-          </a:xfrm>
-          <a:prstGeom prst="line">
-            <a:avLst/>
-          </a:prstGeom>
-        </p:spPr>
-        <p:style>
-          <a:lnRef idx="1">
-            <a:schemeClr val="accent1"/>
-          </a:lnRef>
-          <a:fillRef idx="0">
-            <a:schemeClr val="accent1"/>
-          </a:fillRef>
-          <a:effectRef idx="0">
-            <a:schemeClr val="accent1"/>
-          </a:effectRef>
-          <a:fontRef idx="minor">
-            <a:schemeClr val="tx1"/>
-          </a:fontRef>
-        </p:style>
-      </p:cxnSp>
-      <p:cxnSp>
-        <p:nvCxnSpPr>
-          <p:cNvPr id="441" name="Connettore diritto 440"/>
-          <p:cNvCxnSpPr>
-            <a:stCxn id="5" idx="3"/>
-            <a:endCxn id="448" idx="1"/>
-          </p:cNvCxnSpPr>
-          <p:nvPr/>
-        </p:nvCxnSpPr>
-        <p:spPr>
-          <a:xfrm>
-            <a:off x="15883416" y="4645796"/>
-            <a:ext cx="4025950" cy="955604"/>
-          </a:xfrm>
-          <a:prstGeom prst="line">
-            <a:avLst/>
-          </a:prstGeom>
-        </p:spPr>
-        <p:style>
-          <a:lnRef idx="1">
-            <a:schemeClr val="accent1"/>
-          </a:lnRef>
-          <a:fillRef idx="0">
-            <a:schemeClr val="accent1"/>
-          </a:fillRef>
-          <a:effectRef idx="0">
-            <a:schemeClr val="accent1"/>
-          </a:effectRef>
-          <a:fontRef idx="minor">
-            <a:schemeClr val="tx1"/>
-          </a:fontRef>
-        </p:style>
-      </p:cxnSp>
-      <p:cxnSp>
-        <p:nvCxnSpPr>
-          <p:cNvPr id="442" name="Connettore diritto 441"/>
-          <p:cNvCxnSpPr>
-            <a:stCxn id="5" idx="3"/>
-            <a:endCxn id="449" idx="1"/>
-          </p:cNvCxnSpPr>
-          <p:nvPr/>
-        </p:nvCxnSpPr>
-        <p:spPr>
-          <a:xfrm>
-            <a:off x="15883416" y="4645796"/>
-            <a:ext cx="3716486" cy="1236051"/>
-          </a:xfrm>
-          <a:prstGeom prst="line">
-            <a:avLst/>
-          </a:prstGeom>
-        </p:spPr>
-        <p:style>
-          <a:lnRef idx="1">
-            <a:schemeClr val="accent1"/>
-          </a:lnRef>
-          <a:fillRef idx="0">
-            <a:schemeClr val="accent1"/>
-          </a:fillRef>
-          <a:effectRef idx="0">
-            <a:schemeClr val="accent1"/>
-          </a:effectRef>
-          <a:fontRef idx="minor">
-            <a:schemeClr val="tx1"/>
-          </a:fontRef>
-        </p:style>
-      </p:cxnSp>
-      <p:cxnSp>
-        <p:nvCxnSpPr>
-          <p:cNvPr id="443" name="Connettore diritto 442"/>
-          <p:cNvCxnSpPr>
-            <a:stCxn id="5" idx="3"/>
-            <a:endCxn id="450" idx="1"/>
-          </p:cNvCxnSpPr>
-          <p:nvPr/>
-        </p:nvCxnSpPr>
-        <p:spPr>
-          <a:xfrm>
-            <a:off x="15883416" y="4645796"/>
-            <a:ext cx="3610888" cy="1702201"/>
-          </a:xfrm>
-          <a:prstGeom prst="line">
-            <a:avLst/>
-          </a:prstGeom>
-        </p:spPr>
-        <p:style>
-          <a:lnRef idx="1">
-            <a:schemeClr val="accent1"/>
-          </a:lnRef>
-          <a:fillRef idx="0">
-            <a:schemeClr val="accent1"/>
-          </a:fillRef>
-          <a:effectRef idx="0">
-            <a:schemeClr val="accent1"/>
-          </a:effectRef>
-          <a:fontRef idx="minor">
-            <a:schemeClr val="tx1"/>
-          </a:fontRef>
-        </p:style>
-      </p:cxnSp>
-      <p:sp>
-        <p:nvSpPr>
-          <p:cNvPr id="444" name="CasellaDiTesto 443"/>
-          <p:cNvSpPr txBox="1"/>
-          <p:nvPr/>
-        </p:nvSpPr>
-        <p:spPr>
-          <a:xfrm>
-            <a:off x="18299879" y="4083177"/>
-            <a:ext cx="1139997" cy="369332"/>
-          </a:xfrm>
-          <a:prstGeom prst="rect">
-            <a:avLst/>
-          </a:prstGeom>
-          <a:noFill/>
-        </p:spPr>
-        <p:txBody>
-          <a:bodyPr wrap="square" rtlCol="0">
-            <a:spAutoFit/>
-          </a:bodyPr>
-          <a:lstStyle/>
-          <a:p>
-            <a:r>
-              <a:rPr lang="it-IT" dirty="0" err="1" smtClean="0"/>
-              <a:t>NomeCog</a:t>
-            </a:r>
-            <a:endParaRPr lang="it-IT" dirty="0"/>
-          </a:p>
-        </p:txBody>
-      </p:sp>
-      <p:sp>
-        <p:nvSpPr>
-          <p:cNvPr id="445" name="CasellaDiTesto 444"/>
-          <p:cNvSpPr txBox="1"/>
-          <p:nvPr/>
-        </p:nvSpPr>
-        <p:spPr>
-          <a:xfrm>
-            <a:off x="20397202" y="4153203"/>
-            <a:ext cx="1248473" cy="369332"/>
-          </a:xfrm>
-          <a:prstGeom prst="rect">
-            <a:avLst/>
-          </a:prstGeom>
-          <a:noFill/>
-        </p:spPr>
-        <p:txBody>
-          <a:bodyPr wrap="square" rtlCol="0">
-            <a:spAutoFit/>
-          </a:bodyPr>
-          <a:lstStyle/>
-          <a:p>
-            <a:r>
-              <a:rPr lang="it-IT" dirty="0" smtClean="0"/>
-              <a:t>Provincia</a:t>
-            </a:r>
-            <a:endParaRPr lang="it-IT" dirty="0"/>
-          </a:p>
-        </p:txBody>
-      </p:sp>
-      <p:sp>
-        <p:nvSpPr>
-          <p:cNvPr id="446" name="CasellaDiTesto 445"/>
-          <p:cNvSpPr txBox="1"/>
-          <p:nvPr/>
-        </p:nvSpPr>
-        <p:spPr>
-          <a:xfrm>
-            <a:off x="20398512" y="4678070"/>
-            <a:ext cx="812676" cy="369332"/>
-          </a:xfrm>
-          <a:prstGeom prst="rect">
-            <a:avLst/>
-          </a:prstGeom>
-          <a:noFill/>
-        </p:spPr>
-        <p:txBody>
-          <a:bodyPr wrap="square" rtlCol="0">
-            <a:spAutoFit/>
-          </a:bodyPr>
-          <a:lstStyle/>
-          <a:p>
-            <a:r>
-              <a:rPr lang="it-IT" dirty="0" smtClean="0"/>
-              <a:t>Cap</a:t>
-            </a:r>
-            <a:endParaRPr lang="it-IT" dirty="0"/>
-          </a:p>
-        </p:txBody>
-      </p:sp>
-      <p:sp>
-        <p:nvSpPr>
-          <p:cNvPr id="447" name="CasellaDiTesto 446"/>
-          <p:cNvSpPr txBox="1"/>
-          <p:nvPr/>
-        </p:nvSpPr>
-        <p:spPr>
-          <a:xfrm>
-            <a:off x="20174660" y="5047402"/>
-            <a:ext cx="1014922" cy="369332"/>
-          </a:xfrm>
-          <a:prstGeom prst="rect">
-            <a:avLst/>
-          </a:prstGeom>
-          <a:noFill/>
-        </p:spPr>
-        <p:txBody>
-          <a:bodyPr wrap="square" rtlCol="0">
-            <a:spAutoFit/>
-          </a:bodyPr>
-          <a:lstStyle/>
-          <a:p>
-            <a:r>
-              <a:rPr lang="it-IT" dirty="0" smtClean="0"/>
-              <a:t>Regione</a:t>
-            </a:r>
-            <a:endParaRPr lang="it-IT" dirty="0"/>
-          </a:p>
-        </p:txBody>
-      </p:sp>
-      <p:sp>
-        <p:nvSpPr>
-          <p:cNvPr id="448" name="CasellaDiTesto 447"/>
-          <p:cNvSpPr txBox="1"/>
-          <p:nvPr/>
-        </p:nvSpPr>
-        <p:spPr>
-          <a:xfrm>
-            <a:off x="19909366" y="5416734"/>
-            <a:ext cx="1030960" cy="369332"/>
-          </a:xfrm>
-          <a:prstGeom prst="rect">
-            <a:avLst/>
-          </a:prstGeom>
-          <a:noFill/>
-        </p:spPr>
-        <p:txBody>
-          <a:bodyPr wrap="square" rtlCol="0">
-            <a:spAutoFit/>
-          </a:bodyPr>
-          <a:lstStyle/>
-          <a:p>
-            <a:r>
-              <a:rPr lang="it-IT" dirty="0" smtClean="0"/>
-              <a:t>Nazione</a:t>
-            </a:r>
-            <a:endParaRPr lang="it-IT" dirty="0"/>
-          </a:p>
-        </p:txBody>
-      </p:sp>
-      <p:sp>
-        <p:nvSpPr>
-          <p:cNvPr id="449" name="CasellaDiTesto 448"/>
-          <p:cNvSpPr txBox="1"/>
-          <p:nvPr/>
-        </p:nvSpPr>
-        <p:spPr>
-          <a:xfrm>
-            <a:off x="19599902" y="5697181"/>
-            <a:ext cx="1293711" cy="369332"/>
-          </a:xfrm>
-          <a:prstGeom prst="rect">
-            <a:avLst/>
-          </a:prstGeom>
-          <a:noFill/>
-        </p:spPr>
-        <p:txBody>
-          <a:bodyPr wrap="square" rtlCol="0">
-            <a:spAutoFit/>
-          </a:bodyPr>
-          <a:lstStyle/>
-          <a:p>
-            <a:r>
-              <a:rPr lang="it-IT" dirty="0" err="1" smtClean="0"/>
-              <a:t>TelAzienda</a:t>
-            </a:r>
-            <a:endParaRPr lang="it-IT" dirty="0"/>
-          </a:p>
-        </p:txBody>
-      </p:sp>
-      <p:sp>
-        <p:nvSpPr>
-          <p:cNvPr id="450" name="CasellaDiTesto 449"/>
-          <p:cNvSpPr txBox="1"/>
-          <p:nvPr/>
-        </p:nvSpPr>
-        <p:spPr>
-          <a:xfrm>
-            <a:off x="19494304" y="6163331"/>
-            <a:ext cx="1128112" cy="369332"/>
-          </a:xfrm>
-          <a:prstGeom prst="rect">
-            <a:avLst/>
-          </a:prstGeom>
-          <a:noFill/>
-        </p:spPr>
-        <p:txBody>
-          <a:bodyPr wrap="square" rtlCol="0">
-            <a:spAutoFit/>
-          </a:bodyPr>
-          <a:lstStyle/>
-          <a:p>
-            <a:r>
-              <a:rPr lang="it-IT" dirty="0" smtClean="0"/>
-              <a:t>Email</a:t>
-            </a:r>
-            <a:endParaRPr lang="it-IT" dirty="0"/>
-          </a:p>
-        </p:txBody>
-      </p:sp>
-      <p:sp>
-        <p:nvSpPr>
-          <p:cNvPr id="463" name="CasellaDiTesto 462"/>
-          <p:cNvSpPr txBox="1"/>
-          <p:nvPr/>
-        </p:nvSpPr>
-        <p:spPr>
-          <a:xfrm>
-            <a:off x="16471909" y="2510531"/>
-            <a:ext cx="1768398" cy="369332"/>
-          </a:xfrm>
-          <a:prstGeom prst="rect">
-            <a:avLst/>
-          </a:prstGeom>
-          <a:noFill/>
-        </p:spPr>
-        <p:txBody>
-          <a:bodyPr wrap="square" rtlCol="0">
-            <a:spAutoFit/>
-          </a:bodyPr>
-          <a:lstStyle/>
-          <a:p>
-            <a:r>
-              <a:rPr lang="it-IT" dirty="0" err="1"/>
-              <a:t>RagioneSociale</a:t>
-            </a:r>
-            <a:endParaRPr lang="it-IT" dirty="0"/>
-          </a:p>
-        </p:txBody>
-      </p:sp>
-      <p:cxnSp>
-        <p:nvCxnSpPr>
-          <p:cNvPr id="507" name="Connettore diritto 506"/>
-          <p:cNvCxnSpPr>
-            <a:stCxn id="5" idx="0"/>
-          </p:cNvCxnSpPr>
-          <p:nvPr/>
-        </p:nvCxnSpPr>
-        <p:spPr>
-          <a:xfrm flipV="1">
-            <a:off x="15152086" y="1720581"/>
-            <a:ext cx="279580" cy="2688208"/>
-          </a:xfrm>
-          <a:prstGeom prst="line">
-            <a:avLst/>
-          </a:prstGeom>
-        </p:spPr>
-        <p:style>
-          <a:lnRef idx="1">
-            <a:schemeClr val="accent1"/>
-          </a:lnRef>
-          <a:fillRef idx="0">
-            <a:schemeClr val="accent1"/>
-          </a:fillRef>
-          <a:effectRef idx="0">
-            <a:schemeClr val="accent1"/>
-          </a:effectRef>
-          <a:fontRef idx="minor">
-            <a:schemeClr val="tx1"/>
-          </a:fontRef>
-        </p:style>
-      </p:cxnSp>
-      <p:sp>
-        <p:nvSpPr>
-          <p:cNvPr id="510" name="CasellaDiTesto 509"/>
-          <p:cNvSpPr txBox="1"/>
-          <p:nvPr/>
-        </p:nvSpPr>
-        <p:spPr>
-          <a:xfrm>
-            <a:off x="12623401" y="8462569"/>
-            <a:ext cx="1358216" cy="369332"/>
-          </a:xfrm>
-          <a:prstGeom prst="rect">
-            <a:avLst/>
-          </a:prstGeom>
-          <a:noFill/>
-        </p:spPr>
-        <p:txBody>
-          <a:bodyPr wrap="square" rtlCol="0">
-            <a:spAutoFit/>
-          </a:bodyPr>
-          <a:lstStyle/>
-          <a:p>
-            <a:r>
-              <a:rPr lang="it-IT" dirty="0" err="1" smtClean="0"/>
-              <a:t>ID_Cliente</a:t>
-            </a:r>
-            <a:endParaRPr lang="it-IT" dirty="0"/>
-          </a:p>
-        </p:txBody>
-      </p:sp>
-      <p:cxnSp>
-        <p:nvCxnSpPr>
-          <p:cNvPr id="511" name="Connettore diritto 510"/>
-          <p:cNvCxnSpPr>
-            <a:stCxn id="516" idx="0"/>
-            <a:endCxn id="7" idx="2"/>
-          </p:cNvCxnSpPr>
-          <p:nvPr/>
-        </p:nvCxnSpPr>
-        <p:spPr>
-          <a:xfrm flipH="1" flipV="1">
-            <a:off x="14989474" y="7430348"/>
-            <a:ext cx="136901" cy="2302711"/>
-          </a:xfrm>
-          <a:prstGeom prst="line">
-            <a:avLst/>
-          </a:prstGeom>
-        </p:spPr>
-        <p:style>
-          <a:lnRef idx="1">
-            <a:schemeClr val="accent1"/>
-          </a:lnRef>
-          <a:fillRef idx="0">
-            <a:schemeClr val="accent1"/>
-          </a:fillRef>
-          <a:effectRef idx="0">
-            <a:schemeClr val="accent1"/>
-          </a:effectRef>
-          <a:fontRef idx="minor">
-            <a:schemeClr val="tx1"/>
-          </a:fontRef>
-        </p:style>
-      </p:cxnSp>
-      <p:cxnSp>
-        <p:nvCxnSpPr>
-          <p:cNvPr id="513" name="Connettore diritto 512"/>
-          <p:cNvCxnSpPr>
-            <a:stCxn id="7" idx="2"/>
-            <a:endCxn id="520" idx="0"/>
-          </p:cNvCxnSpPr>
-          <p:nvPr/>
-        </p:nvCxnSpPr>
-        <p:spPr>
-          <a:xfrm flipH="1">
-            <a:off x="14169900" y="7430348"/>
-            <a:ext cx="819574" cy="1826265"/>
-          </a:xfrm>
-          <a:prstGeom prst="line">
-            <a:avLst/>
-          </a:prstGeom>
-        </p:spPr>
-        <p:style>
-          <a:lnRef idx="1">
-            <a:schemeClr val="accent1"/>
-          </a:lnRef>
-          <a:fillRef idx="0">
-            <a:schemeClr val="accent1"/>
-          </a:fillRef>
-          <a:effectRef idx="0">
-            <a:schemeClr val="accent1"/>
-          </a:effectRef>
-          <a:fontRef idx="minor">
-            <a:schemeClr val="tx1"/>
-          </a:fontRef>
-        </p:style>
-      </p:cxnSp>
-      <p:cxnSp>
-        <p:nvCxnSpPr>
-          <p:cNvPr id="514" name="Connettore diritto 513"/>
-          <p:cNvCxnSpPr>
-            <a:endCxn id="7" idx="2"/>
-          </p:cNvCxnSpPr>
-          <p:nvPr/>
-        </p:nvCxnSpPr>
-        <p:spPr>
-          <a:xfrm flipH="1" flipV="1">
-            <a:off x="14989474" y="7430348"/>
-            <a:ext cx="1376233" cy="543140"/>
-          </a:xfrm>
-          <a:prstGeom prst="line">
-            <a:avLst/>
-          </a:prstGeom>
-        </p:spPr>
-        <p:style>
-          <a:lnRef idx="1">
-            <a:schemeClr val="accent1"/>
-          </a:lnRef>
-          <a:fillRef idx="0">
-            <a:schemeClr val="accent1"/>
-          </a:fillRef>
-          <a:effectRef idx="0">
-            <a:schemeClr val="accent1"/>
-          </a:effectRef>
-          <a:fontRef idx="minor">
-            <a:schemeClr val="tx1"/>
-          </a:fontRef>
-        </p:style>
-      </p:cxnSp>
-      <p:sp>
-        <p:nvSpPr>
-          <p:cNvPr id="515" name="CasellaDiTesto 514"/>
-          <p:cNvSpPr txBox="1"/>
-          <p:nvPr/>
-        </p:nvSpPr>
-        <p:spPr>
-          <a:xfrm>
-            <a:off x="15079862" y="9184100"/>
-            <a:ext cx="1103953" cy="369332"/>
-          </a:xfrm>
-          <a:prstGeom prst="rect">
-            <a:avLst/>
-          </a:prstGeom>
-          <a:noFill/>
-        </p:spPr>
-        <p:txBody>
-          <a:bodyPr wrap="square" rtlCol="0">
-            <a:spAutoFit/>
-          </a:bodyPr>
-          <a:lstStyle/>
-          <a:p>
-            <a:r>
-              <a:rPr lang="it-IT" dirty="0"/>
-              <a:t>Numero</a:t>
-            </a:r>
-          </a:p>
-        </p:txBody>
-      </p:sp>
-      <p:sp>
-        <p:nvSpPr>
-          <p:cNvPr id="516" name="CasellaDiTesto 515"/>
-          <p:cNvSpPr txBox="1"/>
-          <p:nvPr/>
-        </p:nvSpPr>
-        <p:spPr>
-          <a:xfrm>
-            <a:off x="14507239" y="9733059"/>
-            <a:ext cx="1238271" cy="369332"/>
-          </a:xfrm>
-          <a:prstGeom prst="rect">
-            <a:avLst/>
-          </a:prstGeom>
-          <a:noFill/>
-        </p:spPr>
-        <p:txBody>
-          <a:bodyPr wrap="square" rtlCol="0">
-            <a:spAutoFit/>
-          </a:bodyPr>
-          <a:lstStyle/>
-          <a:p>
-            <a:r>
-              <a:rPr lang="it-IT" dirty="0"/>
-              <a:t>Indirizzo</a:t>
-            </a:r>
-          </a:p>
-        </p:txBody>
-      </p:sp>
-      <p:cxnSp>
-        <p:nvCxnSpPr>
-          <p:cNvPr id="517" name="Connettore diritto 516"/>
-          <p:cNvCxnSpPr>
-            <a:stCxn id="7" idx="2"/>
-            <a:endCxn id="515" idx="0"/>
-          </p:cNvCxnSpPr>
-          <p:nvPr/>
-        </p:nvCxnSpPr>
-        <p:spPr>
-          <a:xfrm>
-            <a:off x="14989474" y="7430348"/>
-            <a:ext cx="642365" cy="1753752"/>
-          </a:xfrm>
-          <a:prstGeom prst="line">
-            <a:avLst/>
-          </a:prstGeom>
-        </p:spPr>
-        <p:style>
-          <a:lnRef idx="1">
-            <a:schemeClr val="accent1"/>
-          </a:lnRef>
-          <a:fillRef idx="0">
-            <a:schemeClr val="accent1"/>
-          </a:fillRef>
-          <a:effectRef idx="0">
-            <a:schemeClr val="accent1"/>
-          </a:effectRef>
-          <a:fontRef idx="minor">
-            <a:schemeClr val="tx1"/>
-          </a:fontRef>
-        </p:style>
-      </p:cxnSp>
-      <p:sp>
-        <p:nvSpPr>
-          <p:cNvPr id="518" name="CasellaDiTesto 517"/>
-          <p:cNvSpPr txBox="1"/>
-          <p:nvPr/>
-        </p:nvSpPr>
-        <p:spPr>
-          <a:xfrm>
-            <a:off x="15631839" y="8790654"/>
-            <a:ext cx="1081932" cy="369332"/>
-          </a:xfrm>
-          <a:prstGeom prst="rect">
-            <a:avLst/>
-          </a:prstGeom>
-          <a:noFill/>
-        </p:spPr>
-        <p:txBody>
-          <a:bodyPr wrap="square" rtlCol="0">
-            <a:spAutoFit/>
-          </a:bodyPr>
-          <a:lstStyle/>
-          <a:p>
-            <a:r>
-              <a:rPr lang="it-IT" dirty="0" err="1" smtClean="0"/>
-              <a:t>PartitaIva</a:t>
-            </a:r>
-            <a:endParaRPr lang="it-IT" dirty="0"/>
-          </a:p>
-        </p:txBody>
-      </p:sp>
-      <p:cxnSp>
-        <p:nvCxnSpPr>
-          <p:cNvPr id="519" name="Connettore diritto 518"/>
-          <p:cNvCxnSpPr>
-            <a:stCxn id="7" idx="2"/>
-            <a:endCxn id="518" idx="0"/>
-          </p:cNvCxnSpPr>
-          <p:nvPr/>
-        </p:nvCxnSpPr>
-        <p:spPr>
-          <a:xfrm>
-            <a:off x="14989474" y="7430348"/>
-            <a:ext cx="1183331" cy="1360306"/>
-          </a:xfrm>
-          <a:prstGeom prst="line">
-            <a:avLst/>
-          </a:prstGeom>
-        </p:spPr>
-        <p:style>
-          <a:lnRef idx="1">
-            <a:schemeClr val="accent1"/>
-          </a:lnRef>
-          <a:fillRef idx="0">
-            <a:schemeClr val="accent1"/>
-          </a:fillRef>
-          <a:effectRef idx="0">
-            <a:schemeClr val="accent1"/>
-          </a:effectRef>
-          <a:fontRef idx="minor">
-            <a:schemeClr val="tx1"/>
-          </a:fontRef>
-        </p:style>
-      </p:cxnSp>
-      <p:sp>
-        <p:nvSpPr>
-          <p:cNvPr id="520" name="CasellaDiTesto 519"/>
-          <p:cNvSpPr txBox="1"/>
-          <p:nvPr/>
-        </p:nvSpPr>
-        <p:spPr>
-          <a:xfrm>
-            <a:off x="13583991" y="9256613"/>
-            <a:ext cx="1171817" cy="369332"/>
-          </a:xfrm>
-          <a:prstGeom prst="rect">
-            <a:avLst/>
-          </a:prstGeom>
-          <a:noFill/>
-        </p:spPr>
-        <p:txBody>
-          <a:bodyPr wrap="square" rtlCol="0">
-            <a:spAutoFit/>
-          </a:bodyPr>
-          <a:lstStyle/>
-          <a:p>
-            <a:r>
-              <a:rPr lang="it-IT" dirty="0" err="1" smtClean="0"/>
-              <a:t>CodFiscale</a:t>
-            </a:r>
-            <a:endParaRPr lang="it-IT" dirty="0"/>
-          </a:p>
-        </p:txBody>
-      </p:sp>
-      <p:cxnSp>
-        <p:nvCxnSpPr>
-          <p:cNvPr id="521" name="Connettore diritto 520"/>
-          <p:cNvCxnSpPr>
-            <a:stCxn id="7" idx="3"/>
-            <a:endCxn id="528" idx="1"/>
-          </p:cNvCxnSpPr>
-          <p:nvPr/>
-        </p:nvCxnSpPr>
-        <p:spPr>
-          <a:xfrm>
-            <a:off x="15646972" y="7138568"/>
-            <a:ext cx="4653857" cy="241574"/>
-          </a:xfrm>
-          <a:prstGeom prst="line">
-            <a:avLst/>
-          </a:prstGeom>
-        </p:spPr>
-        <p:style>
-          <a:lnRef idx="1">
-            <a:schemeClr val="accent1"/>
-          </a:lnRef>
-          <a:fillRef idx="0">
-            <a:schemeClr val="accent1"/>
-          </a:fillRef>
-          <a:effectRef idx="0">
-            <a:schemeClr val="accent1"/>
-          </a:effectRef>
-          <a:fontRef idx="minor">
-            <a:schemeClr val="tx1"/>
-          </a:fontRef>
-        </p:style>
-      </p:cxnSp>
-      <p:cxnSp>
-        <p:nvCxnSpPr>
-          <p:cNvPr id="522" name="Connettore diritto 521"/>
-          <p:cNvCxnSpPr>
-            <a:stCxn id="7" idx="3"/>
-            <a:endCxn id="529" idx="1"/>
-          </p:cNvCxnSpPr>
-          <p:nvPr/>
-        </p:nvCxnSpPr>
-        <p:spPr>
-          <a:xfrm>
-            <a:off x="15646972" y="7138568"/>
-            <a:ext cx="4807164" cy="662967"/>
-          </a:xfrm>
-          <a:prstGeom prst="line">
-            <a:avLst/>
-          </a:prstGeom>
-        </p:spPr>
-        <p:style>
-          <a:lnRef idx="1">
-            <a:schemeClr val="accent1"/>
-          </a:lnRef>
-          <a:fillRef idx="0">
-            <a:schemeClr val="accent1"/>
-          </a:fillRef>
-          <a:effectRef idx="0">
-            <a:schemeClr val="accent1"/>
-          </a:effectRef>
-          <a:fontRef idx="minor">
-            <a:schemeClr val="tx1"/>
-          </a:fontRef>
-        </p:style>
-      </p:cxnSp>
-      <p:cxnSp>
-        <p:nvCxnSpPr>
-          <p:cNvPr id="523" name="Connettore diritto 522"/>
-          <p:cNvCxnSpPr>
-            <a:stCxn id="7" idx="3"/>
-            <a:endCxn id="530" idx="1"/>
-          </p:cNvCxnSpPr>
-          <p:nvPr/>
-        </p:nvCxnSpPr>
-        <p:spPr>
-          <a:xfrm>
-            <a:off x="15646972" y="7138568"/>
-            <a:ext cx="4600047" cy="1102475"/>
-          </a:xfrm>
-          <a:prstGeom prst="line">
-            <a:avLst/>
-          </a:prstGeom>
-        </p:spPr>
-        <p:style>
-          <a:lnRef idx="1">
-            <a:schemeClr val="accent1"/>
-          </a:lnRef>
-          <a:fillRef idx="0">
-            <a:schemeClr val="accent1"/>
-          </a:fillRef>
-          <a:effectRef idx="0">
-            <a:schemeClr val="accent1"/>
-          </a:effectRef>
-          <a:fontRef idx="minor">
-            <a:schemeClr val="tx1"/>
-          </a:fontRef>
-        </p:style>
-      </p:cxnSp>
-      <p:cxnSp>
-        <p:nvCxnSpPr>
-          <p:cNvPr id="524" name="Connettore diritto 523"/>
-          <p:cNvCxnSpPr>
-            <a:stCxn id="7" idx="3"/>
-            <a:endCxn id="531" idx="1"/>
-          </p:cNvCxnSpPr>
-          <p:nvPr/>
-        </p:nvCxnSpPr>
-        <p:spPr>
-          <a:xfrm>
-            <a:off x="15646972" y="7138568"/>
-            <a:ext cx="4385921" cy="1559026"/>
-          </a:xfrm>
-          <a:prstGeom prst="line">
-            <a:avLst/>
-          </a:prstGeom>
-        </p:spPr>
-        <p:style>
-          <a:lnRef idx="1">
-            <a:schemeClr val="accent1"/>
-          </a:lnRef>
-          <a:fillRef idx="0">
-            <a:schemeClr val="accent1"/>
-          </a:fillRef>
-          <a:effectRef idx="0">
-            <a:schemeClr val="accent1"/>
-          </a:effectRef>
-          <a:fontRef idx="minor">
-            <a:schemeClr val="tx1"/>
-          </a:fontRef>
-        </p:style>
-      </p:cxnSp>
-      <p:cxnSp>
-        <p:nvCxnSpPr>
-          <p:cNvPr id="525" name="Connettore diritto 524"/>
-          <p:cNvCxnSpPr>
-            <a:stCxn id="7" idx="3"/>
-            <a:endCxn id="532" idx="1"/>
-          </p:cNvCxnSpPr>
-          <p:nvPr/>
-        </p:nvCxnSpPr>
-        <p:spPr>
-          <a:xfrm>
-            <a:off x="15646972" y="7138568"/>
-            <a:ext cx="4007001" cy="1981648"/>
-          </a:xfrm>
-          <a:prstGeom prst="line">
-            <a:avLst/>
-          </a:prstGeom>
-        </p:spPr>
-        <p:style>
-          <a:lnRef idx="1">
-            <a:schemeClr val="accent1"/>
-          </a:lnRef>
-          <a:fillRef idx="0">
-            <a:schemeClr val="accent1"/>
-          </a:fillRef>
-          <a:effectRef idx="0">
-            <a:schemeClr val="accent1"/>
-          </a:effectRef>
-          <a:fontRef idx="minor">
-            <a:schemeClr val="tx1"/>
-          </a:fontRef>
-        </p:style>
-      </p:cxnSp>
-      <p:cxnSp>
-        <p:nvCxnSpPr>
-          <p:cNvPr id="526" name="Connettore diritto 525"/>
-          <p:cNvCxnSpPr>
-            <a:stCxn id="7" idx="3"/>
-            <a:endCxn id="533" idx="1"/>
-          </p:cNvCxnSpPr>
-          <p:nvPr/>
-        </p:nvCxnSpPr>
-        <p:spPr>
-          <a:xfrm>
-            <a:off x="15646972" y="7138568"/>
-            <a:ext cx="4283921" cy="2487377"/>
-          </a:xfrm>
-          <a:prstGeom prst="line">
-            <a:avLst/>
-          </a:prstGeom>
-        </p:spPr>
-        <p:style>
-          <a:lnRef idx="1">
-            <a:schemeClr val="accent1"/>
-          </a:lnRef>
-          <a:fillRef idx="0">
-            <a:schemeClr val="accent1"/>
-          </a:fillRef>
-          <a:effectRef idx="0">
-            <a:schemeClr val="accent1"/>
-          </a:effectRef>
-          <a:fontRef idx="minor">
-            <a:schemeClr val="tx1"/>
-          </a:fontRef>
-        </p:style>
-      </p:cxnSp>
-      <p:sp>
-        <p:nvSpPr>
-          <p:cNvPr id="527" name="CasellaDiTesto 526"/>
-          <p:cNvSpPr txBox="1"/>
-          <p:nvPr/>
-        </p:nvSpPr>
-        <p:spPr>
-          <a:xfrm>
-            <a:off x="16115373" y="8380310"/>
-            <a:ext cx="1139997" cy="369332"/>
-          </a:xfrm>
-          <a:prstGeom prst="rect">
-            <a:avLst/>
-          </a:prstGeom>
-          <a:noFill/>
-        </p:spPr>
-        <p:txBody>
-          <a:bodyPr wrap="square" rtlCol="0">
-            <a:spAutoFit/>
-          </a:bodyPr>
-          <a:lstStyle/>
-          <a:p>
-            <a:r>
-              <a:rPr lang="it-IT" dirty="0" err="1" smtClean="0"/>
-              <a:t>NomeCog</a:t>
-            </a:r>
-            <a:endParaRPr lang="it-IT" dirty="0"/>
-          </a:p>
-        </p:txBody>
-      </p:sp>
-      <p:sp>
-        <p:nvSpPr>
-          <p:cNvPr id="528" name="CasellaDiTesto 527"/>
-          <p:cNvSpPr txBox="1"/>
-          <p:nvPr/>
-        </p:nvSpPr>
-        <p:spPr>
-          <a:xfrm>
-            <a:off x="20300829" y="7195476"/>
-            <a:ext cx="1248473" cy="369332"/>
-          </a:xfrm>
-          <a:prstGeom prst="rect">
-            <a:avLst/>
-          </a:prstGeom>
-          <a:noFill/>
-        </p:spPr>
-        <p:txBody>
-          <a:bodyPr wrap="square" rtlCol="0">
-            <a:spAutoFit/>
-          </a:bodyPr>
-          <a:lstStyle/>
-          <a:p>
-            <a:r>
-              <a:rPr lang="it-IT" dirty="0" smtClean="0"/>
-              <a:t>Provincia</a:t>
-            </a:r>
-            <a:endParaRPr lang="it-IT" dirty="0"/>
-          </a:p>
-        </p:txBody>
-      </p:sp>
-      <p:sp>
-        <p:nvSpPr>
-          <p:cNvPr id="529" name="CasellaDiTesto 528"/>
-          <p:cNvSpPr txBox="1"/>
-          <p:nvPr/>
-        </p:nvSpPr>
-        <p:spPr>
-          <a:xfrm>
-            <a:off x="20454136" y="7616869"/>
-            <a:ext cx="812676" cy="369332"/>
-          </a:xfrm>
-          <a:prstGeom prst="rect">
-            <a:avLst/>
-          </a:prstGeom>
-          <a:noFill/>
-        </p:spPr>
-        <p:txBody>
-          <a:bodyPr wrap="square" rtlCol="0">
-            <a:spAutoFit/>
-          </a:bodyPr>
-          <a:lstStyle/>
-          <a:p>
-            <a:r>
-              <a:rPr lang="it-IT" dirty="0" smtClean="0"/>
-              <a:t>Cap</a:t>
-            </a:r>
-            <a:endParaRPr lang="it-IT" dirty="0"/>
-          </a:p>
-        </p:txBody>
-      </p:sp>
-      <p:sp>
-        <p:nvSpPr>
-          <p:cNvPr id="530" name="CasellaDiTesto 529"/>
-          <p:cNvSpPr txBox="1"/>
-          <p:nvPr/>
-        </p:nvSpPr>
-        <p:spPr>
-          <a:xfrm>
-            <a:off x="20247019" y="8056377"/>
-            <a:ext cx="1014922" cy="369332"/>
-          </a:xfrm>
-          <a:prstGeom prst="rect">
-            <a:avLst/>
-          </a:prstGeom>
-          <a:noFill/>
-        </p:spPr>
-        <p:txBody>
-          <a:bodyPr wrap="square" rtlCol="0">
-            <a:spAutoFit/>
-          </a:bodyPr>
-          <a:lstStyle/>
-          <a:p>
-            <a:r>
-              <a:rPr lang="it-IT" dirty="0" smtClean="0"/>
-              <a:t>Regione</a:t>
-            </a:r>
-            <a:endParaRPr lang="it-IT" dirty="0"/>
-          </a:p>
-        </p:txBody>
-      </p:sp>
-      <p:sp>
-        <p:nvSpPr>
-          <p:cNvPr id="531" name="CasellaDiTesto 530"/>
-          <p:cNvSpPr txBox="1"/>
-          <p:nvPr/>
-        </p:nvSpPr>
-        <p:spPr>
-          <a:xfrm>
-            <a:off x="20032893" y="8512928"/>
-            <a:ext cx="1030960" cy="369332"/>
-          </a:xfrm>
-          <a:prstGeom prst="rect">
-            <a:avLst/>
-          </a:prstGeom>
-          <a:noFill/>
-        </p:spPr>
-        <p:txBody>
-          <a:bodyPr wrap="square" rtlCol="0">
-            <a:spAutoFit/>
-          </a:bodyPr>
-          <a:lstStyle/>
-          <a:p>
-            <a:r>
-              <a:rPr lang="it-IT" dirty="0" smtClean="0"/>
-              <a:t>Nazione</a:t>
-            </a:r>
-            <a:endParaRPr lang="it-IT" dirty="0"/>
-          </a:p>
-        </p:txBody>
-      </p:sp>
-      <p:sp>
-        <p:nvSpPr>
-          <p:cNvPr id="532" name="CasellaDiTesto 531"/>
-          <p:cNvSpPr txBox="1"/>
-          <p:nvPr/>
-        </p:nvSpPr>
-        <p:spPr>
-          <a:xfrm>
-            <a:off x="19653973" y="8935550"/>
-            <a:ext cx="1293711" cy="369332"/>
-          </a:xfrm>
-          <a:prstGeom prst="rect">
-            <a:avLst/>
-          </a:prstGeom>
-          <a:noFill/>
-        </p:spPr>
-        <p:txBody>
-          <a:bodyPr wrap="square" rtlCol="0">
-            <a:spAutoFit/>
-          </a:bodyPr>
-          <a:lstStyle/>
-          <a:p>
-            <a:r>
-              <a:rPr lang="it-IT" dirty="0" err="1" smtClean="0"/>
-              <a:t>TelAzienda</a:t>
-            </a:r>
-            <a:endParaRPr lang="it-IT" dirty="0"/>
-          </a:p>
-        </p:txBody>
-      </p:sp>
-      <p:sp>
-        <p:nvSpPr>
-          <p:cNvPr id="533" name="CasellaDiTesto 532"/>
-          <p:cNvSpPr txBox="1"/>
-          <p:nvPr/>
-        </p:nvSpPr>
-        <p:spPr>
-          <a:xfrm>
-            <a:off x="19930893" y="9441279"/>
-            <a:ext cx="1128112" cy="369332"/>
-          </a:xfrm>
-          <a:prstGeom prst="rect">
-            <a:avLst/>
-          </a:prstGeom>
-          <a:noFill/>
-        </p:spPr>
-        <p:txBody>
-          <a:bodyPr wrap="square" rtlCol="0">
-            <a:spAutoFit/>
-          </a:bodyPr>
-          <a:lstStyle/>
-          <a:p>
-            <a:r>
-              <a:rPr lang="it-IT" dirty="0" smtClean="0"/>
-              <a:t>Email</a:t>
-            </a:r>
-            <a:endParaRPr lang="it-IT" dirty="0"/>
-          </a:p>
-        </p:txBody>
-      </p:sp>
-      <p:sp>
-        <p:nvSpPr>
-          <p:cNvPr id="534" name="CasellaDiTesto 533"/>
-          <p:cNvSpPr txBox="1"/>
-          <p:nvPr/>
-        </p:nvSpPr>
-        <p:spPr>
-          <a:xfrm>
-            <a:off x="15676622" y="7939909"/>
-            <a:ext cx="1768398" cy="369332"/>
-          </a:xfrm>
-          <a:prstGeom prst="rect">
-            <a:avLst/>
-          </a:prstGeom>
-          <a:noFill/>
-        </p:spPr>
-        <p:txBody>
-          <a:bodyPr wrap="square" rtlCol="0">
-            <a:spAutoFit/>
-          </a:bodyPr>
-          <a:lstStyle/>
-          <a:p>
-            <a:r>
-              <a:rPr lang="it-IT" dirty="0" err="1"/>
-              <a:t>RagioneSociale</a:t>
-            </a:r>
-            <a:endParaRPr lang="it-IT" dirty="0"/>
-          </a:p>
-        </p:txBody>
-      </p:sp>
-      <p:cxnSp>
-        <p:nvCxnSpPr>
-          <p:cNvPr id="535" name="Connettore diritto 534"/>
-          <p:cNvCxnSpPr>
-            <a:stCxn id="7" idx="2"/>
-            <a:endCxn id="510" idx="3"/>
-          </p:cNvCxnSpPr>
-          <p:nvPr/>
-        </p:nvCxnSpPr>
-        <p:spPr>
-          <a:xfrm flipH="1">
-            <a:off x="13981617" y="7430348"/>
-            <a:ext cx="1007857" cy="1216887"/>
-          </a:xfrm>
-          <a:prstGeom prst="line">
-            <a:avLst/>
-          </a:prstGeom>
-        </p:spPr>
-        <p:style>
-          <a:lnRef idx="1">
-            <a:schemeClr val="accent1"/>
-          </a:lnRef>
-          <a:fillRef idx="0">
-            <a:schemeClr val="accent1"/>
-          </a:fillRef>
-          <a:effectRef idx="0">
-            <a:schemeClr val="accent1"/>
-          </a:effectRef>
-          <a:fontRef idx="minor">
-            <a:schemeClr val="tx1"/>
-          </a:fontRef>
-        </p:style>
-      </p:cxnSp>
-      <p:cxnSp>
-        <p:nvCxnSpPr>
-          <p:cNvPr id="579" name="Connettore diritto 578"/>
-          <p:cNvCxnSpPr>
-            <a:stCxn id="7" idx="2"/>
-            <a:endCxn id="527" idx="1"/>
-          </p:cNvCxnSpPr>
-          <p:nvPr/>
-        </p:nvCxnSpPr>
-        <p:spPr>
-          <a:xfrm>
-            <a:off x="14989474" y="7430348"/>
-            <a:ext cx="1125899" cy="1134628"/>
-          </a:xfrm>
-          <a:prstGeom prst="line">
-            <a:avLst/>
-          </a:prstGeom>
-        </p:spPr>
-        <p:style>
-          <a:lnRef idx="1">
-            <a:schemeClr val="accent1"/>
-          </a:lnRef>
-          <a:fillRef idx="0">
-            <a:schemeClr val="accent1"/>
-          </a:fillRef>
-          <a:effectRef idx="0">
-            <a:schemeClr val="accent1"/>
-          </a:effectRef>
-          <a:fontRef idx="minor">
-            <a:schemeClr val="tx1"/>
-          </a:fontRef>
-        </p:style>
-      </p:cxnSp>
       <p:cxnSp>
         <p:nvCxnSpPr>
           <p:cNvPr id="784" name="Connettore diritto 783"/>
@@ -7158,7 +5189,7 @@
         </p:nvCxnSpPr>
         <p:spPr>
           <a:xfrm flipV="1">
-            <a:off x="3043612" y="7819404"/>
+            <a:off x="7270172" y="8205484"/>
             <a:ext cx="898267" cy="52536"/>
           </a:xfrm>
           <a:prstGeom prst="line">
@@ -7190,7 +5221,7 @@
         </p:nvCxnSpPr>
         <p:spPr>
           <a:xfrm>
-            <a:off x="3043612" y="7871940"/>
+            <a:off x="7270172" y="8258020"/>
             <a:ext cx="777809" cy="213460"/>
           </a:xfrm>
           <a:prstGeom prst="line">
@@ -7222,7 +5253,7 @@
         </p:nvCxnSpPr>
         <p:spPr>
           <a:xfrm>
-            <a:off x="3043612" y="7871940"/>
+            <a:off x="7270172" y="8258020"/>
             <a:ext cx="518093" cy="503568"/>
           </a:xfrm>
           <a:prstGeom prst="line">
@@ -7254,7 +5285,7 @@
         </p:nvCxnSpPr>
         <p:spPr>
           <a:xfrm>
-            <a:off x="2607557" y="8161098"/>
+            <a:off x="6834117" y="8547178"/>
             <a:ext cx="413670" cy="304280"/>
           </a:xfrm>
           <a:prstGeom prst="line">
@@ -7286,7 +5317,7 @@
         </p:nvCxnSpPr>
         <p:spPr>
           <a:xfrm flipH="1">
-            <a:off x="1397391" y="8161098"/>
+            <a:off x="5623951" y="8547178"/>
             <a:ext cx="1215032" cy="495961"/>
           </a:xfrm>
           <a:prstGeom prst="line">
@@ -7319,41 +5350,8 @@
         </p:nvCxnSpPr>
         <p:spPr>
           <a:xfrm flipH="1">
-            <a:off x="2393349" y="8161098"/>
+            <a:off x="6619909" y="8547178"/>
             <a:ext cx="214208" cy="628861"/>
-          </a:xfrm>
-          <a:prstGeom prst="line">
-            <a:avLst/>
-          </a:prstGeom>
-        </p:spPr>
-        <p:style>
-          <a:lnRef idx="1">
-            <a:schemeClr val="accent1"/>
-          </a:lnRef>
-          <a:fillRef idx="0">
-            <a:schemeClr val="accent1"/>
-          </a:fillRef>
-          <a:effectRef idx="0">
-            <a:schemeClr val="accent1"/>
-          </a:effectRef>
-          <a:fontRef idx="minor">
-            <a:schemeClr val="tx1"/>
-          </a:fontRef>
-        </p:style>
-      </p:cxnSp>
-      <p:cxnSp>
-        <p:nvCxnSpPr>
-          <p:cNvPr id="818" name="Connettore diritto 817"/>
-          <p:cNvCxnSpPr>
-            <a:stCxn id="8" idx="1"/>
-            <a:endCxn id="863" idx="3"/>
-          </p:cNvCxnSpPr>
-          <p:nvPr/>
-        </p:nvCxnSpPr>
-        <p:spPr>
-          <a:xfrm flipH="1">
-            <a:off x="1828579" y="7871940"/>
-            <a:ext cx="342923" cy="293469"/>
           </a:xfrm>
           <a:prstGeom prst="line">
             <a:avLst/>
@@ -7379,45 +5377,14 @@
           <p:cNvPr id="819" name="Connettore diritto 818"/>
           <p:cNvCxnSpPr>
             <a:stCxn id="8" idx="1"/>
+            <a:endCxn id="856" idx="3"/>
           </p:cNvCxnSpPr>
           <p:nvPr/>
         </p:nvCxnSpPr>
         <p:spPr>
           <a:xfrm flipH="1" flipV="1">
-            <a:off x="1890950" y="7656400"/>
-            <a:ext cx="280552" cy="215540"/>
-          </a:xfrm>
-          <a:prstGeom prst="line">
-            <a:avLst/>
-          </a:prstGeom>
-        </p:spPr>
-        <p:style>
-          <a:lnRef idx="1">
-            <a:schemeClr val="accent1"/>
-          </a:lnRef>
-          <a:fillRef idx="0">
-            <a:schemeClr val="accent1"/>
-          </a:fillRef>
-          <a:effectRef idx="0">
-            <a:schemeClr val="accent1"/>
-          </a:effectRef>
-          <a:fontRef idx="minor">
-            <a:schemeClr val="tx1"/>
-          </a:fontRef>
-        </p:style>
-      </p:cxnSp>
-      <p:cxnSp>
-        <p:nvCxnSpPr>
-          <p:cNvPr id="820" name="Connettore diritto 819"/>
-          <p:cNvCxnSpPr>
-            <a:stCxn id="8" idx="1"/>
-          </p:cNvCxnSpPr>
-          <p:nvPr/>
-        </p:nvCxnSpPr>
-        <p:spPr>
-          <a:xfrm flipH="1">
-            <a:off x="1768692" y="7871940"/>
-            <a:ext cx="402810" cy="56318"/>
+            <a:off x="6129975" y="8034209"/>
+            <a:ext cx="268087" cy="223811"/>
           </a:xfrm>
           <a:prstGeom prst="line">
             <a:avLst/>
@@ -7448,7 +5415,7 @@
         </p:nvCxnSpPr>
         <p:spPr>
           <a:xfrm flipV="1">
-            <a:off x="3043612" y="7510752"/>
+            <a:off x="7270172" y="7896832"/>
             <a:ext cx="569308" cy="361188"/>
           </a:xfrm>
           <a:prstGeom prst="line">
@@ -7478,8 +5445,8 @@
         </p:nvSpPr>
         <p:spPr>
           <a:xfrm>
-            <a:off x="524267" y="7179487"/>
-            <a:ext cx="1564084" cy="369332"/>
+            <a:off x="4761066" y="7849543"/>
+            <a:ext cx="1368909" cy="369332"/>
           </a:xfrm>
           <a:prstGeom prst="rect">
             <a:avLst/>
@@ -7502,14 +5469,14 @@
       </p:sp>
       <p:sp>
         <p:nvSpPr>
-          <p:cNvPr id="862" name="CasellaDiTesto 861"/>
+          <p:cNvPr id="863" name="CasellaDiTesto 862"/>
           <p:cNvSpPr txBox="1"/>
           <p:nvPr/>
         </p:nvSpPr>
         <p:spPr>
           <a:xfrm>
-            <a:off x="399975" y="7580115"/>
-            <a:ext cx="1486109" cy="369332"/>
+            <a:off x="2430547" y="6830312"/>
+            <a:ext cx="1272359" cy="369332"/>
           </a:xfrm>
           <a:prstGeom prst="rect">
             <a:avLst/>
@@ -7524,7 +5491,7 @@
           <a:p>
             <a:r>
               <a:rPr lang="it-IT" dirty="0" err="1" smtClean="0"/>
-              <a:t>ContoMastro</a:t>
+              <a:t>DareAvere</a:t>
             </a:r>
             <a:endParaRPr lang="it-IT" dirty="0"/>
           </a:p>
@@ -7532,14 +5499,14 @@
       </p:sp>
       <p:sp>
         <p:nvSpPr>
-          <p:cNvPr id="863" name="CasellaDiTesto 862"/>
+          <p:cNvPr id="864" name="CasellaDiTesto 863"/>
           <p:cNvSpPr txBox="1"/>
           <p:nvPr/>
         </p:nvSpPr>
         <p:spPr>
           <a:xfrm>
-            <a:off x="556220" y="7980743"/>
-            <a:ext cx="1272359" cy="369332"/>
+            <a:off x="4425861" y="8858473"/>
+            <a:ext cx="1198090" cy="369332"/>
           </a:xfrm>
           <a:prstGeom prst="rect">
             <a:avLst/>
@@ -7553,8 +5520,8 @@
           <a:lstStyle/>
           <a:p>
             <a:r>
-              <a:rPr lang="it-IT" dirty="0" err="1" smtClean="0"/>
-              <a:t>DareAvere</a:t>
+              <a:rPr lang="it-IT" dirty="0" smtClean="0"/>
+              <a:t>Imponibile</a:t>
             </a:r>
             <a:endParaRPr lang="it-IT" dirty="0"/>
           </a:p>
@@ -7562,14 +5529,14 @@
       </p:sp>
       <p:sp>
         <p:nvSpPr>
-          <p:cNvPr id="864" name="CasellaDiTesto 863"/>
+          <p:cNvPr id="870" name="CasellaDiTesto 869"/>
           <p:cNvSpPr txBox="1"/>
           <p:nvPr/>
         </p:nvSpPr>
         <p:spPr>
           <a:xfrm>
-            <a:off x="199301" y="8472393"/>
-            <a:ext cx="1198090" cy="369332"/>
+            <a:off x="5969646" y="9176039"/>
+            <a:ext cx="1300526" cy="369332"/>
           </a:xfrm>
           <a:prstGeom prst="rect">
             <a:avLst/>
@@ -7584,7 +5551,7 @@
           <a:p>
             <a:r>
               <a:rPr lang="it-IT" dirty="0" smtClean="0"/>
-              <a:t>Imponibile</a:t>
+              <a:t>Descrizione</a:t>
             </a:r>
             <a:endParaRPr lang="it-IT" dirty="0"/>
           </a:p>
@@ -7592,14 +5559,14 @@
       </p:sp>
       <p:sp>
         <p:nvSpPr>
-          <p:cNvPr id="870" name="CasellaDiTesto 869"/>
+          <p:cNvPr id="879" name="CasellaDiTesto 878"/>
           <p:cNvSpPr txBox="1"/>
           <p:nvPr/>
         </p:nvSpPr>
         <p:spPr>
           <a:xfrm>
-            <a:off x="1743086" y="8789959"/>
-            <a:ext cx="1300526" cy="369332"/>
+            <a:off x="3572939" y="5641131"/>
+            <a:ext cx="571996" cy="369332"/>
           </a:xfrm>
           <a:prstGeom prst="rect">
             <a:avLst/>
@@ -7614,7 +5581,7 @@
           <a:p>
             <a:r>
               <a:rPr lang="it-IT" dirty="0" smtClean="0"/>
-              <a:t>Descrizione</a:t>
+              <a:t>Iva</a:t>
             </a:r>
             <a:endParaRPr lang="it-IT" dirty="0"/>
           </a:p>
@@ -7622,14 +5589,14 @@
       </p:sp>
       <p:sp>
         <p:nvSpPr>
-          <p:cNvPr id="879" name="CasellaDiTesto 878"/>
+          <p:cNvPr id="880" name="CasellaDiTesto 879"/>
           <p:cNvSpPr txBox="1"/>
           <p:nvPr/>
         </p:nvSpPr>
         <p:spPr>
           <a:xfrm>
-            <a:off x="2830865" y="8364412"/>
-            <a:ext cx="571996" cy="369332"/>
+            <a:off x="7672930" y="8639912"/>
+            <a:ext cx="1025265" cy="369332"/>
           </a:xfrm>
           <a:prstGeom prst="rect">
             <a:avLst/>
@@ -7643,8 +5610,8 @@
           <a:lstStyle/>
           <a:p>
             <a:r>
-              <a:rPr lang="it-IT" dirty="0" smtClean="0"/>
-              <a:t>Iva</a:t>
+              <a:rPr lang="it-IT" dirty="0" err="1" smtClean="0"/>
+              <a:t>NumDoc</a:t>
             </a:r>
             <a:endParaRPr lang="it-IT" dirty="0"/>
           </a:p>
@@ -7652,14 +5619,14 @@
       </p:sp>
       <p:sp>
         <p:nvSpPr>
-          <p:cNvPr id="880" name="CasellaDiTesto 879"/>
+          <p:cNvPr id="885" name="CasellaDiTesto 884"/>
           <p:cNvSpPr txBox="1"/>
           <p:nvPr/>
         </p:nvSpPr>
         <p:spPr>
           <a:xfrm>
-            <a:off x="3446370" y="8253832"/>
-            <a:ext cx="1025265" cy="369332"/>
+            <a:off x="8084896" y="8225005"/>
+            <a:ext cx="1911279" cy="369332"/>
           </a:xfrm>
           <a:prstGeom prst="rect">
             <a:avLst/>
@@ -7674,7 +5641,7 @@
           <a:p>
             <a:r>
               <a:rPr lang="it-IT" dirty="0" err="1" smtClean="0"/>
-              <a:t>NumDoc</a:t>
+              <a:t>DataRegistrazione</a:t>
             </a:r>
             <a:endParaRPr lang="it-IT" dirty="0"/>
           </a:p>
@@ -7682,14 +5649,14 @@
       </p:sp>
       <p:sp>
         <p:nvSpPr>
-          <p:cNvPr id="885" name="CasellaDiTesto 884"/>
+          <p:cNvPr id="886" name="CasellaDiTesto 885"/>
           <p:cNvSpPr txBox="1"/>
           <p:nvPr/>
         </p:nvSpPr>
         <p:spPr>
           <a:xfrm>
-            <a:off x="3858336" y="7838925"/>
-            <a:ext cx="1911279" cy="369332"/>
+            <a:off x="7811138" y="7568087"/>
+            <a:ext cx="1495097" cy="369332"/>
           </a:xfrm>
           <a:prstGeom prst="rect">
             <a:avLst/>
@@ -7703,36 +5670,6 @@
           <a:lstStyle/>
           <a:p>
             <a:r>
-              <a:rPr lang="it-IT" dirty="0" err="1" smtClean="0"/>
-              <a:t>DataRegistrazione</a:t>
-            </a:r>
-            <a:endParaRPr lang="it-IT" dirty="0"/>
-          </a:p>
-        </p:txBody>
-      </p:sp>
-      <p:sp>
-        <p:nvSpPr>
-          <p:cNvPr id="886" name="CasellaDiTesto 885"/>
-          <p:cNvSpPr txBox="1"/>
-          <p:nvPr/>
-        </p:nvSpPr>
-        <p:spPr>
-          <a:xfrm>
-            <a:off x="3584578" y="7182007"/>
-            <a:ext cx="1495097" cy="369332"/>
-          </a:xfrm>
-          <a:prstGeom prst="rect">
-            <a:avLst/>
-          </a:prstGeom>
-          <a:noFill/>
-        </p:spPr>
-        <p:txBody>
-          <a:bodyPr wrap="square" rtlCol="0">
-            <a:spAutoFit/>
-          </a:bodyPr>
-          <a:lstStyle/>
-          <a:p>
-            <a:r>
               <a:rPr lang="it-IT" dirty="0" smtClean="0"/>
               <a:t>Protocollo</a:t>
             </a:r>
@@ -7748,7 +5685,7 @@
         </p:nvSpPr>
         <p:spPr>
           <a:xfrm>
-            <a:off x="3943291" y="7463463"/>
+            <a:off x="8169851" y="7849543"/>
             <a:ext cx="1560428" cy="369332"/>
           </a:xfrm>
           <a:prstGeom prst="rect">
@@ -7781,7 +5718,7 @@
         </p:nvCxnSpPr>
         <p:spPr>
           <a:xfrm>
-            <a:off x="8096138" y="6162650"/>
+            <a:off x="12322698" y="6548730"/>
             <a:ext cx="445008" cy="370539"/>
           </a:xfrm>
           <a:prstGeom prst="line">
@@ -7811,7 +5748,7 @@
         </p:nvSpPr>
         <p:spPr>
           <a:xfrm rot="21590008">
-            <a:off x="8541142" y="6156972"/>
+            <a:off x="12767702" y="6543052"/>
             <a:ext cx="1860293" cy="747026"/>
           </a:xfrm>
           <a:prstGeom prst="diamond">
@@ -7867,7 +5804,7 @@
         </p:nvCxnSpPr>
         <p:spPr>
           <a:xfrm>
-            <a:off x="10401431" y="6527781"/>
+            <a:off x="14627991" y="6913861"/>
             <a:ext cx="432179" cy="250734"/>
           </a:xfrm>
           <a:prstGeom prst="line">
@@ -7900,7 +5837,7 @@
         </p:nvCxnSpPr>
         <p:spPr>
           <a:xfrm flipH="1">
-            <a:off x="10594447" y="7035608"/>
+            <a:off x="14821007" y="7421688"/>
             <a:ext cx="817358" cy="374145"/>
           </a:xfrm>
           <a:prstGeom prst="line">
@@ -7930,7 +5867,7 @@
         </p:nvSpPr>
         <p:spPr>
           <a:xfrm>
-            <a:off x="10023862" y="7409753"/>
+            <a:off x="14250422" y="7795833"/>
             <a:ext cx="1141169" cy="369332"/>
           </a:xfrm>
           <a:prstGeom prst="rect">
@@ -7963,7 +5900,7 @@
         </p:nvCxnSpPr>
         <p:spPr>
           <a:xfrm flipH="1">
-            <a:off x="10734365" y="7035608"/>
+            <a:off x="14960925" y="7421688"/>
             <a:ext cx="677440" cy="920813"/>
           </a:xfrm>
           <a:prstGeom prst="line">
@@ -7993,7 +5930,7 @@
         </p:nvSpPr>
         <p:spPr>
           <a:xfrm>
-            <a:off x="10248398" y="7956421"/>
+            <a:off x="14474958" y="8342501"/>
             <a:ext cx="971934" cy="369332"/>
           </a:xfrm>
           <a:prstGeom prst="rect">
@@ -8026,7 +5963,7 @@
         </p:nvCxnSpPr>
         <p:spPr>
           <a:xfrm>
-            <a:off x="11411805" y="7035608"/>
+            <a:off x="15638365" y="7421688"/>
             <a:ext cx="77542" cy="1225105"/>
           </a:xfrm>
           <a:prstGeom prst="line">
@@ -8056,7 +5993,7 @@
         </p:nvSpPr>
         <p:spPr>
           <a:xfrm>
-            <a:off x="10621756" y="8260713"/>
+            <a:off x="14848316" y="8646793"/>
             <a:ext cx="1735181" cy="369332"/>
           </a:xfrm>
           <a:prstGeom prst="rect">
@@ -8089,7 +6026,7 @@
         </p:nvCxnSpPr>
         <p:spPr>
           <a:xfrm>
-            <a:off x="11411805" y="7035608"/>
+            <a:off x="15638365" y="7421688"/>
             <a:ext cx="342208" cy="736147"/>
           </a:xfrm>
           <a:prstGeom prst="line">
@@ -8119,7 +6056,7 @@
         </p:nvSpPr>
         <p:spPr>
           <a:xfrm>
-            <a:off x="11754013" y="7587089"/>
+            <a:off x="15980573" y="7973169"/>
             <a:ext cx="665764" cy="369332"/>
           </a:xfrm>
           <a:prstGeom prst="rect">
@@ -8151,7 +6088,7 @@
         </p:nvCxnSpPr>
         <p:spPr>
           <a:xfrm flipH="1">
-            <a:off x="6859085" y="6376271"/>
+            <a:off x="11085645" y="6762351"/>
             <a:ext cx="699386" cy="268054"/>
           </a:xfrm>
           <a:prstGeom prst="line">
@@ -8183,7 +6120,7 @@
         </p:nvCxnSpPr>
         <p:spPr>
           <a:xfrm flipH="1">
-            <a:off x="6531801" y="6376271"/>
+            <a:off x="10758361" y="6762351"/>
             <a:ext cx="1026670" cy="814443"/>
           </a:xfrm>
           <a:prstGeom prst="line">
@@ -8216,7 +6153,7 @@
         </p:nvCxnSpPr>
         <p:spPr>
           <a:xfrm flipH="1">
-            <a:off x="7377470" y="6376271"/>
+            <a:off x="11604030" y="6762351"/>
             <a:ext cx="181001" cy="1121427"/>
           </a:xfrm>
           <a:prstGeom prst="line">
@@ -8249,7 +6186,7 @@
         </p:nvCxnSpPr>
         <p:spPr>
           <a:xfrm>
-            <a:off x="7558471" y="6376271"/>
+            <a:off x="11785031" y="6762351"/>
             <a:ext cx="761690" cy="572361"/>
           </a:xfrm>
           <a:prstGeom prst="line">
@@ -8279,7 +6216,7 @@
         </p:nvSpPr>
         <p:spPr>
           <a:xfrm>
-            <a:off x="5613504" y="6459659"/>
+            <a:off x="9840064" y="6845739"/>
             <a:ext cx="1407299" cy="369332"/>
           </a:xfrm>
           <a:prstGeom prst="rect">
@@ -8309,7 +6246,7 @@
         </p:nvSpPr>
         <p:spPr>
           <a:xfrm>
-            <a:off x="5821298" y="7149292"/>
+            <a:off x="10047858" y="7535372"/>
             <a:ext cx="1583718" cy="369332"/>
           </a:xfrm>
           <a:prstGeom prst="rect">
@@ -8339,7 +6276,7 @@
         </p:nvSpPr>
         <p:spPr>
           <a:xfrm>
-            <a:off x="6858223" y="7497698"/>
+            <a:off x="11084783" y="7883778"/>
             <a:ext cx="1038494" cy="369332"/>
           </a:xfrm>
           <a:prstGeom prst="rect">
@@ -8369,7 +6306,7 @@
         </p:nvSpPr>
         <p:spPr>
           <a:xfrm>
-            <a:off x="7908829" y="6948632"/>
+            <a:off x="12135389" y="7334712"/>
             <a:ext cx="822664" cy="369332"/>
           </a:xfrm>
           <a:prstGeom prst="rect">
@@ -8402,7 +6339,7 @@
         </p:nvCxnSpPr>
         <p:spPr>
           <a:xfrm flipH="1">
-            <a:off x="8800441" y="6903996"/>
+            <a:off x="13027001" y="7290076"/>
             <a:ext cx="671934" cy="535206"/>
           </a:xfrm>
           <a:prstGeom prst="line">
@@ -8435,7 +6372,7 @@
         </p:nvCxnSpPr>
         <p:spPr>
           <a:xfrm>
-            <a:off x="9472375" y="6903996"/>
+            <a:off x="13698935" y="7290076"/>
             <a:ext cx="118557" cy="471384"/>
           </a:xfrm>
           <a:prstGeom prst="line">
@@ -8465,7 +6402,7 @@
         </p:nvSpPr>
         <p:spPr>
           <a:xfrm>
-            <a:off x="9336471" y="7375380"/>
+            <a:off x="13563031" y="7761460"/>
             <a:ext cx="508922" cy="369332"/>
           </a:xfrm>
           <a:prstGeom prst="rect">
@@ -8495,7 +6432,7 @@
         </p:nvSpPr>
         <p:spPr>
           <a:xfrm>
-            <a:off x="8318642" y="7439202"/>
+            <a:off x="12545202" y="7825282"/>
             <a:ext cx="963597" cy="369332"/>
           </a:xfrm>
           <a:prstGeom prst="rect">
@@ -8528,8 +6465,8 @@
         </p:nvCxnSpPr>
         <p:spPr>
           <a:xfrm flipH="1">
-            <a:off x="3237162" y="4721329"/>
-            <a:ext cx="684579" cy="198569"/>
+            <a:off x="6919633" y="5107409"/>
+            <a:ext cx="1228668" cy="176902"/>
           </a:xfrm>
           <a:prstGeom prst="line">
             <a:avLst/>
@@ -8558,7 +6495,7 @@
         </p:nvSpPr>
         <p:spPr>
           <a:xfrm>
-            <a:off x="2797181" y="4919898"/>
+            <a:off x="6479652" y="5284311"/>
             <a:ext cx="879962" cy="373343"/>
           </a:xfrm>
           <a:prstGeom prst="rect">
@@ -8591,7 +6528,7 @@
         </p:nvCxnSpPr>
         <p:spPr>
           <a:xfrm flipH="1">
-            <a:off x="891855" y="1161700"/>
+            <a:off x="2030806" y="1314841"/>
             <a:ext cx="265220" cy="318193"/>
           </a:xfrm>
           <a:prstGeom prst="line">
@@ -8624,8 +6561,8 @@
         </p:nvCxnSpPr>
         <p:spPr>
           <a:xfrm>
-            <a:off x="1157075" y="1161700"/>
-            <a:ext cx="1653001" cy="884651"/>
+            <a:off x="2296026" y="1314841"/>
+            <a:ext cx="1713633" cy="976108"/>
           </a:xfrm>
           <a:prstGeom prst="line">
             <a:avLst/>
@@ -8656,7 +6593,7 @@
         </p:nvCxnSpPr>
         <p:spPr>
           <a:xfrm>
-            <a:off x="1157075" y="1161700"/>
+            <a:off x="2296026" y="1314841"/>
             <a:ext cx="2277100" cy="621705"/>
           </a:xfrm>
           <a:prstGeom prst="line">
@@ -8689,7 +6626,7 @@
         </p:nvCxnSpPr>
         <p:spPr>
           <a:xfrm>
-            <a:off x="1157075" y="1161700"/>
+            <a:off x="2296026" y="1314841"/>
             <a:ext cx="602273" cy="880847"/>
           </a:xfrm>
           <a:prstGeom prst="line">
@@ -8716,14 +6653,14 @@
           <p:cNvPr id="173" name="Connettore diritto 172"/>
           <p:cNvCxnSpPr>
             <a:stCxn id="4" idx="2"/>
-            <a:endCxn id="577" idx="1"/>
+            <a:endCxn id="577" idx="3"/>
           </p:cNvCxnSpPr>
           <p:nvPr/>
         </p:nvCxnSpPr>
         <p:spPr>
           <a:xfrm>
-            <a:off x="1157075" y="1161700"/>
-            <a:ext cx="2354723" cy="370035"/>
+            <a:off x="2296026" y="1314841"/>
+            <a:ext cx="3122643" cy="474685"/>
           </a:xfrm>
           <a:prstGeom prst="line">
             <a:avLst/>
@@ -8752,7 +6689,7 @@
         </p:nvSpPr>
         <p:spPr>
           <a:xfrm>
-            <a:off x="178429" y="1479893"/>
+            <a:off x="1317380" y="1633034"/>
             <a:ext cx="1426851" cy="369332"/>
           </a:xfrm>
           <a:prstGeom prst="rect">
@@ -8782,7 +6719,7 @@
         </p:nvSpPr>
         <p:spPr>
           <a:xfrm>
-            <a:off x="1139393" y="2042547"/>
+            <a:off x="2278344" y="2195688"/>
             <a:ext cx="1239910" cy="369332"/>
           </a:xfrm>
           <a:prstGeom prst="rect">
@@ -8812,7 +6749,7 @@
         </p:nvSpPr>
         <p:spPr>
           <a:xfrm>
-            <a:off x="2207765" y="2046351"/>
+            <a:off x="3407348" y="2290949"/>
             <a:ext cx="1204621" cy="369332"/>
           </a:xfrm>
           <a:prstGeom prst="rect">
@@ -8842,7 +6779,7 @@
         </p:nvSpPr>
         <p:spPr>
           <a:xfrm>
-            <a:off x="2888086" y="1720581"/>
+            <a:off x="4573126" y="1922426"/>
             <a:ext cx="831574" cy="369332"/>
           </a:xfrm>
           <a:prstGeom prst="rect">
@@ -8871,9 +6808,9 @@
           <p:nvPr/>
         </p:nvSpPr>
         <p:spPr>
-          <a:xfrm>
-            <a:off x="3511798" y="1347069"/>
-            <a:ext cx="620554" cy="369332"/>
+          <a:xfrm flipH="1">
+            <a:off x="5418669" y="1604860"/>
+            <a:ext cx="641965" cy="369332"/>
           </a:xfrm>
           <a:prstGeom prst="rect">
             <a:avLst/>
@@ -8881,7 +6818,7 @@
           <a:noFill/>
         </p:spPr>
         <p:txBody>
-          <a:bodyPr wrap="none" rtlCol="0">
+          <a:bodyPr wrap="square" rtlCol="0">
             <a:spAutoFit/>
           </a:bodyPr>
           <a:lstStyle/>
@@ -8905,7 +6842,7 @@
         </p:nvCxnSpPr>
         <p:spPr>
           <a:xfrm flipH="1">
-            <a:off x="672106" y="3582168"/>
+            <a:off x="1811057" y="3735309"/>
             <a:ext cx="476128" cy="486879"/>
           </a:xfrm>
           <a:prstGeom prst="line">
@@ -8938,7 +6875,7 @@
         </p:nvCxnSpPr>
         <p:spPr>
           <a:xfrm>
-            <a:off x="1148234" y="3582168"/>
+            <a:off x="2287185" y="3735309"/>
             <a:ext cx="456423" cy="742918"/>
           </a:xfrm>
           <a:prstGeom prst="line">
@@ -8965,13 +6902,12 @@
           <p:cNvPr id="333" name="Connettore diritto 332"/>
           <p:cNvCxnSpPr>
             <a:stCxn id="11" idx="2"/>
-            <a:endCxn id="598" idx="1"/>
           </p:cNvCxnSpPr>
           <p:nvPr/>
         </p:nvCxnSpPr>
         <p:spPr>
           <a:xfrm>
-            <a:off x="1148234" y="3582168"/>
+            <a:off x="2287185" y="3735309"/>
             <a:ext cx="1028321" cy="366844"/>
           </a:xfrm>
           <a:prstGeom prst="line">
@@ -9001,7 +6937,7 @@
         </p:nvSpPr>
         <p:spPr>
           <a:xfrm>
-            <a:off x="61991" y="4069047"/>
+            <a:off x="1200942" y="4222188"/>
             <a:ext cx="1220229" cy="369332"/>
           </a:xfrm>
           <a:prstGeom prst="rect">
@@ -9031,7 +6967,7 @@
         </p:nvSpPr>
         <p:spPr>
           <a:xfrm>
-            <a:off x="1216049" y="4325086"/>
+            <a:off x="2355000" y="4478227"/>
             <a:ext cx="777215" cy="370271"/>
           </a:xfrm>
           <a:prstGeom prst="rect">
@@ -9061,7 +6997,7 @@
         </p:nvSpPr>
         <p:spPr>
           <a:xfrm>
-            <a:off x="2176555" y="3764346"/>
+            <a:off x="3089266" y="4229579"/>
             <a:ext cx="1100483" cy="369332"/>
           </a:xfrm>
           <a:prstGeom prst="rect">
@@ -9087,15 +7023,15 @@
         <p:nvCxnSpPr>
           <p:cNvPr id="603" name="Connettore diritto 602"/>
           <p:cNvCxnSpPr>
-            <a:stCxn id="6" idx="3"/>
+            <a:stCxn id="6" idx="0"/>
             <a:endCxn id="606" idx="1"/>
           </p:cNvCxnSpPr>
           <p:nvPr/>
         </p:nvCxnSpPr>
         <p:spPr>
-          <a:xfrm>
-            <a:off x="11989999" y="6778515"/>
-            <a:ext cx="1023132" cy="244168"/>
+          <a:xfrm flipV="1">
+            <a:off x="15638365" y="5916071"/>
+            <a:ext cx="467555" cy="991431"/>
           </a:xfrm>
           <a:prstGeom prst="line">
             <a:avLst/>
@@ -9123,8 +7059,8 @@
           <p:nvPr/>
         </p:nvSpPr>
         <p:spPr>
-          <a:xfrm rot="406997">
-            <a:off x="13010504" y="6858777"/>
+          <a:xfrm rot="14477309">
+            <a:off x="15550365" y="5378707"/>
             <a:ext cx="750547" cy="416461"/>
           </a:xfrm>
           <a:prstGeom prst="diamond">
@@ -9161,15 +7097,15 @@
         <p:nvCxnSpPr>
           <p:cNvPr id="610" name="Connettore diritto 609"/>
           <p:cNvCxnSpPr>
-            <a:stCxn id="7" idx="1"/>
+            <a:stCxn id="9" idx="2"/>
             <a:endCxn id="606" idx="3"/>
           </p:cNvCxnSpPr>
           <p:nvPr/>
         </p:nvCxnSpPr>
         <p:spPr>
-          <a:xfrm flipH="1" flipV="1">
-            <a:off x="13758424" y="7111333"/>
-            <a:ext cx="573551" cy="27235"/>
+          <a:xfrm>
+            <a:off x="14406429" y="4848498"/>
+            <a:ext cx="1338929" cy="409306"/>
           </a:xfrm>
           <a:prstGeom prst="line">
             <a:avLst/>
@@ -9198,7 +7134,7 @@
         </p:nvSpPr>
         <p:spPr>
           <a:xfrm>
-            <a:off x="7045047" y="2778785"/>
+            <a:off x="11271607" y="3164865"/>
             <a:ext cx="301686" cy="369332"/>
           </a:xfrm>
           <a:prstGeom prst="rect">
@@ -9228,7 +7164,7 @@
         </p:nvSpPr>
         <p:spPr>
           <a:xfrm>
-            <a:off x="7888084" y="2880019"/>
+            <a:off x="12114644" y="3266099"/>
             <a:ext cx="301686" cy="369332"/>
           </a:xfrm>
           <a:prstGeom prst="rect">
@@ -9252,13 +7188,72 @@
       </p:sp>
       <p:sp>
         <p:nvSpPr>
-          <p:cNvPr id="632" name="CasellaDiTesto 631"/>
+          <p:cNvPr id="192" name="CasellaDiTesto 191"/>
           <p:cNvSpPr txBox="1"/>
           <p:nvPr/>
         </p:nvSpPr>
         <p:spPr>
           <a:xfrm>
-            <a:off x="12671052" y="4153203"/>
+            <a:off x="8763666" y="6018376"/>
+            <a:ext cx="236116" cy="369332"/>
+          </a:xfrm>
+          <a:prstGeom prst="rect">
+            <a:avLst/>
+          </a:prstGeom>
+          <a:noFill/>
+        </p:spPr>
+        <p:txBody>
+          <a:bodyPr wrap="square" rtlCol="0">
+            <a:spAutoFit/>
+          </a:bodyPr>
+          <a:lstStyle/>
+          <a:p>
+            <a:r>
+              <a:rPr lang="it-IT" dirty="0" smtClean="0"/>
+              <a:t>1</a:t>
+            </a:r>
+            <a:endParaRPr lang="it-IT" dirty="0"/>
+          </a:p>
+        </p:txBody>
+      </p:sp>
+      <p:sp>
+        <p:nvSpPr>
+          <p:cNvPr id="193" name="CasellaDiTesto 192"/>
+          <p:cNvSpPr txBox="1"/>
+          <p:nvPr/>
+        </p:nvSpPr>
+        <p:spPr>
+          <a:xfrm>
+            <a:off x="8037835" y="6620438"/>
+            <a:ext cx="261208" cy="369332"/>
+          </a:xfrm>
+          <a:prstGeom prst="rect">
+            <a:avLst/>
+          </a:prstGeom>
+          <a:noFill/>
+        </p:spPr>
+        <p:txBody>
+          <a:bodyPr wrap="square" rtlCol="0">
+            <a:spAutoFit/>
+          </a:bodyPr>
+          <a:lstStyle/>
+          <a:p>
+            <a:r>
+              <a:rPr lang="it-IT" dirty="0"/>
+              <a:t>N</a:t>
+            </a:r>
+          </a:p>
+        </p:txBody>
+      </p:sp>
+      <p:sp>
+        <p:nvSpPr>
+          <p:cNvPr id="199" name="CasellaDiTesto 198"/>
+          <p:cNvSpPr txBox="1"/>
+          <p:nvPr/>
+        </p:nvSpPr>
+        <p:spPr>
+          <a:xfrm>
+            <a:off x="14722442" y="5187284"/>
             <a:ext cx="301686" cy="369332"/>
           </a:xfrm>
           <a:prstGeom prst="rect">
@@ -9282,13 +7277,223 @@
       </p:sp>
       <p:sp>
         <p:nvSpPr>
-          <p:cNvPr id="635" name="CasellaDiTesto 634"/>
+          <p:cNvPr id="201" name="CasellaDiTesto 200"/>
           <p:cNvSpPr txBox="1"/>
           <p:nvPr/>
         </p:nvSpPr>
         <p:spPr>
           <a:xfrm>
-            <a:off x="13569867" y="4221177"/>
+            <a:off x="15069606" y="5807787"/>
+            <a:ext cx="203203" cy="369332"/>
+          </a:xfrm>
+          <a:prstGeom prst="rect">
+            <a:avLst/>
+          </a:prstGeom>
+          <a:noFill/>
+        </p:spPr>
+        <p:txBody>
+          <a:bodyPr wrap="square" rtlCol="0">
+            <a:spAutoFit/>
+          </a:bodyPr>
+          <a:lstStyle/>
+          <a:p>
+            <a:r>
+              <a:rPr lang="it-IT" dirty="0" smtClean="0"/>
+              <a:t>N</a:t>
+            </a:r>
+            <a:endParaRPr lang="it-IT" dirty="0"/>
+          </a:p>
+        </p:txBody>
+      </p:sp>
+      <p:sp>
+        <p:nvSpPr>
+          <p:cNvPr id="202" name="CasellaDiTesto 201"/>
+          <p:cNvSpPr txBox="1"/>
+          <p:nvPr/>
+        </p:nvSpPr>
+        <p:spPr>
+          <a:xfrm>
+            <a:off x="12899507" y="4773642"/>
+            <a:ext cx="775963" cy="369332"/>
+          </a:xfrm>
+          <a:prstGeom prst="rect">
+            <a:avLst/>
+          </a:prstGeom>
+          <a:noFill/>
+        </p:spPr>
+        <p:txBody>
+          <a:bodyPr wrap="square" rtlCol="0">
+            <a:spAutoFit/>
+          </a:bodyPr>
+          <a:lstStyle/>
+          <a:p>
+            <a:r>
+              <a:rPr lang="it-IT" dirty="0" smtClean="0"/>
+              <a:t>1</a:t>
+            </a:r>
+            <a:endParaRPr lang="it-IT" dirty="0"/>
+          </a:p>
+        </p:txBody>
+      </p:sp>
+      <p:sp>
+        <p:nvSpPr>
+          <p:cNvPr id="204" name="CasellaDiTesto 203"/>
+          <p:cNvSpPr txBox="1"/>
+          <p:nvPr/>
+        </p:nvSpPr>
+        <p:spPr>
+          <a:xfrm>
+            <a:off x="12543062" y="5129261"/>
+            <a:ext cx="361983" cy="369332"/>
+          </a:xfrm>
+          <a:prstGeom prst="rect">
+            <a:avLst/>
+          </a:prstGeom>
+          <a:noFill/>
+        </p:spPr>
+        <p:txBody>
+          <a:bodyPr wrap="square" rtlCol="0">
+            <a:spAutoFit/>
+          </a:bodyPr>
+          <a:lstStyle/>
+          <a:p>
+            <a:r>
+              <a:rPr lang="it-IT" dirty="0" smtClean="0"/>
+              <a:t>N</a:t>
+            </a:r>
+            <a:endParaRPr lang="it-IT" dirty="0"/>
+          </a:p>
+        </p:txBody>
+      </p:sp>
+      <p:sp>
+        <p:nvSpPr>
+          <p:cNvPr id="205" name="CasellaDiTesto 204"/>
+          <p:cNvSpPr txBox="1"/>
+          <p:nvPr/>
+        </p:nvSpPr>
+        <p:spPr>
+          <a:xfrm>
+            <a:off x="11073040" y="4335092"/>
+            <a:ext cx="522483" cy="369332"/>
+          </a:xfrm>
+          <a:prstGeom prst="rect">
+            <a:avLst/>
+          </a:prstGeom>
+          <a:noFill/>
+        </p:spPr>
+        <p:txBody>
+          <a:bodyPr wrap="square" rtlCol="0">
+            <a:spAutoFit/>
+          </a:bodyPr>
+          <a:lstStyle/>
+          <a:p>
+            <a:r>
+              <a:rPr lang="it-IT" dirty="0" smtClean="0"/>
+              <a:t>1</a:t>
+            </a:r>
+            <a:endParaRPr lang="it-IT" dirty="0"/>
+          </a:p>
+        </p:txBody>
+      </p:sp>
+      <p:sp>
+        <p:nvSpPr>
+          <p:cNvPr id="206" name="CasellaDiTesto 205"/>
+          <p:cNvSpPr txBox="1"/>
+          <p:nvPr/>
+        </p:nvSpPr>
+        <p:spPr>
+          <a:xfrm>
+            <a:off x="10221693" y="4359716"/>
+            <a:ext cx="376725" cy="369332"/>
+          </a:xfrm>
+          <a:prstGeom prst="rect">
+            <a:avLst/>
+          </a:prstGeom>
+          <a:noFill/>
+        </p:spPr>
+        <p:txBody>
+          <a:bodyPr wrap="square" rtlCol="0">
+            <a:spAutoFit/>
+          </a:bodyPr>
+          <a:lstStyle/>
+          <a:p>
+            <a:r>
+              <a:rPr lang="it-IT" dirty="0" smtClean="0"/>
+              <a:t>N</a:t>
+            </a:r>
+            <a:endParaRPr lang="it-IT" dirty="0"/>
+          </a:p>
+        </p:txBody>
+      </p:sp>
+      <p:sp>
+        <p:nvSpPr>
+          <p:cNvPr id="207" name="CasellaDiTesto 206"/>
+          <p:cNvSpPr txBox="1"/>
+          <p:nvPr/>
+        </p:nvSpPr>
+        <p:spPr>
+          <a:xfrm>
+            <a:off x="14621184" y="6598594"/>
+            <a:ext cx="608230" cy="369332"/>
+          </a:xfrm>
+          <a:prstGeom prst="rect">
+            <a:avLst/>
+          </a:prstGeom>
+          <a:noFill/>
+        </p:spPr>
+        <p:txBody>
+          <a:bodyPr wrap="square" rtlCol="0">
+            <a:spAutoFit/>
+          </a:bodyPr>
+          <a:lstStyle/>
+          <a:p>
+            <a:r>
+              <a:rPr lang="it-IT" dirty="0" smtClean="0"/>
+              <a:t>N</a:t>
+            </a:r>
+            <a:endParaRPr lang="it-IT" dirty="0"/>
+          </a:p>
+        </p:txBody>
+      </p:sp>
+      <p:sp>
+        <p:nvSpPr>
+          <p:cNvPr id="208" name="CasellaDiTesto 207"/>
+          <p:cNvSpPr txBox="1"/>
+          <p:nvPr/>
+        </p:nvSpPr>
+        <p:spPr>
+          <a:xfrm>
+            <a:off x="12666430" y="6514136"/>
+            <a:ext cx="817766" cy="369332"/>
+          </a:xfrm>
+          <a:prstGeom prst="rect">
+            <a:avLst/>
+          </a:prstGeom>
+          <a:noFill/>
+        </p:spPr>
+        <p:txBody>
+          <a:bodyPr wrap="square" rtlCol="0">
+            <a:spAutoFit/>
+          </a:bodyPr>
+          <a:lstStyle/>
+          <a:p>
+            <a:r>
+              <a:rPr lang="it-IT" dirty="0" smtClean="0"/>
+              <a:t>N</a:t>
+            </a:r>
+            <a:endParaRPr lang="it-IT" dirty="0"/>
+          </a:p>
+        </p:txBody>
+      </p:sp>
+      <p:sp>
+        <p:nvSpPr>
+          <p:cNvPr id="292" name="CasellaDiTesto 291"/>
+          <p:cNvSpPr txBox="1"/>
+          <p:nvPr/>
+        </p:nvSpPr>
+        <p:spPr>
+          <a:xfrm>
+            <a:off x="16212991" y="5798919"/>
             <a:ext cx="333746" cy="369332"/>
           </a:xfrm>
           <a:prstGeom prst="rect">
@@ -9312,402 +7517,13 @@
       </p:sp>
       <p:sp>
         <p:nvSpPr>
-          <p:cNvPr id="637" name="CasellaDiTesto 636"/>
-          <p:cNvSpPr txBox="1"/>
-          <p:nvPr/>
-        </p:nvSpPr>
-        <p:spPr>
-          <a:xfrm>
-            <a:off x="13340314" y="5813021"/>
-            <a:ext cx="333746" cy="369332"/>
-          </a:xfrm>
-          <a:prstGeom prst="rect">
-            <a:avLst/>
-          </a:prstGeom>
-          <a:noFill/>
-        </p:spPr>
-        <p:txBody>
-          <a:bodyPr wrap="none" rtlCol="0">
-            <a:spAutoFit/>
-          </a:bodyPr>
-          <a:lstStyle/>
-          <a:p>
-            <a:r>
-              <a:rPr lang="it-IT" dirty="0" smtClean="0"/>
-              <a:t>N</a:t>
-            </a:r>
-            <a:endParaRPr lang="it-IT" dirty="0"/>
-          </a:p>
-        </p:txBody>
-      </p:sp>
-      <p:sp>
-        <p:nvSpPr>
-          <p:cNvPr id="192" name="CasellaDiTesto 191"/>
-          <p:cNvSpPr txBox="1"/>
-          <p:nvPr/>
-        </p:nvSpPr>
-        <p:spPr>
-          <a:xfrm>
-            <a:off x="4537106" y="5632296"/>
-            <a:ext cx="236116" cy="369332"/>
-          </a:xfrm>
-          <a:prstGeom prst="rect">
-            <a:avLst/>
-          </a:prstGeom>
-          <a:noFill/>
-        </p:spPr>
-        <p:txBody>
-          <a:bodyPr wrap="square" rtlCol="0">
-            <a:spAutoFit/>
-          </a:bodyPr>
-          <a:lstStyle/>
-          <a:p>
-            <a:r>
-              <a:rPr lang="it-IT" dirty="0" smtClean="0"/>
-              <a:t>1</a:t>
-            </a:r>
-            <a:endParaRPr lang="it-IT" dirty="0"/>
-          </a:p>
-        </p:txBody>
-      </p:sp>
-      <p:sp>
-        <p:nvSpPr>
-          <p:cNvPr id="193" name="CasellaDiTesto 192"/>
-          <p:cNvSpPr txBox="1"/>
-          <p:nvPr/>
-        </p:nvSpPr>
-        <p:spPr>
-          <a:xfrm>
-            <a:off x="3811275" y="6234358"/>
-            <a:ext cx="261208" cy="369332"/>
-          </a:xfrm>
-          <a:prstGeom prst="rect">
-            <a:avLst/>
-          </a:prstGeom>
-          <a:noFill/>
-        </p:spPr>
-        <p:txBody>
-          <a:bodyPr wrap="square" rtlCol="0">
-            <a:spAutoFit/>
-          </a:bodyPr>
-          <a:lstStyle/>
-          <a:p>
-            <a:r>
-              <a:rPr lang="it-IT" dirty="0"/>
-              <a:t>N</a:t>
-            </a:r>
-          </a:p>
-        </p:txBody>
-      </p:sp>
-      <p:sp>
-        <p:nvSpPr>
-          <p:cNvPr id="195" name="CasellaDiTesto 194"/>
-          <p:cNvSpPr txBox="1"/>
-          <p:nvPr/>
-        </p:nvSpPr>
-        <p:spPr>
-          <a:xfrm>
-            <a:off x="12664193" y="5365904"/>
-            <a:ext cx="281426" cy="369332"/>
-          </a:xfrm>
-          <a:prstGeom prst="rect">
-            <a:avLst/>
-          </a:prstGeom>
-          <a:noFill/>
-        </p:spPr>
-        <p:txBody>
-          <a:bodyPr wrap="square" rtlCol="0">
-            <a:spAutoFit/>
-          </a:bodyPr>
-          <a:lstStyle/>
-          <a:p>
-            <a:r>
-              <a:rPr lang="it-IT" dirty="0" smtClean="0"/>
-              <a:t>1</a:t>
-            </a:r>
-            <a:endParaRPr lang="it-IT" dirty="0"/>
-          </a:p>
-        </p:txBody>
-      </p:sp>
-      <p:sp>
-        <p:nvSpPr>
-          <p:cNvPr id="199" name="CasellaDiTesto 198"/>
-          <p:cNvSpPr txBox="1"/>
-          <p:nvPr/>
-        </p:nvSpPr>
-        <p:spPr>
-          <a:xfrm>
-            <a:off x="10495882" y="4801204"/>
-            <a:ext cx="301686" cy="369332"/>
-          </a:xfrm>
-          <a:prstGeom prst="rect">
-            <a:avLst/>
-          </a:prstGeom>
-          <a:noFill/>
-        </p:spPr>
-        <p:txBody>
-          <a:bodyPr wrap="none" rtlCol="0">
-            <a:spAutoFit/>
-          </a:bodyPr>
-          <a:lstStyle/>
-          <a:p>
-            <a:r>
-              <a:rPr lang="it-IT" dirty="0" smtClean="0"/>
-              <a:t>1</a:t>
-            </a:r>
-            <a:endParaRPr lang="it-IT" dirty="0"/>
-          </a:p>
-        </p:txBody>
-      </p:sp>
-      <p:sp>
-        <p:nvSpPr>
-          <p:cNvPr id="201" name="CasellaDiTesto 200"/>
-          <p:cNvSpPr txBox="1"/>
-          <p:nvPr/>
-        </p:nvSpPr>
-        <p:spPr>
-          <a:xfrm>
-            <a:off x="10843046" y="5421707"/>
-            <a:ext cx="203203" cy="369332"/>
-          </a:xfrm>
-          <a:prstGeom prst="rect">
-            <a:avLst/>
-          </a:prstGeom>
-          <a:noFill/>
-        </p:spPr>
-        <p:txBody>
-          <a:bodyPr wrap="square" rtlCol="0">
-            <a:spAutoFit/>
-          </a:bodyPr>
-          <a:lstStyle/>
-          <a:p>
-            <a:r>
-              <a:rPr lang="it-IT" dirty="0" smtClean="0"/>
-              <a:t>N</a:t>
-            </a:r>
-            <a:endParaRPr lang="it-IT" dirty="0"/>
-          </a:p>
-        </p:txBody>
-      </p:sp>
-      <p:sp>
-        <p:nvSpPr>
-          <p:cNvPr id="202" name="CasellaDiTesto 201"/>
-          <p:cNvSpPr txBox="1"/>
-          <p:nvPr/>
-        </p:nvSpPr>
-        <p:spPr>
-          <a:xfrm>
-            <a:off x="8672947" y="4387562"/>
-            <a:ext cx="775963" cy="369332"/>
-          </a:xfrm>
-          <a:prstGeom prst="rect">
-            <a:avLst/>
-          </a:prstGeom>
-          <a:noFill/>
-        </p:spPr>
-        <p:txBody>
-          <a:bodyPr wrap="square" rtlCol="0">
-            <a:spAutoFit/>
-          </a:bodyPr>
-          <a:lstStyle/>
-          <a:p>
-            <a:r>
-              <a:rPr lang="it-IT" dirty="0" smtClean="0"/>
-              <a:t>1</a:t>
-            </a:r>
-            <a:endParaRPr lang="it-IT" dirty="0"/>
-          </a:p>
-        </p:txBody>
-      </p:sp>
-      <p:sp>
-        <p:nvSpPr>
-          <p:cNvPr id="204" name="CasellaDiTesto 203"/>
-          <p:cNvSpPr txBox="1"/>
-          <p:nvPr/>
-        </p:nvSpPr>
-        <p:spPr>
-          <a:xfrm>
-            <a:off x="8316502" y="4743181"/>
-            <a:ext cx="361983" cy="369332"/>
-          </a:xfrm>
-          <a:prstGeom prst="rect">
-            <a:avLst/>
-          </a:prstGeom>
-          <a:noFill/>
-        </p:spPr>
-        <p:txBody>
-          <a:bodyPr wrap="square" rtlCol="0">
-            <a:spAutoFit/>
-          </a:bodyPr>
-          <a:lstStyle/>
-          <a:p>
-            <a:r>
-              <a:rPr lang="it-IT" dirty="0" smtClean="0"/>
-              <a:t>N</a:t>
-            </a:r>
-            <a:endParaRPr lang="it-IT" dirty="0"/>
-          </a:p>
-        </p:txBody>
-      </p:sp>
-      <p:sp>
-        <p:nvSpPr>
-          <p:cNvPr id="205" name="CasellaDiTesto 204"/>
-          <p:cNvSpPr txBox="1"/>
-          <p:nvPr/>
-        </p:nvSpPr>
-        <p:spPr>
-          <a:xfrm>
-            <a:off x="6846480" y="3949012"/>
-            <a:ext cx="522483" cy="369332"/>
-          </a:xfrm>
-          <a:prstGeom prst="rect">
-            <a:avLst/>
-          </a:prstGeom>
-          <a:noFill/>
-        </p:spPr>
-        <p:txBody>
-          <a:bodyPr wrap="square" rtlCol="0">
-            <a:spAutoFit/>
-          </a:bodyPr>
-          <a:lstStyle/>
-          <a:p>
-            <a:r>
-              <a:rPr lang="it-IT" dirty="0" smtClean="0"/>
-              <a:t>1</a:t>
-            </a:r>
-            <a:endParaRPr lang="it-IT" dirty="0"/>
-          </a:p>
-        </p:txBody>
-      </p:sp>
-      <p:sp>
-        <p:nvSpPr>
-          <p:cNvPr id="206" name="CasellaDiTesto 205"/>
-          <p:cNvSpPr txBox="1"/>
-          <p:nvPr/>
-        </p:nvSpPr>
-        <p:spPr>
-          <a:xfrm>
-            <a:off x="5995133" y="3973636"/>
-            <a:ext cx="376725" cy="369332"/>
-          </a:xfrm>
-          <a:prstGeom prst="rect">
-            <a:avLst/>
-          </a:prstGeom>
-          <a:noFill/>
-        </p:spPr>
-        <p:txBody>
-          <a:bodyPr wrap="square" rtlCol="0">
-            <a:spAutoFit/>
-          </a:bodyPr>
-          <a:lstStyle/>
-          <a:p>
-            <a:r>
-              <a:rPr lang="it-IT" dirty="0" smtClean="0"/>
-              <a:t>N</a:t>
-            </a:r>
-            <a:endParaRPr lang="it-IT" dirty="0"/>
-          </a:p>
-        </p:txBody>
-      </p:sp>
-      <p:sp>
-        <p:nvSpPr>
-          <p:cNvPr id="207" name="CasellaDiTesto 206"/>
-          <p:cNvSpPr txBox="1"/>
-          <p:nvPr/>
-        </p:nvSpPr>
-        <p:spPr>
-          <a:xfrm>
-            <a:off x="10394624" y="6212514"/>
-            <a:ext cx="608230" cy="369332"/>
-          </a:xfrm>
-          <a:prstGeom prst="rect">
-            <a:avLst/>
-          </a:prstGeom>
-          <a:noFill/>
-        </p:spPr>
-        <p:txBody>
-          <a:bodyPr wrap="square" rtlCol="0">
-            <a:spAutoFit/>
-          </a:bodyPr>
-          <a:lstStyle/>
-          <a:p>
-            <a:r>
-              <a:rPr lang="it-IT" dirty="0" smtClean="0"/>
-              <a:t>N</a:t>
-            </a:r>
-            <a:endParaRPr lang="it-IT" dirty="0"/>
-          </a:p>
-        </p:txBody>
-      </p:sp>
-      <p:sp>
-        <p:nvSpPr>
-          <p:cNvPr id="208" name="CasellaDiTesto 207"/>
-          <p:cNvSpPr txBox="1"/>
-          <p:nvPr/>
-        </p:nvSpPr>
-        <p:spPr>
-          <a:xfrm>
-            <a:off x="8439870" y="6128056"/>
-            <a:ext cx="817766" cy="369332"/>
-          </a:xfrm>
-          <a:prstGeom prst="rect">
-            <a:avLst/>
-          </a:prstGeom>
-          <a:noFill/>
-        </p:spPr>
-        <p:txBody>
-          <a:bodyPr wrap="square" rtlCol="0">
-            <a:spAutoFit/>
-          </a:bodyPr>
-          <a:lstStyle/>
-          <a:p>
-            <a:r>
-              <a:rPr lang="it-IT" dirty="0" smtClean="0"/>
-              <a:t>N</a:t>
-            </a:r>
-            <a:endParaRPr lang="it-IT" dirty="0"/>
-          </a:p>
-        </p:txBody>
-      </p:sp>
-      <p:sp>
-        <p:nvSpPr>
-          <p:cNvPr id="292" name="CasellaDiTesto 291"/>
-          <p:cNvSpPr txBox="1"/>
-          <p:nvPr/>
-        </p:nvSpPr>
-        <p:spPr>
-          <a:xfrm>
-            <a:off x="12821895" y="6693782"/>
-            <a:ext cx="333746" cy="369332"/>
-          </a:xfrm>
-          <a:prstGeom prst="rect">
-            <a:avLst/>
-          </a:prstGeom>
-          <a:noFill/>
-        </p:spPr>
-        <p:txBody>
-          <a:bodyPr wrap="none" rtlCol="0">
-            <a:spAutoFit/>
-          </a:bodyPr>
-          <a:lstStyle/>
-          <a:p>
-            <a:r>
-              <a:rPr lang="it-IT" dirty="0" smtClean="0"/>
-              <a:t>N</a:t>
-            </a:r>
-            <a:endParaRPr lang="it-IT" dirty="0"/>
-          </a:p>
-        </p:txBody>
-      </p:sp>
-      <p:sp>
-        <p:nvSpPr>
           <p:cNvPr id="293" name="CasellaDiTesto 292"/>
           <p:cNvSpPr txBox="1"/>
           <p:nvPr/>
         </p:nvSpPr>
         <p:spPr>
           <a:xfrm>
-            <a:off x="13817994" y="6828991"/>
+            <a:off x="15638364" y="4936646"/>
             <a:ext cx="301686" cy="369332"/>
           </a:xfrm>
           <a:prstGeom prst="rect">
@@ -9739,9 +7555,9 @@
           <p:nvPr/>
         </p:nvCxnSpPr>
         <p:spPr>
-          <a:xfrm flipV="1">
-            <a:off x="2607557" y="6575820"/>
-            <a:ext cx="449277" cy="1006961"/>
+          <a:xfrm flipH="1" flipV="1">
+            <a:off x="6588803" y="6887291"/>
+            <a:ext cx="245314" cy="1081570"/>
           </a:xfrm>
           <a:prstGeom prst="line">
             <a:avLst/>
@@ -9769,9 +7585,9 @@
           <p:nvPr/>
         </p:nvSpPr>
         <p:spPr>
-          <a:xfrm rot="1244468">
-            <a:off x="2913037" y="5876279"/>
-            <a:ext cx="543629" cy="722969"/>
+          <a:xfrm rot="122096">
+            <a:off x="5593373" y="6164550"/>
+            <a:ext cx="2016532" cy="722969"/>
           </a:xfrm>
           <a:prstGeom prst="diamond">
             <a:avLst/>
@@ -9799,7 +7615,19 @@
           <a:lstStyle/>
           <a:p>
             <a:pPr algn="ctr"/>
-            <a:endParaRPr lang="it-IT"/>
+            <a:r>
+              <a:rPr lang="it-IT" dirty="0" smtClean="0">
+                <a:solidFill>
+                  <a:schemeClr val="tx1"/>
+                </a:solidFill>
+              </a:rPr>
+              <a:t>Scrittura</a:t>
+            </a:r>
+            <a:endParaRPr lang="it-IT" dirty="0">
+              <a:solidFill>
+                <a:schemeClr val="tx1"/>
+              </a:solidFill>
+            </a:endParaRPr>
           </a:p>
         </p:txBody>
       </p:sp>
@@ -9807,14 +7635,15 @@
         <p:nvCxnSpPr>
           <p:cNvPr id="307" name="Connettore diritto 306"/>
           <p:cNvCxnSpPr>
+            <a:stCxn id="13" idx="2"/>
             <a:endCxn id="304" idx="0"/>
           </p:cNvCxnSpPr>
           <p:nvPr/>
         </p:nvCxnSpPr>
         <p:spPr>
           <a:xfrm flipH="1">
-            <a:off x="3312870" y="4715199"/>
-            <a:ext cx="993092" cy="1184508"/>
+            <a:off x="6614475" y="5107409"/>
+            <a:ext cx="1533826" cy="1057369"/>
           </a:xfrm>
           <a:prstGeom prst="line">
             <a:avLst/>
@@ -9843,8 +7672,8 @@
         </p:nvSpPr>
         <p:spPr>
           <a:xfrm>
-            <a:off x="2797181" y="6347997"/>
-            <a:ext cx="301686" cy="369332"/>
+            <a:off x="7023741" y="6734077"/>
+            <a:ext cx="333746" cy="369332"/>
           </a:xfrm>
           <a:prstGeom prst="rect">
             <a:avLst/>
@@ -9859,7 +7688,7 @@
           <a:p>
             <a:r>
               <a:rPr lang="it-IT" dirty="0" smtClean="0"/>
-              <a:t>1</a:t>
+              <a:t>N</a:t>
             </a:r>
             <a:endParaRPr lang="it-IT" dirty="0"/>
           </a:p>
@@ -9873,7 +7702,7 @@
         </p:nvSpPr>
         <p:spPr>
           <a:xfrm>
-            <a:off x="3051104" y="5611763"/>
+            <a:off x="7277664" y="5997843"/>
             <a:ext cx="333746" cy="369332"/>
           </a:xfrm>
           <a:prstGeom prst="rect">
@@ -9895,6 +7724,258 @@
           </a:p>
         </p:txBody>
       </p:sp>
+      <p:sp>
+        <p:nvSpPr>
+          <p:cNvPr id="27" name="CasellaDiTesto 26"/>
+          <p:cNvSpPr txBox="1"/>
+          <p:nvPr/>
+        </p:nvSpPr>
+        <p:spPr>
+          <a:xfrm>
+            <a:off x="17481297" y="4376333"/>
+            <a:ext cx="1432423" cy="369332"/>
+          </a:xfrm>
+          <a:prstGeom prst="rect">
+            <a:avLst/>
+          </a:prstGeom>
+          <a:noFill/>
+        </p:spPr>
+        <p:txBody>
+          <a:bodyPr wrap="square" rtlCol="0">
+            <a:spAutoFit/>
+          </a:bodyPr>
+          <a:lstStyle/>
+          <a:p>
+            <a:r>
+              <a:rPr lang="it-IT" dirty="0" smtClean="0"/>
+              <a:t>Tipo</a:t>
+            </a:r>
+          </a:p>
+        </p:txBody>
+      </p:sp>
+      <p:sp>
+        <p:nvSpPr>
+          <p:cNvPr id="28" name="CasellaDiTesto 27"/>
+          <p:cNvSpPr txBox="1"/>
+          <p:nvPr/>
+        </p:nvSpPr>
+        <p:spPr>
+          <a:xfrm>
+            <a:off x="17407714" y="5076221"/>
+            <a:ext cx="1221527" cy="369332"/>
+          </a:xfrm>
+          <a:prstGeom prst="rect">
+            <a:avLst/>
+          </a:prstGeom>
+          <a:noFill/>
+        </p:spPr>
+        <p:txBody>
+          <a:bodyPr wrap="square" rtlCol="0">
+            <a:spAutoFit/>
+          </a:bodyPr>
+          <a:lstStyle/>
+          <a:p>
+            <a:r>
+              <a:rPr lang="it-IT" dirty="0" err="1" smtClean="0"/>
+              <a:t>CliFor</a:t>
+            </a:r>
+            <a:endParaRPr lang="it-IT" dirty="0"/>
+          </a:p>
+        </p:txBody>
+      </p:sp>
+      <p:cxnSp>
+        <p:nvCxnSpPr>
+          <p:cNvPr id="48" name="Connettore diritto 47"/>
+          <p:cNvCxnSpPr>
+            <a:stCxn id="9" idx="3"/>
+            <a:endCxn id="27" idx="1"/>
+          </p:cNvCxnSpPr>
+          <p:nvPr/>
+        </p:nvCxnSpPr>
+        <p:spPr>
+          <a:xfrm>
+            <a:off x="14987736" y="4476702"/>
+            <a:ext cx="2493561" cy="84297"/>
+          </a:xfrm>
+          <a:prstGeom prst="line">
+            <a:avLst/>
+          </a:prstGeom>
+        </p:spPr>
+        <p:style>
+          <a:lnRef idx="1">
+            <a:schemeClr val="accent1"/>
+          </a:lnRef>
+          <a:fillRef idx="0">
+            <a:schemeClr val="accent1"/>
+          </a:fillRef>
+          <a:effectRef idx="0">
+            <a:schemeClr val="accent1"/>
+          </a:effectRef>
+          <a:fontRef idx="minor">
+            <a:schemeClr val="tx1"/>
+          </a:fontRef>
+        </p:style>
+      </p:cxnSp>
+      <p:cxnSp>
+        <p:nvCxnSpPr>
+          <p:cNvPr id="52" name="Connettore diritto 51"/>
+          <p:cNvCxnSpPr>
+            <a:stCxn id="9" idx="3"/>
+            <a:endCxn id="28" idx="1"/>
+          </p:cNvCxnSpPr>
+          <p:nvPr/>
+        </p:nvCxnSpPr>
+        <p:spPr>
+          <a:xfrm>
+            <a:off x="14987736" y="4476702"/>
+            <a:ext cx="2419978" cy="784185"/>
+          </a:xfrm>
+          <a:prstGeom prst="line">
+            <a:avLst/>
+          </a:prstGeom>
+        </p:spPr>
+        <p:style>
+          <a:lnRef idx="1">
+            <a:schemeClr val="accent1"/>
+          </a:lnRef>
+          <a:fillRef idx="0">
+            <a:schemeClr val="accent1"/>
+          </a:fillRef>
+          <a:effectRef idx="0">
+            <a:schemeClr val="accent1"/>
+          </a:effectRef>
+          <a:fontRef idx="minor">
+            <a:schemeClr val="tx1"/>
+          </a:fontRef>
+        </p:style>
+      </p:cxnSp>
+      <p:cxnSp>
+        <p:nvCxnSpPr>
+          <p:cNvPr id="456" name="Connettore diritto 455"/>
+          <p:cNvCxnSpPr>
+            <a:stCxn id="13" idx="2"/>
+          </p:cNvCxnSpPr>
+          <p:nvPr/>
+        </p:nvCxnSpPr>
+        <p:spPr>
+          <a:xfrm>
+            <a:off x="8148301" y="5107409"/>
+            <a:ext cx="410385" cy="378184"/>
+          </a:xfrm>
+          <a:prstGeom prst="line">
+            <a:avLst/>
+          </a:prstGeom>
+        </p:spPr>
+        <p:style>
+          <a:lnRef idx="1">
+            <a:schemeClr val="accent1"/>
+          </a:lnRef>
+          <a:fillRef idx="0">
+            <a:schemeClr val="accent1"/>
+          </a:fillRef>
+          <a:effectRef idx="0">
+            <a:schemeClr val="accent1"/>
+          </a:effectRef>
+          <a:fontRef idx="minor">
+            <a:schemeClr val="tx1"/>
+          </a:fontRef>
+        </p:style>
+      </p:cxnSp>
+      <p:sp>
+        <p:nvSpPr>
+          <p:cNvPr id="457" name="CasellaDiTesto 456"/>
+          <p:cNvSpPr txBox="1"/>
+          <p:nvPr/>
+        </p:nvSpPr>
+        <p:spPr>
+          <a:xfrm>
+            <a:off x="8723293" y="5284311"/>
+            <a:ext cx="1175867" cy="369332"/>
+          </a:xfrm>
+          <a:prstGeom prst="rect">
+            <a:avLst/>
+          </a:prstGeom>
+          <a:noFill/>
+        </p:spPr>
+        <p:txBody>
+          <a:bodyPr wrap="square" rtlCol="0">
+            <a:spAutoFit/>
+          </a:bodyPr>
+          <a:lstStyle/>
+          <a:p>
+            <a:r>
+              <a:rPr lang="it-IT" dirty="0" err="1" smtClean="0"/>
+              <a:t>ID_Conto</a:t>
+            </a:r>
+            <a:endParaRPr lang="it-IT" dirty="0"/>
+          </a:p>
+        </p:txBody>
+      </p:sp>
+      <p:cxnSp>
+        <p:nvCxnSpPr>
+          <p:cNvPr id="459" name="Connettore diritto 458"/>
+          <p:cNvCxnSpPr>
+            <a:stCxn id="304" idx="1"/>
+            <a:endCxn id="879" idx="3"/>
+          </p:cNvCxnSpPr>
+          <p:nvPr/>
+        </p:nvCxnSpPr>
+        <p:spPr>
+          <a:xfrm flipH="1" flipV="1">
+            <a:off x="4144935" y="5825797"/>
+            <a:ext cx="1449074" cy="664436"/>
+          </a:xfrm>
+          <a:prstGeom prst="line">
+            <a:avLst/>
+          </a:prstGeom>
+        </p:spPr>
+        <p:style>
+          <a:lnRef idx="1">
+            <a:schemeClr val="accent1"/>
+          </a:lnRef>
+          <a:fillRef idx="0">
+            <a:schemeClr val="accent1"/>
+          </a:fillRef>
+          <a:effectRef idx="0">
+            <a:schemeClr val="accent1"/>
+          </a:effectRef>
+          <a:fontRef idx="minor">
+            <a:schemeClr val="tx1"/>
+          </a:fontRef>
+        </p:style>
+      </p:cxnSp>
+      <p:cxnSp>
+        <p:nvCxnSpPr>
+          <p:cNvPr id="462" name="Connettore diritto 461"/>
+          <p:cNvCxnSpPr>
+            <a:stCxn id="304" idx="1"/>
+          </p:cNvCxnSpPr>
+          <p:nvPr/>
+        </p:nvCxnSpPr>
+        <p:spPr>
+          <a:xfrm flipH="1">
+            <a:off x="3572939" y="6490233"/>
+            <a:ext cx="2021070" cy="524745"/>
+          </a:xfrm>
+          <a:prstGeom prst="line">
+            <a:avLst/>
+          </a:prstGeom>
+        </p:spPr>
+        <p:style>
+          <a:lnRef idx="1">
+            <a:schemeClr val="accent1"/>
+          </a:lnRef>
+          <a:fillRef idx="0">
+            <a:schemeClr val="accent1"/>
+          </a:fillRef>
+          <a:effectRef idx="0">
+            <a:schemeClr val="accent1"/>
+          </a:effectRef>
+          <a:fontRef idx="minor">
+            <a:schemeClr val="tx1"/>
+          </a:fontRef>
+        </p:style>
+      </p:cxnSp>
     </p:spTree>
     <p:extLst>
       <p:ext uri="{BB962C8B-B14F-4D97-AF65-F5344CB8AC3E}">
